--- a/presentatie_cathyRens.pptx
+++ b/presentatie_cathyRens.pptx
@@ -5,15 +5,19 @@
     <p:sldMasterId id="2147483648" r:id="rId1"/>
   </p:sldMasterIdLst>
   <p:notesMasterIdLst>
-    <p:notesMasterId r:id="rId8"/>
+    <p:notesMasterId r:id="rId12"/>
   </p:notesMasterIdLst>
   <p:sldIdLst>
     <p:sldId id="256" r:id="rId2"/>
     <p:sldId id="274" r:id="rId3"/>
-    <p:sldId id="257" r:id="rId4"/>
-    <p:sldId id="270" r:id="rId5"/>
-    <p:sldId id="273" r:id="rId6"/>
-    <p:sldId id="272" r:id="rId7"/>
+    <p:sldId id="276" r:id="rId4"/>
+    <p:sldId id="277" r:id="rId5"/>
+    <p:sldId id="275" r:id="rId6"/>
+    <p:sldId id="257" r:id="rId7"/>
+    <p:sldId id="270" r:id="rId8"/>
+    <p:sldId id="273" r:id="rId9"/>
+    <p:sldId id="279" r:id="rId10"/>
+    <p:sldId id="272" r:id="rId11"/>
   </p:sldIdLst>
   <p:sldSz cx="12192000" cy="6858000"/>
   <p:notesSz cx="6858000" cy="9144000"/>
@@ -513,6 +517,12 @@
           <a:bodyPr/>
           <a:lstStyle/>
           <a:p>
+            <a:r>
+              <a:rPr lang="en-GB" dirty="0"/>
+              <a:t>On these websites the user can, among other things, make a hotel reservation or buy flight tickets.</a:t>
+            </a:r>
+          </a:p>
+          <a:p>
             <a:endParaRPr lang="nl-NL" dirty="0"/>
           </a:p>
         </p:txBody>
@@ -597,602 +607,6 @@
           <a:bodyPr/>
           <a:lstStyle/>
           <a:p>
-            <a:r>
-              <a:rPr lang="nl-NL" sz="1200" b="0" i="0" u="none" strike="noStrike" kern="1200" dirty="0">
-                <a:solidFill>
-                  <a:schemeClr val="tx1"/>
-                </a:solidFill>
-                <a:effectLst/>
-                <a:latin typeface="+mn-lt"/>
-                <a:ea typeface="+mn-ea"/>
-                <a:cs typeface="+mn-cs"/>
-              </a:rPr>
-              <a:t>The </a:t>
-            </a:r>
-            <a:r>
-              <a:rPr lang="nl-NL" sz="1200" b="0" i="0" u="none" strike="noStrike" kern="1200" dirty="0" err="1">
-                <a:solidFill>
-                  <a:schemeClr val="tx1"/>
-                </a:solidFill>
-                <a:effectLst/>
-                <a:latin typeface="+mn-lt"/>
-                <a:ea typeface="+mn-ea"/>
-                <a:cs typeface="+mn-cs"/>
-              </a:rPr>
-              <a:t>final</a:t>
-            </a:r>
-            <a:r>
-              <a:rPr lang="nl-NL" sz="1200" b="0" i="0" u="none" strike="noStrike" kern="1200" dirty="0">
-                <a:solidFill>
-                  <a:schemeClr val="tx1"/>
-                </a:solidFill>
-                <a:effectLst/>
-                <a:latin typeface="+mn-lt"/>
-                <a:ea typeface="+mn-ea"/>
-                <a:cs typeface="+mn-cs"/>
-              </a:rPr>
-              <a:t> model </a:t>
-            </a:r>
-            <a:r>
-              <a:rPr lang="nl-NL" sz="1200" b="0" i="0" u="none" strike="noStrike" kern="1200" dirty="0" err="1">
-                <a:solidFill>
-                  <a:schemeClr val="tx1"/>
-                </a:solidFill>
-                <a:effectLst/>
-                <a:latin typeface="+mn-lt"/>
-                <a:ea typeface="+mn-ea"/>
-                <a:cs typeface="+mn-cs"/>
-              </a:rPr>
-              <a:t>that</a:t>
-            </a:r>
-            <a:r>
-              <a:rPr lang="nl-NL" sz="1200" b="0" i="0" u="none" strike="noStrike" kern="1200" dirty="0">
-                <a:solidFill>
-                  <a:schemeClr val="tx1"/>
-                </a:solidFill>
-                <a:effectLst/>
-                <a:latin typeface="+mn-lt"/>
-                <a:ea typeface="+mn-ea"/>
-                <a:cs typeface="+mn-cs"/>
-              </a:rPr>
-              <a:t> is </a:t>
-            </a:r>
-            <a:r>
-              <a:rPr lang="nl-NL" sz="1200" b="0" i="0" u="none" strike="noStrike" kern="1200" dirty="0" err="1">
-                <a:solidFill>
-                  <a:schemeClr val="tx1"/>
-                </a:solidFill>
-                <a:effectLst/>
-                <a:latin typeface="+mn-lt"/>
-                <a:ea typeface="+mn-ea"/>
-                <a:cs typeface="+mn-cs"/>
-              </a:rPr>
-              <a:t>used</a:t>
-            </a:r>
-            <a:r>
-              <a:rPr lang="nl-NL" sz="1200" b="0" i="0" u="none" strike="noStrike" kern="1200" dirty="0">
-                <a:solidFill>
-                  <a:schemeClr val="tx1"/>
-                </a:solidFill>
-                <a:effectLst/>
-                <a:latin typeface="+mn-lt"/>
-                <a:ea typeface="+mn-ea"/>
-                <a:cs typeface="+mn-cs"/>
-              </a:rPr>
-              <a:t> is </a:t>
-            </a:r>
-            <a:r>
-              <a:rPr lang="nl-NL" sz="1200" b="0" i="0" u="none" strike="noStrike" kern="1200" dirty="0" err="1">
-                <a:solidFill>
-                  <a:schemeClr val="tx1"/>
-                </a:solidFill>
-                <a:effectLst/>
-                <a:latin typeface="+mn-lt"/>
-                <a:ea typeface="+mn-ea"/>
-                <a:cs typeface="+mn-cs"/>
-              </a:rPr>
-              <a:t>the</a:t>
-            </a:r>
-            <a:r>
-              <a:rPr lang="nl-NL" sz="1200" b="0" i="0" u="none" strike="noStrike" kern="1200" dirty="0">
-                <a:solidFill>
-                  <a:schemeClr val="tx1"/>
-                </a:solidFill>
-                <a:effectLst/>
-                <a:latin typeface="+mn-lt"/>
-                <a:ea typeface="+mn-ea"/>
-                <a:cs typeface="+mn-cs"/>
-              </a:rPr>
-              <a:t> </a:t>
-            </a:r>
-            <a:r>
-              <a:rPr lang="nl-NL" sz="1200" b="0" i="0" u="none" strike="noStrike" kern="1200" dirty="0" err="1">
-                <a:solidFill>
-                  <a:schemeClr val="tx1"/>
-                </a:solidFill>
-                <a:effectLst/>
-                <a:latin typeface="+mn-lt"/>
-                <a:ea typeface="+mn-ea"/>
-                <a:cs typeface="+mn-cs"/>
-              </a:rPr>
-              <a:t>XGBoost</a:t>
-            </a:r>
-            <a:r>
-              <a:rPr lang="nl-NL" sz="1200" b="0" i="0" u="none" strike="noStrike" kern="1200" dirty="0">
-                <a:solidFill>
-                  <a:schemeClr val="tx1"/>
-                </a:solidFill>
-                <a:effectLst/>
-                <a:latin typeface="+mn-lt"/>
-                <a:ea typeface="+mn-ea"/>
-                <a:cs typeface="+mn-cs"/>
-              </a:rPr>
-              <a:t> model </a:t>
-            </a:r>
-            <a:r>
-              <a:rPr lang="nl-NL" sz="1200" b="0" i="0" u="none" strike="noStrike" kern="1200" dirty="0" err="1">
-                <a:solidFill>
-                  <a:schemeClr val="tx1"/>
-                </a:solidFill>
-                <a:effectLst/>
-                <a:latin typeface="+mn-lt"/>
-                <a:ea typeface="+mn-ea"/>
-                <a:cs typeface="+mn-cs"/>
-              </a:rPr>
-              <a:t>which</a:t>
-            </a:r>
-            <a:r>
-              <a:rPr lang="nl-NL" sz="1200" b="0" i="0" u="none" strike="noStrike" kern="1200" dirty="0">
-                <a:solidFill>
-                  <a:schemeClr val="tx1"/>
-                </a:solidFill>
-                <a:effectLst/>
-                <a:latin typeface="+mn-lt"/>
-                <a:ea typeface="+mn-ea"/>
-                <a:cs typeface="+mn-cs"/>
-              </a:rPr>
-              <a:t> is proven </a:t>
-            </a:r>
-            <a:r>
-              <a:rPr lang="nl-NL" sz="1200" b="0" i="0" u="none" strike="noStrike" kern="1200" dirty="0" err="1">
-                <a:solidFill>
-                  <a:schemeClr val="tx1"/>
-                </a:solidFill>
-                <a:effectLst/>
-                <a:latin typeface="+mn-lt"/>
-                <a:ea typeface="+mn-ea"/>
-                <a:cs typeface="+mn-cs"/>
-              </a:rPr>
-              <a:t>to</a:t>
-            </a:r>
-            <a:r>
-              <a:rPr lang="nl-NL" sz="1200" b="0" i="0" u="none" strike="noStrike" kern="1200" dirty="0">
-                <a:solidFill>
-                  <a:schemeClr val="tx1"/>
-                </a:solidFill>
-                <a:effectLst/>
-                <a:latin typeface="+mn-lt"/>
-                <a:ea typeface="+mn-ea"/>
-                <a:cs typeface="+mn-cs"/>
-              </a:rPr>
-              <a:t> </a:t>
-            </a:r>
-            <a:r>
-              <a:rPr lang="nl-NL" sz="1200" b="0" i="0" u="none" strike="noStrike" kern="1200" dirty="0" err="1">
-                <a:solidFill>
-                  <a:schemeClr val="tx1"/>
-                </a:solidFill>
-                <a:effectLst/>
-                <a:latin typeface="+mn-lt"/>
-                <a:ea typeface="+mn-ea"/>
-                <a:cs typeface="+mn-cs"/>
-              </a:rPr>
-              <a:t>be</a:t>
-            </a:r>
-            <a:r>
-              <a:rPr lang="nl-NL" sz="1200" b="0" i="0" u="none" strike="noStrike" kern="1200" dirty="0">
-                <a:solidFill>
-                  <a:schemeClr val="tx1"/>
-                </a:solidFill>
-                <a:effectLst/>
-                <a:latin typeface="+mn-lt"/>
-                <a:ea typeface="+mn-ea"/>
-                <a:cs typeface="+mn-cs"/>
-              </a:rPr>
-              <a:t> a </a:t>
-            </a:r>
-            <a:r>
-              <a:rPr lang="nl-NL" sz="1200" b="0" i="0" u="none" strike="noStrike" kern="1200" dirty="0" err="1">
-                <a:solidFill>
-                  <a:schemeClr val="tx1"/>
-                </a:solidFill>
-                <a:effectLst/>
-                <a:latin typeface="+mn-lt"/>
-                <a:ea typeface="+mn-ea"/>
-                <a:cs typeface="+mn-cs"/>
-              </a:rPr>
-              <a:t>very</a:t>
-            </a:r>
-            <a:r>
-              <a:rPr lang="nl-NL" sz="1200" b="0" i="0" u="none" strike="noStrike" kern="1200" dirty="0">
-                <a:solidFill>
-                  <a:schemeClr val="tx1"/>
-                </a:solidFill>
-                <a:effectLst/>
-                <a:latin typeface="+mn-lt"/>
-                <a:ea typeface="+mn-ea"/>
-                <a:cs typeface="+mn-cs"/>
-              </a:rPr>
-              <a:t> </a:t>
-            </a:r>
-            <a:r>
-              <a:rPr lang="nl-NL" sz="1200" b="0" i="0" u="none" strike="noStrike" kern="1200" dirty="0" err="1">
-                <a:solidFill>
-                  <a:schemeClr val="tx1"/>
-                </a:solidFill>
-                <a:effectLst/>
-                <a:latin typeface="+mn-lt"/>
-                <a:ea typeface="+mn-ea"/>
-                <a:cs typeface="+mn-cs"/>
-              </a:rPr>
-              <a:t>powerful</a:t>
-            </a:r>
-            <a:r>
-              <a:rPr lang="nl-NL" sz="1200" b="0" i="0" u="none" strike="noStrike" kern="1200" dirty="0">
-                <a:solidFill>
-                  <a:schemeClr val="tx1"/>
-                </a:solidFill>
-                <a:effectLst/>
-                <a:latin typeface="+mn-lt"/>
-                <a:ea typeface="+mn-ea"/>
-                <a:cs typeface="+mn-cs"/>
-              </a:rPr>
-              <a:t> machine </a:t>
-            </a:r>
-            <a:r>
-              <a:rPr lang="nl-NL" sz="1200" b="0" i="0" u="none" strike="noStrike" kern="1200" dirty="0" err="1">
-                <a:solidFill>
-                  <a:schemeClr val="tx1"/>
-                </a:solidFill>
-                <a:effectLst/>
-                <a:latin typeface="+mn-lt"/>
-                <a:ea typeface="+mn-ea"/>
-                <a:cs typeface="+mn-cs"/>
-              </a:rPr>
-              <a:t>learning</a:t>
-            </a:r>
-            <a:r>
-              <a:rPr lang="nl-NL" sz="1200" b="0" i="0" u="none" strike="noStrike" kern="1200" dirty="0">
-                <a:solidFill>
-                  <a:schemeClr val="tx1"/>
-                </a:solidFill>
-                <a:effectLst/>
-                <a:latin typeface="+mn-lt"/>
-                <a:ea typeface="+mn-ea"/>
-                <a:cs typeface="+mn-cs"/>
-              </a:rPr>
-              <a:t> model.</a:t>
-            </a:r>
-          </a:p>
-          <a:p>
-            <a:endParaRPr lang="nl-NL" sz="1200" b="0" i="0" u="none" strike="noStrike" kern="1200" dirty="0">
-              <a:solidFill>
-                <a:schemeClr val="tx1"/>
-              </a:solidFill>
-              <a:effectLst/>
-              <a:latin typeface="+mn-lt"/>
-              <a:ea typeface="+mn-ea"/>
-              <a:cs typeface="+mn-cs"/>
-            </a:endParaRPr>
-          </a:p>
-          <a:p>
-            <a:pPr marL="0" marR="0" lvl="0" indent="0" algn="l" defTabSz="914400" rtl="0" eaLnBrk="1" fontAlgn="auto" latinLnBrk="0" hangingPunct="1">
-              <a:lnSpc>
-                <a:spcPct val="100000"/>
-              </a:lnSpc>
-              <a:spcBef>
-                <a:spcPts val="0"/>
-              </a:spcBef>
-              <a:spcAft>
-                <a:spcPts val="0"/>
-              </a:spcAft>
-              <a:buClrTx/>
-              <a:buSzTx/>
-              <a:buFontTx/>
-              <a:buNone/>
-              <a:tabLst/>
-              <a:defRPr/>
-            </a:pPr>
-            <a:r>
-              <a:rPr lang="nl-NL" sz="1200" b="0" i="0" u="none" strike="noStrike" kern="1200" dirty="0" err="1">
-                <a:solidFill>
-                  <a:schemeClr val="tx1"/>
-                </a:solidFill>
-                <a:effectLst/>
-                <a:latin typeface="+mn-lt"/>
-                <a:ea typeface="+mn-ea"/>
-                <a:cs typeface="+mn-cs"/>
-              </a:rPr>
-              <a:t>XGBoost</a:t>
-            </a:r>
-            <a:r>
-              <a:rPr lang="nl-NL" sz="1200" b="0" i="0" u="none" strike="noStrike" kern="1200" dirty="0">
-                <a:solidFill>
-                  <a:schemeClr val="tx1"/>
-                </a:solidFill>
-                <a:effectLst/>
-                <a:latin typeface="+mn-lt"/>
-                <a:ea typeface="+mn-ea"/>
-                <a:cs typeface="+mn-cs"/>
-              </a:rPr>
-              <a:t> stands </a:t>
-            </a:r>
-            <a:r>
-              <a:rPr lang="nl-NL" sz="1200" b="0" i="0" u="none" strike="noStrike" kern="1200" dirty="0" err="1">
-                <a:solidFill>
-                  <a:schemeClr val="tx1"/>
-                </a:solidFill>
-                <a:effectLst/>
-                <a:latin typeface="+mn-lt"/>
-                <a:ea typeface="+mn-ea"/>
-                <a:cs typeface="+mn-cs"/>
-              </a:rPr>
-              <a:t>for</a:t>
-            </a:r>
-            <a:r>
-              <a:rPr lang="nl-NL" sz="1200" b="0" i="0" u="none" strike="noStrike" kern="1200" dirty="0">
-                <a:solidFill>
-                  <a:schemeClr val="tx1"/>
-                </a:solidFill>
-                <a:effectLst/>
-                <a:latin typeface="+mn-lt"/>
-                <a:ea typeface="+mn-ea"/>
-                <a:cs typeface="+mn-cs"/>
-              </a:rPr>
-              <a:t> </a:t>
-            </a:r>
-            <a:r>
-              <a:rPr lang="nl-NL" sz="1200" b="0" i="0" u="none" strike="noStrike" kern="1200" dirty="0" err="1">
-                <a:solidFill>
-                  <a:schemeClr val="tx1"/>
-                </a:solidFill>
-                <a:effectLst/>
-                <a:latin typeface="+mn-lt"/>
-                <a:ea typeface="+mn-ea"/>
-                <a:cs typeface="+mn-cs"/>
-              </a:rPr>
-              <a:t>eXtreme</a:t>
-            </a:r>
-            <a:r>
-              <a:rPr lang="nl-NL" sz="1200" b="0" i="0" u="none" strike="noStrike" kern="1200" dirty="0">
-                <a:solidFill>
-                  <a:schemeClr val="tx1"/>
-                </a:solidFill>
-                <a:effectLst/>
-                <a:latin typeface="+mn-lt"/>
-                <a:ea typeface="+mn-ea"/>
-                <a:cs typeface="+mn-cs"/>
-              </a:rPr>
-              <a:t> </a:t>
-            </a:r>
-            <a:r>
-              <a:rPr lang="nl-NL" sz="1200" b="0" i="0" u="none" strike="noStrike" kern="1200" dirty="0" err="1">
-                <a:solidFill>
-                  <a:schemeClr val="tx1"/>
-                </a:solidFill>
-                <a:effectLst/>
-                <a:latin typeface="+mn-lt"/>
-                <a:ea typeface="+mn-ea"/>
-                <a:cs typeface="+mn-cs"/>
-              </a:rPr>
-              <a:t>Gradient</a:t>
-            </a:r>
-            <a:r>
-              <a:rPr lang="nl-NL" sz="1200" b="0" i="0" u="none" strike="noStrike" kern="1200" dirty="0">
-                <a:solidFill>
-                  <a:schemeClr val="tx1"/>
-                </a:solidFill>
-                <a:effectLst/>
-                <a:latin typeface="+mn-lt"/>
-                <a:ea typeface="+mn-ea"/>
-                <a:cs typeface="+mn-cs"/>
-              </a:rPr>
-              <a:t> Boosting.  </a:t>
-            </a:r>
-            <a:r>
-              <a:rPr lang="nl-NL" sz="1200" b="0" i="0" u="none" strike="noStrike" kern="1200" dirty="0" err="1">
-                <a:solidFill>
-                  <a:schemeClr val="tx1"/>
-                </a:solidFill>
-                <a:effectLst/>
-                <a:latin typeface="+mn-lt"/>
-                <a:ea typeface="+mn-ea"/>
-                <a:cs typeface="+mn-cs"/>
-              </a:rPr>
-              <a:t>itis</a:t>
-            </a:r>
-            <a:r>
-              <a:rPr lang="nl-NL" sz="1200" b="0" i="0" u="none" strike="noStrike" kern="1200" dirty="0">
-                <a:solidFill>
-                  <a:schemeClr val="tx1"/>
-                </a:solidFill>
-                <a:effectLst/>
-                <a:latin typeface="+mn-lt"/>
-                <a:ea typeface="+mn-ea"/>
-                <a:cs typeface="+mn-cs"/>
-              </a:rPr>
-              <a:t> a parallel </a:t>
-            </a:r>
-            <a:r>
-              <a:rPr lang="nl-NL" sz="1200" b="0" i="0" u="none" strike="noStrike" kern="1200" dirty="0" err="1">
-                <a:solidFill>
-                  <a:schemeClr val="tx1"/>
-                </a:solidFill>
-                <a:effectLst/>
-                <a:latin typeface="+mn-lt"/>
-                <a:ea typeface="+mn-ea"/>
-                <a:cs typeface="+mn-cs"/>
-              </a:rPr>
-              <a:t>implementation</a:t>
-            </a:r>
-            <a:r>
-              <a:rPr lang="nl-NL" sz="1200" b="0" i="0" u="none" strike="noStrike" kern="1200" dirty="0">
-                <a:solidFill>
-                  <a:schemeClr val="tx1"/>
-                </a:solidFill>
-                <a:effectLst/>
-                <a:latin typeface="+mn-lt"/>
-                <a:ea typeface="+mn-ea"/>
-                <a:cs typeface="+mn-cs"/>
-              </a:rPr>
-              <a:t> of </a:t>
-            </a:r>
-            <a:r>
-              <a:rPr lang="nl-NL" sz="1200" b="0" i="0" u="none" strike="noStrike" kern="1200" dirty="0" err="1">
-                <a:solidFill>
-                  <a:schemeClr val="tx1"/>
-                </a:solidFill>
-                <a:effectLst/>
-                <a:latin typeface="+mn-lt"/>
-                <a:ea typeface="+mn-ea"/>
-                <a:cs typeface="+mn-cs"/>
-              </a:rPr>
-              <a:t>Gradient</a:t>
-            </a:r>
-            <a:r>
-              <a:rPr lang="nl-NL" sz="1200" b="0" i="0" u="none" strike="noStrike" kern="1200" dirty="0">
-                <a:solidFill>
-                  <a:schemeClr val="tx1"/>
-                </a:solidFill>
-                <a:effectLst/>
-                <a:latin typeface="+mn-lt"/>
-                <a:ea typeface="+mn-ea"/>
-                <a:cs typeface="+mn-cs"/>
-              </a:rPr>
-              <a:t> </a:t>
-            </a:r>
-            <a:r>
-              <a:rPr lang="nl-NL" sz="1200" b="0" i="0" u="none" strike="noStrike" kern="1200" dirty="0" err="1">
-                <a:solidFill>
-                  <a:schemeClr val="tx1"/>
-                </a:solidFill>
-                <a:effectLst/>
-                <a:latin typeface="+mn-lt"/>
-                <a:ea typeface="+mn-ea"/>
-                <a:cs typeface="+mn-cs"/>
-              </a:rPr>
-              <a:t>Boosted</a:t>
-            </a:r>
-            <a:r>
-              <a:rPr lang="nl-NL" sz="1200" b="0" i="0" u="none" strike="noStrike" kern="1200" dirty="0">
-                <a:solidFill>
-                  <a:schemeClr val="tx1"/>
-                </a:solidFill>
-                <a:effectLst/>
-                <a:latin typeface="+mn-lt"/>
-                <a:ea typeface="+mn-ea"/>
-                <a:cs typeface="+mn-cs"/>
-              </a:rPr>
-              <a:t> </a:t>
-            </a:r>
-            <a:r>
-              <a:rPr lang="nl-NL" sz="1200" b="0" i="0" u="none" strike="noStrike" kern="1200" dirty="0" err="1">
-                <a:solidFill>
-                  <a:schemeClr val="tx1"/>
-                </a:solidFill>
-                <a:effectLst/>
-                <a:latin typeface="+mn-lt"/>
-                <a:ea typeface="+mn-ea"/>
-                <a:cs typeface="+mn-cs"/>
-              </a:rPr>
-              <a:t>Decision</a:t>
-            </a:r>
-            <a:r>
-              <a:rPr lang="nl-NL" sz="1200" b="0" i="0" u="none" strike="noStrike" kern="1200" dirty="0">
-                <a:solidFill>
-                  <a:schemeClr val="tx1"/>
-                </a:solidFill>
-                <a:effectLst/>
-                <a:latin typeface="+mn-lt"/>
-                <a:ea typeface="+mn-ea"/>
-                <a:cs typeface="+mn-cs"/>
-              </a:rPr>
-              <a:t> Trees (GBDT) </a:t>
-            </a:r>
-            <a:r>
-              <a:rPr lang="nl-NL" sz="1200" b="0" i="0" u="none" strike="noStrike" kern="1200" dirty="0" err="1">
-                <a:solidFill>
-                  <a:schemeClr val="tx1"/>
-                </a:solidFill>
-                <a:effectLst/>
-                <a:latin typeface="+mn-lt"/>
-                <a:ea typeface="+mn-ea"/>
-                <a:cs typeface="+mn-cs"/>
-              </a:rPr>
-              <a:t>designed</a:t>
-            </a:r>
-            <a:r>
-              <a:rPr lang="nl-NL" sz="1200" b="0" i="0" u="none" strike="noStrike" kern="1200" dirty="0">
-                <a:solidFill>
-                  <a:schemeClr val="tx1"/>
-                </a:solidFill>
-                <a:effectLst/>
-                <a:latin typeface="+mn-lt"/>
-                <a:ea typeface="+mn-ea"/>
-                <a:cs typeface="+mn-cs"/>
-              </a:rPr>
-              <a:t> </a:t>
-            </a:r>
-            <a:r>
-              <a:rPr lang="nl-NL" sz="1200" b="0" i="0" u="none" strike="noStrike" kern="1200" dirty="0" err="1">
-                <a:solidFill>
-                  <a:schemeClr val="tx1"/>
-                </a:solidFill>
-                <a:effectLst/>
-                <a:latin typeface="+mn-lt"/>
-                <a:ea typeface="+mn-ea"/>
-                <a:cs typeface="+mn-cs"/>
-              </a:rPr>
-              <a:t>for</a:t>
-            </a:r>
-            <a:r>
-              <a:rPr lang="nl-NL" sz="1200" b="0" i="0" u="none" strike="noStrike" kern="1200" dirty="0">
-                <a:solidFill>
-                  <a:schemeClr val="tx1"/>
-                </a:solidFill>
-                <a:effectLst/>
-                <a:latin typeface="+mn-lt"/>
-                <a:ea typeface="+mn-ea"/>
-                <a:cs typeface="+mn-cs"/>
-              </a:rPr>
-              <a:t> speed </a:t>
-            </a:r>
-            <a:r>
-              <a:rPr lang="nl-NL" sz="1200" b="0" i="0" u="none" strike="noStrike" kern="1200" dirty="0" err="1">
-                <a:solidFill>
-                  <a:schemeClr val="tx1"/>
-                </a:solidFill>
-                <a:effectLst/>
-                <a:latin typeface="+mn-lt"/>
-                <a:ea typeface="+mn-ea"/>
-                <a:cs typeface="+mn-cs"/>
-              </a:rPr>
-              <a:t>and</a:t>
-            </a:r>
-            <a:r>
-              <a:rPr lang="nl-NL" sz="1200" b="0" i="0" u="none" strike="noStrike" kern="1200" dirty="0">
-                <a:solidFill>
-                  <a:schemeClr val="tx1"/>
-                </a:solidFill>
-                <a:effectLst/>
-                <a:latin typeface="+mn-lt"/>
-                <a:ea typeface="+mn-ea"/>
-                <a:cs typeface="+mn-cs"/>
-              </a:rPr>
-              <a:t> performance. </a:t>
-            </a:r>
-          </a:p>
-          <a:p>
             <a:endParaRPr lang="nl-NL" dirty="0"/>
           </a:p>
         </p:txBody>
@@ -1223,7 +637,7 @@
     </p:spTree>
     <p:extLst>
       <p:ext uri="{BB962C8B-B14F-4D97-AF65-F5344CB8AC3E}">
-        <p14:creationId xmlns:p14="http://schemas.microsoft.com/office/powerpoint/2010/main" val="1482564921"/>
+        <p14:creationId xmlns:p14="http://schemas.microsoft.com/office/powerpoint/2010/main" val="2659352281"/>
       </p:ext>
     </p:extLst>
   </p:cSld>
@@ -1278,211 +692,9 @@
           <a:lstStyle/>
           <a:p>
             <a:r>
-              <a:rPr lang="en-US" sz="1200" kern="1200" dirty="0">
-                <a:solidFill>
-                  <a:schemeClr val="tx1"/>
-                </a:solidFill>
-                <a:effectLst/>
-                <a:latin typeface="+mn-lt"/>
-                <a:ea typeface="+mn-ea"/>
-                <a:cs typeface="+mn-cs"/>
-              </a:rPr>
-              <a:t>This is a technique which applies a framework called gradient boosting that uses regression trees as base learners. </a:t>
-            </a:r>
-            <a:endParaRPr lang="nl-NL" sz="1200" kern="1200" dirty="0">
-              <a:solidFill>
-                <a:schemeClr val="tx1"/>
-              </a:solidFill>
-              <a:effectLst/>
-              <a:latin typeface="+mn-lt"/>
-              <a:ea typeface="+mn-ea"/>
-              <a:cs typeface="+mn-cs"/>
-            </a:endParaRPr>
-          </a:p>
-          <a:p>
-            <a:r>
-              <a:rPr lang="en-US" sz="1200" kern="1200" dirty="0">
-                <a:solidFill>
-                  <a:schemeClr val="tx1"/>
-                </a:solidFill>
-                <a:effectLst/>
-                <a:latin typeface="+mn-lt"/>
-                <a:ea typeface="+mn-ea"/>
-                <a:cs typeface="+mn-cs"/>
-              </a:rPr>
-              <a:t> </a:t>
-            </a:r>
-            <a:endParaRPr lang="nl-NL" sz="1200" kern="1200" dirty="0">
-              <a:solidFill>
-                <a:schemeClr val="tx1"/>
-              </a:solidFill>
-              <a:effectLst/>
-              <a:latin typeface="+mn-lt"/>
-              <a:ea typeface="+mn-ea"/>
-              <a:cs typeface="+mn-cs"/>
-            </a:endParaRPr>
-          </a:p>
-          <a:p>
-            <a:pPr marL="0" marR="0" lvl="0" indent="0" algn="l" defTabSz="914400" rtl="0" eaLnBrk="1" fontAlgn="auto" latinLnBrk="0" hangingPunct="1">
-              <a:lnSpc>
-                <a:spcPct val="100000"/>
-              </a:lnSpc>
-              <a:spcBef>
-                <a:spcPts val="0"/>
-              </a:spcBef>
-              <a:spcAft>
-                <a:spcPts val="0"/>
-              </a:spcAft>
-              <a:buClrTx/>
-              <a:buSzTx/>
-              <a:buFontTx/>
-              <a:buNone/>
-              <a:tabLst/>
-              <a:defRPr/>
-            </a:pPr>
-            <a:r>
-              <a:rPr lang="en-US" sz="1200" kern="1200" dirty="0">
-                <a:solidFill>
-                  <a:schemeClr val="tx1"/>
-                </a:solidFill>
-                <a:effectLst/>
-                <a:latin typeface="+mn-lt"/>
-                <a:ea typeface="+mn-ea"/>
-                <a:cs typeface="+mn-cs"/>
-              </a:rPr>
-              <a:t>GBDT starts with a naïve prediction and then iteratively fits regression trees on the residuals to obtain a linear combination of predictors </a:t>
-            </a:r>
-            <a:r>
-              <a:rPr lang="nl-NL" sz="1200" b="0" i="0" u="none" strike="noStrike" kern="1200" dirty="0" err="1">
-                <a:solidFill>
-                  <a:schemeClr val="tx1"/>
-                </a:solidFill>
-                <a:effectLst/>
-                <a:latin typeface="+mn-lt"/>
-                <a:ea typeface="+mn-ea"/>
-                <a:cs typeface="+mn-cs"/>
-              </a:rPr>
-              <a:t>for</a:t>
-            </a:r>
-            <a:r>
-              <a:rPr lang="nl-NL" sz="1200" b="0" i="0" u="none" strike="noStrike" kern="1200" dirty="0">
-                <a:solidFill>
-                  <a:schemeClr val="tx1"/>
-                </a:solidFill>
-                <a:effectLst/>
-                <a:latin typeface="+mn-lt"/>
-                <a:ea typeface="+mn-ea"/>
-                <a:cs typeface="+mn-cs"/>
-              </a:rPr>
-              <a:t> </a:t>
-            </a:r>
-            <a:r>
-              <a:rPr lang="nl-NL" sz="1200" b="0" i="0" u="none" strike="noStrike" kern="1200" dirty="0" err="1">
-                <a:solidFill>
-                  <a:schemeClr val="tx1"/>
-                </a:solidFill>
-                <a:effectLst/>
-                <a:latin typeface="+mn-lt"/>
-                <a:ea typeface="+mn-ea"/>
-                <a:cs typeface="+mn-cs"/>
-              </a:rPr>
-              <a:t>any</a:t>
-            </a:r>
-            <a:r>
-              <a:rPr lang="nl-NL" sz="1200" b="0" i="0" u="none" strike="noStrike" kern="1200" dirty="0">
-                <a:solidFill>
-                  <a:schemeClr val="tx1"/>
-                </a:solidFill>
-                <a:effectLst/>
-                <a:latin typeface="+mn-lt"/>
-                <a:ea typeface="+mn-ea"/>
-                <a:cs typeface="+mn-cs"/>
-              </a:rPr>
-              <a:t> </a:t>
-            </a:r>
-            <a:r>
-              <a:rPr lang="nl-NL" sz="1200" b="0" i="0" u="none" strike="noStrike" kern="1200" dirty="0" err="1">
-                <a:solidFill>
-                  <a:schemeClr val="tx1"/>
-                </a:solidFill>
-                <a:effectLst/>
-                <a:latin typeface="+mn-lt"/>
-                <a:ea typeface="+mn-ea"/>
-                <a:cs typeface="+mn-cs"/>
-              </a:rPr>
-              <a:t>regression</a:t>
-            </a:r>
-            <a:r>
-              <a:rPr lang="nl-NL" sz="1200" b="0" i="0" u="none" strike="noStrike" kern="1200" dirty="0">
-                <a:solidFill>
-                  <a:schemeClr val="tx1"/>
-                </a:solidFill>
-                <a:effectLst/>
-                <a:latin typeface="+mn-lt"/>
-                <a:ea typeface="+mn-ea"/>
-                <a:cs typeface="+mn-cs"/>
-              </a:rPr>
-              <a:t> (or </a:t>
-            </a:r>
-            <a:r>
-              <a:rPr lang="nl-NL" sz="1200" b="0" i="0" u="none" strike="noStrike" kern="1200" dirty="0" err="1">
-                <a:solidFill>
-                  <a:schemeClr val="tx1"/>
-                </a:solidFill>
-                <a:effectLst/>
-                <a:latin typeface="+mn-lt"/>
-                <a:ea typeface="+mn-ea"/>
-                <a:cs typeface="+mn-cs"/>
-              </a:rPr>
-              <a:t>classification</a:t>
-            </a:r>
-            <a:r>
-              <a:rPr lang="nl-NL" sz="1200" b="0" i="0" u="none" strike="noStrike" kern="1200" dirty="0">
-                <a:solidFill>
-                  <a:schemeClr val="tx1"/>
-                </a:solidFill>
-                <a:effectLst/>
-                <a:latin typeface="+mn-lt"/>
-                <a:ea typeface="+mn-ea"/>
-                <a:cs typeface="+mn-cs"/>
-              </a:rPr>
-              <a:t>) </a:t>
-            </a:r>
-            <a:r>
-              <a:rPr lang="nl-NL" sz="1200" b="0" i="0" u="none" strike="noStrike" kern="1200" dirty="0" err="1">
-                <a:solidFill>
-                  <a:schemeClr val="tx1"/>
-                </a:solidFill>
-                <a:effectLst/>
-                <a:latin typeface="+mn-lt"/>
-                <a:ea typeface="+mn-ea"/>
-                <a:cs typeface="+mn-cs"/>
-              </a:rPr>
-              <a:t>problem</a:t>
-            </a:r>
-            <a:r>
-              <a:rPr lang="nl-NL" sz="1200" b="0" i="0" u="none" strike="noStrike" kern="1200" dirty="0">
-                <a:solidFill>
-                  <a:schemeClr val="tx1"/>
-                </a:solidFill>
-                <a:effectLst/>
-                <a:latin typeface="+mn-lt"/>
-                <a:ea typeface="+mn-ea"/>
-                <a:cs typeface="+mn-cs"/>
-              </a:rPr>
-              <a:t>.</a:t>
-            </a:r>
-          </a:p>
-          <a:p>
-            <a:endParaRPr lang="nl-NL" sz="1200" kern="1200" dirty="0">
-              <a:solidFill>
-                <a:schemeClr val="tx1"/>
-              </a:solidFill>
-              <a:effectLst/>
-              <a:latin typeface="+mn-lt"/>
-              <a:ea typeface="+mn-ea"/>
-              <a:cs typeface="+mn-cs"/>
-            </a:endParaRPr>
+              <a:rPr lang="en-GB" dirty="0"/>
+              <a:t>On these websites the user can, among other things, make a hotel reservation or buy flight tickets.</a:t>
+            </a:r>
           </a:p>
           <a:p>
             <a:endParaRPr lang="nl-NL" dirty="0"/>
@@ -1504,7 +716,7 @@
           <a:bodyPr/>
           <a:lstStyle/>
           <a:p>
-            <a:fld id="{7CADDDAC-E744-FD4B-A60B-30A8D32AD8B9}" type="slidenum">
+            <a:fld id="{DD348C66-A7F6-CE43-A0A0-C637C1BB7152}" type="slidenum">
               <a:rPr lang="nl-NL" smtClean="0"/>
               <a:t>4</a:t>
             </a:fld>
@@ -1515,7 +727,7 @@
     </p:spTree>
     <p:extLst>
       <p:ext uri="{BB962C8B-B14F-4D97-AF65-F5344CB8AC3E}">
-        <p14:creationId xmlns:p14="http://schemas.microsoft.com/office/powerpoint/2010/main" val="310042557"/>
+        <p14:creationId xmlns:p14="http://schemas.microsoft.com/office/powerpoint/2010/main" val="3145560619"/>
       </p:ext>
     </p:extLst>
   </p:cSld>
@@ -1569,1052 +781,6 @@
           <a:bodyPr/>
           <a:lstStyle/>
           <a:p>
-            <a:r>
-              <a:rPr lang="nl-NL" sz="1200" b="0" i="0" u="none" strike="noStrike" kern="1200" dirty="0">
-                <a:solidFill>
-                  <a:schemeClr val="tx1"/>
-                </a:solidFill>
-                <a:effectLst/>
-                <a:latin typeface="+mn-lt"/>
-                <a:ea typeface="+mn-ea"/>
-                <a:cs typeface="+mn-cs"/>
-              </a:rPr>
-              <a:t>The </a:t>
-            </a:r>
-            <a:r>
-              <a:rPr lang="nl-NL" sz="1200" b="0" i="0" u="none" strike="noStrike" kern="1200" dirty="0" err="1">
-                <a:solidFill>
-                  <a:schemeClr val="tx1"/>
-                </a:solidFill>
-                <a:effectLst/>
-                <a:latin typeface="+mn-lt"/>
-                <a:ea typeface="+mn-ea"/>
-                <a:cs typeface="+mn-cs"/>
-              </a:rPr>
-              <a:t>final</a:t>
-            </a:r>
-            <a:r>
-              <a:rPr lang="nl-NL" sz="1200" b="0" i="0" u="none" strike="noStrike" kern="1200" dirty="0">
-                <a:solidFill>
-                  <a:schemeClr val="tx1"/>
-                </a:solidFill>
-                <a:effectLst/>
-                <a:latin typeface="+mn-lt"/>
-                <a:ea typeface="+mn-ea"/>
-                <a:cs typeface="+mn-cs"/>
-              </a:rPr>
-              <a:t> </a:t>
-            </a:r>
-            <a:r>
-              <a:rPr lang="nl-NL" sz="1200" b="0" i="0" u="none" strike="noStrike" kern="1200" dirty="0" err="1">
-                <a:solidFill>
-                  <a:schemeClr val="tx1"/>
-                </a:solidFill>
-                <a:effectLst/>
-                <a:latin typeface="+mn-lt"/>
-                <a:ea typeface="+mn-ea"/>
-                <a:cs typeface="+mn-cs"/>
-              </a:rPr>
-              <a:t>framework</a:t>
-            </a:r>
-            <a:r>
-              <a:rPr lang="nl-NL" sz="1200" b="0" i="0" u="none" strike="noStrike" kern="1200" dirty="0">
-                <a:solidFill>
-                  <a:schemeClr val="tx1"/>
-                </a:solidFill>
-                <a:effectLst/>
-                <a:latin typeface="+mn-lt"/>
-                <a:ea typeface="+mn-ea"/>
-                <a:cs typeface="+mn-cs"/>
-              </a:rPr>
-              <a:t> </a:t>
-            </a:r>
-            <a:r>
-              <a:rPr lang="nl-NL" sz="1200" b="0" i="0" u="none" strike="noStrike" kern="1200" dirty="0" err="1">
-                <a:solidFill>
-                  <a:schemeClr val="tx1"/>
-                </a:solidFill>
-                <a:effectLst/>
-                <a:latin typeface="+mn-lt"/>
-                <a:ea typeface="+mn-ea"/>
-                <a:cs typeface="+mn-cs"/>
-              </a:rPr>
-              <a:t>used</a:t>
-            </a:r>
-            <a:r>
-              <a:rPr lang="nl-NL" sz="1200" b="0" i="0" u="none" strike="noStrike" kern="1200" dirty="0">
-                <a:solidFill>
-                  <a:schemeClr val="tx1"/>
-                </a:solidFill>
-                <a:effectLst/>
-                <a:latin typeface="+mn-lt"/>
-                <a:ea typeface="+mn-ea"/>
-                <a:cs typeface="+mn-cs"/>
-              </a:rPr>
-              <a:t> </a:t>
-            </a:r>
-            <a:r>
-              <a:rPr lang="nl-NL" sz="1200" b="0" i="0" u="none" strike="noStrike" kern="1200" dirty="0" err="1">
-                <a:solidFill>
-                  <a:schemeClr val="tx1"/>
-                </a:solidFill>
-                <a:effectLst/>
-                <a:latin typeface="+mn-lt"/>
-                <a:ea typeface="+mn-ea"/>
-                <a:cs typeface="+mn-cs"/>
-              </a:rPr>
-              <a:t>consists</a:t>
-            </a:r>
-            <a:r>
-              <a:rPr lang="nl-NL" sz="1200" b="0" i="0" u="none" strike="noStrike" kern="1200" dirty="0">
-                <a:solidFill>
-                  <a:schemeClr val="tx1"/>
-                </a:solidFill>
-                <a:effectLst/>
-                <a:latin typeface="+mn-lt"/>
-                <a:ea typeface="+mn-ea"/>
-                <a:cs typeface="+mn-cs"/>
-              </a:rPr>
-              <a:t> of </a:t>
-            </a:r>
-            <a:r>
-              <a:rPr lang="nl-NL" sz="1200" b="0" i="0" u="none" strike="noStrike" kern="1200" dirty="0" err="1">
-                <a:solidFill>
-                  <a:schemeClr val="tx1"/>
-                </a:solidFill>
-                <a:effectLst/>
-                <a:latin typeface="+mn-lt"/>
-                <a:ea typeface="+mn-ea"/>
-                <a:cs typeface="+mn-cs"/>
-              </a:rPr>
-              <a:t>two</a:t>
-            </a:r>
-            <a:r>
-              <a:rPr lang="nl-NL" sz="1200" b="0" i="0" u="none" strike="noStrike" kern="1200" dirty="0">
-                <a:solidFill>
-                  <a:schemeClr val="tx1"/>
-                </a:solidFill>
-                <a:effectLst/>
-                <a:latin typeface="+mn-lt"/>
-                <a:ea typeface="+mn-ea"/>
-                <a:cs typeface="+mn-cs"/>
-              </a:rPr>
-              <a:t> XG-Boost </a:t>
-            </a:r>
-            <a:r>
-              <a:rPr lang="nl-NL" sz="1200" b="0" i="0" u="none" strike="noStrike" kern="1200" dirty="0" err="1">
-                <a:solidFill>
-                  <a:schemeClr val="tx1"/>
-                </a:solidFill>
-                <a:effectLst/>
-                <a:latin typeface="+mn-lt"/>
-                <a:ea typeface="+mn-ea"/>
-                <a:cs typeface="+mn-cs"/>
-              </a:rPr>
-              <a:t>models</a:t>
-            </a:r>
-            <a:r>
-              <a:rPr lang="nl-NL" sz="1200" b="0" i="0" u="none" strike="noStrike" kern="1200" dirty="0">
-                <a:solidFill>
-                  <a:schemeClr val="tx1"/>
-                </a:solidFill>
-                <a:effectLst/>
-                <a:latin typeface="+mn-lt"/>
-                <a:ea typeface="+mn-ea"/>
-                <a:cs typeface="+mn-cs"/>
-              </a:rPr>
-              <a:t>. The first model </a:t>
-            </a:r>
-            <a:r>
-              <a:rPr lang="nl-NL" sz="1200" b="0" i="0" u="none" strike="noStrike" kern="1200" dirty="0" err="1">
-                <a:solidFill>
-                  <a:schemeClr val="tx1"/>
-                </a:solidFill>
-                <a:effectLst/>
-                <a:latin typeface="+mn-lt"/>
-                <a:ea typeface="+mn-ea"/>
-                <a:cs typeface="+mn-cs"/>
-              </a:rPr>
-              <a:t>gets</a:t>
-            </a:r>
-            <a:r>
-              <a:rPr lang="nl-NL" sz="1200" b="0" i="0" u="none" strike="noStrike" kern="1200" dirty="0">
-                <a:solidFill>
-                  <a:schemeClr val="tx1"/>
-                </a:solidFill>
-                <a:effectLst/>
-                <a:latin typeface="+mn-lt"/>
-                <a:ea typeface="+mn-ea"/>
-                <a:cs typeface="+mn-cs"/>
-              </a:rPr>
-              <a:t> </a:t>
-            </a:r>
-            <a:r>
-              <a:rPr lang="nl-NL" sz="1200" b="0" i="0" u="none" strike="noStrike" kern="1200" dirty="0" err="1">
-                <a:solidFill>
-                  <a:schemeClr val="tx1"/>
-                </a:solidFill>
-                <a:effectLst/>
-                <a:latin typeface="+mn-lt"/>
-                <a:ea typeface="+mn-ea"/>
-                <a:cs typeface="+mn-cs"/>
-              </a:rPr>
-              <a:t>trained</a:t>
-            </a:r>
-            <a:r>
-              <a:rPr lang="nl-NL" sz="1200" b="0" i="0" u="none" strike="noStrike" kern="1200" dirty="0">
-                <a:solidFill>
-                  <a:schemeClr val="tx1"/>
-                </a:solidFill>
-                <a:effectLst/>
-                <a:latin typeface="+mn-lt"/>
-                <a:ea typeface="+mn-ea"/>
-                <a:cs typeface="+mn-cs"/>
-              </a:rPr>
-              <a:t> </a:t>
-            </a:r>
-            <a:r>
-              <a:rPr lang="nl-NL" sz="1200" b="0" i="0" u="none" strike="noStrike" kern="1200" dirty="0" err="1">
-                <a:solidFill>
-                  <a:schemeClr val="tx1"/>
-                </a:solidFill>
-                <a:effectLst/>
-                <a:latin typeface="+mn-lt"/>
-                <a:ea typeface="+mn-ea"/>
-                <a:cs typeface="+mn-cs"/>
-              </a:rPr>
-              <a:t>to</a:t>
-            </a:r>
-            <a:r>
-              <a:rPr lang="nl-NL" sz="1200" b="0" i="0" u="none" strike="noStrike" kern="1200" dirty="0">
-                <a:solidFill>
-                  <a:schemeClr val="tx1"/>
-                </a:solidFill>
-                <a:effectLst/>
-                <a:latin typeface="+mn-lt"/>
-                <a:ea typeface="+mn-ea"/>
-                <a:cs typeface="+mn-cs"/>
-              </a:rPr>
-              <a:t> </a:t>
-            </a:r>
-            <a:r>
-              <a:rPr lang="nl-NL" sz="1200" b="0" i="0" u="none" strike="noStrike" kern="1200" dirty="0" err="1">
-                <a:solidFill>
-                  <a:schemeClr val="tx1"/>
-                </a:solidFill>
-                <a:effectLst/>
-                <a:latin typeface="+mn-lt"/>
-                <a:ea typeface="+mn-ea"/>
-                <a:cs typeface="+mn-cs"/>
-              </a:rPr>
-              <a:t>predict</a:t>
-            </a:r>
-            <a:r>
-              <a:rPr lang="nl-NL" sz="1200" b="0" i="0" u="none" strike="noStrike" kern="1200" dirty="0">
-                <a:solidFill>
-                  <a:schemeClr val="tx1"/>
-                </a:solidFill>
-                <a:effectLst/>
-                <a:latin typeface="+mn-lt"/>
-                <a:ea typeface="+mn-ea"/>
-                <a:cs typeface="+mn-cs"/>
-              </a:rPr>
-              <a:t> </a:t>
-            </a:r>
-            <a:r>
-              <a:rPr lang="nl-NL" sz="1200" b="0" i="0" u="none" strike="noStrike" kern="1200" dirty="0" err="1">
-                <a:solidFill>
-                  <a:schemeClr val="tx1"/>
-                </a:solidFill>
-                <a:effectLst/>
-                <a:latin typeface="+mn-lt"/>
-                <a:ea typeface="+mn-ea"/>
-                <a:cs typeface="+mn-cs"/>
-              </a:rPr>
-              <a:t>the</a:t>
-            </a:r>
-            <a:r>
-              <a:rPr lang="nl-NL" sz="1200" b="0" i="0" u="none" strike="noStrike" kern="1200" dirty="0">
-                <a:solidFill>
-                  <a:schemeClr val="tx1"/>
-                </a:solidFill>
-                <a:effectLst/>
-                <a:latin typeface="+mn-lt"/>
-                <a:ea typeface="+mn-ea"/>
-                <a:cs typeface="+mn-cs"/>
-              </a:rPr>
-              <a:t> </a:t>
-            </a:r>
-            <a:r>
-              <a:rPr lang="nl-NL" sz="1200" b="0" i="0" u="none" strike="noStrike" kern="1200" dirty="0" err="1">
-                <a:solidFill>
-                  <a:schemeClr val="tx1"/>
-                </a:solidFill>
-                <a:effectLst/>
-                <a:latin typeface="+mn-lt"/>
-                <a:ea typeface="+mn-ea"/>
-                <a:cs typeface="+mn-cs"/>
-              </a:rPr>
-              <a:t>value</a:t>
-            </a:r>
-            <a:r>
-              <a:rPr lang="nl-NL" sz="1200" b="0" i="0" u="none" strike="noStrike" kern="1200" dirty="0">
-                <a:solidFill>
-                  <a:schemeClr val="tx1"/>
-                </a:solidFill>
-                <a:effectLst/>
-                <a:latin typeface="+mn-lt"/>
-                <a:ea typeface="+mn-ea"/>
-                <a:cs typeface="+mn-cs"/>
-              </a:rPr>
-              <a:t> of </a:t>
-            </a:r>
-            <a:r>
-              <a:rPr lang="nl-NL" sz="1200" b="0" i="0" u="none" strike="noStrike" kern="1200" dirty="0" err="1">
-                <a:solidFill>
-                  <a:schemeClr val="tx1"/>
-                </a:solidFill>
-                <a:effectLst/>
-                <a:latin typeface="+mn-lt"/>
-                <a:ea typeface="+mn-ea"/>
-                <a:cs typeface="+mn-cs"/>
-              </a:rPr>
-              <a:t>clicking</a:t>
-            </a:r>
-            <a:r>
-              <a:rPr lang="nl-NL" sz="1200" b="0" i="0" u="none" strike="noStrike" kern="1200" dirty="0">
-                <a:solidFill>
-                  <a:schemeClr val="tx1"/>
-                </a:solidFill>
-                <a:effectLst/>
-                <a:latin typeface="+mn-lt"/>
-                <a:ea typeface="+mn-ea"/>
-                <a:cs typeface="+mn-cs"/>
-              </a:rPr>
-              <a:t> </a:t>
-            </a:r>
-            <a:r>
-              <a:rPr lang="nl-NL" sz="1200" b="0" i="0" u="none" strike="noStrike" kern="1200" dirty="0" err="1">
-                <a:solidFill>
-                  <a:schemeClr val="tx1"/>
-                </a:solidFill>
-                <a:effectLst/>
-                <a:latin typeface="+mn-lt"/>
-                <a:ea typeface="+mn-ea"/>
-                <a:cs typeface="+mn-cs"/>
-              </a:rPr>
-              <a:t>bool</a:t>
-            </a:r>
-            <a:r>
-              <a:rPr lang="nl-NL" sz="1200" b="0" i="0" u="none" strike="noStrike" kern="1200" dirty="0">
-                <a:solidFill>
-                  <a:schemeClr val="tx1"/>
-                </a:solidFill>
-                <a:effectLst/>
-                <a:latin typeface="+mn-lt"/>
-                <a:ea typeface="+mn-ea"/>
-                <a:cs typeface="+mn-cs"/>
-              </a:rPr>
-              <a:t> </a:t>
-            </a:r>
-            <a:r>
-              <a:rPr lang="nl-NL" sz="1200" b="0" i="0" u="none" strike="noStrike" kern="1200" dirty="0" err="1">
-                <a:solidFill>
-                  <a:schemeClr val="tx1"/>
-                </a:solidFill>
-                <a:effectLst/>
-                <a:latin typeface="+mn-lt"/>
-                <a:ea typeface="+mn-ea"/>
-                <a:cs typeface="+mn-cs"/>
-              </a:rPr>
-              <a:t>and</a:t>
-            </a:r>
-            <a:r>
-              <a:rPr lang="nl-NL" sz="1200" b="0" i="0" u="none" strike="noStrike" kern="1200" dirty="0">
-                <a:solidFill>
-                  <a:schemeClr val="tx1"/>
-                </a:solidFill>
-                <a:effectLst/>
-                <a:latin typeface="+mn-lt"/>
-                <a:ea typeface="+mn-ea"/>
-                <a:cs typeface="+mn-cs"/>
-              </a:rPr>
-              <a:t> </a:t>
-            </a:r>
-            <a:r>
-              <a:rPr lang="nl-NL" sz="1200" b="0" i="0" u="none" strike="noStrike" kern="1200" dirty="0" err="1">
-                <a:solidFill>
-                  <a:schemeClr val="tx1"/>
-                </a:solidFill>
-                <a:effectLst/>
-                <a:latin typeface="+mn-lt"/>
-                <a:ea typeface="+mn-ea"/>
-                <a:cs typeface="+mn-cs"/>
-              </a:rPr>
-              <a:t>the</a:t>
-            </a:r>
-            <a:r>
-              <a:rPr lang="nl-NL" sz="1200" b="0" i="0" u="none" strike="noStrike" kern="1200" dirty="0">
-                <a:solidFill>
-                  <a:schemeClr val="tx1"/>
-                </a:solidFill>
-                <a:effectLst/>
-                <a:latin typeface="+mn-lt"/>
-                <a:ea typeface="+mn-ea"/>
-                <a:cs typeface="+mn-cs"/>
-              </a:rPr>
-              <a:t> second model </a:t>
-            </a:r>
-            <a:r>
-              <a:rPr lang="nl-NL" sz="1200" b="0" i="0" u="none" strike="noStrike" kern="1200" dirty="0" err="1">
-                <a:solidFill>
-                  <a:schemeClr val="tx1"/>
-                </a:solidFill>
-                <a:effectLst/>
-                <a:latin typeface="+mn-lt"/>
-                <a:ea typeface="+mn-ea"/>
-                <a:cs typeface="+mn-cs"/>
-              </a:rPr>
-              <a:t>gets</a:t>
-            </a:r>
-            <a:r>
-              <a:rPr lang="nl-NL" sz="1200" b="0" i="0" u="none" strike="noStrike" kern="1200" dirty="0">
-                <a:solidFill>
-                  <a:schemeClr val="tx1"/>
-                </a:solidFill>
-                <a:effectLst/>
-                <a:latin typeface="+mn-lt"/>
-                <a:ea typeface="+mn-ea"/>
-                <a:cs typeface="+mn-cs"/>
-              </a:rPr>
-              <a:t> </a:t>
-            </a:r>
-            <a:r>
-              <a:rPr lang="nl-NL" sz="1200" b="0" i="0" u="none" strike="noStrike" kern="1200" dirty="0" err="1">
-                <a:solidFill>
-                  <a:schemeClr val="tx1"/>
-                </a:solidFill>
-                <a:effectLst/>
-                <a:latin typeface="+mn-lt"/>
-                <a:ea typeface="+mn-ea"/>
-                <a:cs typeface="+mn-cs"/>
-              </a:rPr>
-              <a:t>trained</a:t>
-            </a:r>
-            <a:r>
-              <a:rPr lang="nl-NL" sz="1200" b="0" i="0" u="none" strike="noStrike" kern="1200" dirty="0">
-                <a:solidFill>
-                  <a:schemeClr val="tx1"/>
-                </a:solidFill>
-                <a:effectLst/>
-                <a:latin typeface="+mn-lt"/>
-                <a:ea typeface="+mn-ea"/>
-                <a:cs typeface="+mn-cs"/>
-              </a:rPr>
-              <a:t> </a:t>
-            </a:r>
-            <a:r>
-              <a:rPr lang="nl-NL" sz="1200" b="0" i="0" u="none" strike="noStrike" kern="1200" dirty="0" err="1">
-                <a:solidFill>
-                  <a:schemeClr val="tx1"/>
-                </a:solidFill>
-                <a:effectLst/>
-                <a:latin typeface="+mn-lt"/>
-                <a:ea typeface="+mn-ea"/>
-                <a:cs typeface="+mn-cs"/>
-              </a:rPr>
-              <a:t>to</a:t>
-            </a:r>
-            <a:r>
-              <a:rPr lang="nl-NL" sz="1200" b="0" i="0" u="none" strike="noStrike" kern="1200" dirty="0">
-                <a:solidFill>
-                  <a:schemeClr val="tx1"/>
-                </a:solidFill>
-                <a:effectLst/>
-                <a:latin typeface="+mn-lt"/>
-                <a:ea typeface="+mn-ea"/>
-                <a:cs typeface="+mn-cs"/>
-              </a:rPr>
-              <a:t> </a:t>
-            </a:r>
-            <a:r>
-              <a:rPr lang="nl-NL" sz="1200" b="0" i="0" u="none" strike="noStrike" kern="1200" dirty="0" err="1">
-                <a:solidFill>
-                  <a:schemeClr val="tx1"/>
-                </a:solidFill>
-                <a:effectLst/>
-                <a:latin typeface="+mn-lt"/>
-                <a:ea typeface="+mn-ea"/>
-                <a:cs typeface="+mn-cs"/>
-              </a:rPr>
-              <a:t>predict</a:t>
-            </a:r>
-            <a:r>
-              <a:rPr lang="nl-NL" sz="1200" b="0" i="0" u="none" strike="noStrike" kern="1200" dirty="0">
-                <a:solidFill>
-                  <a:schemeClr val="tx1"/>
-                </a:solidFill>
-                <a:effectLst/>
-                <a:latin typeface="+mn-lt"/>
-                <a:ea typeface="+mn-ea"/>
-                <a:cs typeface="+mn-cs"/>
-              </a:rPr>
-              <a:t> </a:t>
-            </a:r>
-            <a:r>
-              <a:rPr lang="nl-NL" sz="1200" b="0" i="0" u="none" strike="noStrike" kern="1200" dirty="0" err="1">
-                <a:solidFill>
-                  <a:schemeClr val="tx1"/>
-                </a:solidFill>
-                <a:effectLst/>
-                <a:latin typeface="+mn-lt"/>
-                <a:ea typeface="+mn-ea"/>
-                <a:cs typeface="+mn-cs"/>
-              </a:rPr>
-              <a:t>the</a:t>
-            </a:r>
-            <a:r>
-              <a:rPr lang="nl-NL" sz="1200" b="0" i="0" u="none" strike="noStrike" kern="1200" dirty="0">
-                <a:solidFill>
-                  <a:schemeClr val="tx1"/>
-                </a:solidFill>
-                <a:effectLst/>
-                <a:latin typeface="+mn-lt"/>
-                <a:ea typeface="+mn-ea"/>
-                <a:cs typeface="+mn-cs"/>
-              </a:rPr>
-              <a:t> </a:t>
-            </a:r>
-            <a:r>
-              <a:rPr lang="nl-NL" sz="1200" b="0" i="0" u="none" strike="noStrike" kern="1200" dirty="0" err="1">
-                <a:solidFill>
-                  <a:schemeClr val="tx1"/>
-                </a:solidFill>
-                <a:effectLst/>
-                <a:latin typeface="+mn-lt"/>
-                <a:ea typeface="+mn-ea"/>
-                <a:cs typeface="+mn-cs"/>
-              </a:rPr>
-              <a:t>value</a:t>
-            </a:r>
-            <a:r>
-              <a:rPr lang="nl-NL" sz="1200" b="0" i="0" u="none" strike="noStrike" kern="1200" dirty="0">
-                <a:solidFill>
-                  <a:schemeClr val="tx1"/>
-                </a:solidFill>
-                <a:effectLst/>
-                <a:latin typeface="+mn-lt"/>
-                <a:ea typeface="+mn-ea"/>
-                <a:cs typeface="+mn-cs"/>
-              </a:rPr>
-              <a:t> of </a:t>
-            </a:r>
-            <a:r>
-              <a:rPr lang="nl-NL" sz="1200" b="0" i="0" u="none" strike="noStrike" kern="1200" dirty="0" err="1">
-                <a:solidFill>
-                  <a:schemeClr val="tx1"/>
-                </a:solidFill>
-                <a:effectLst/>
-                <a:latin typeface="+mn-lt"/>
-                <a:ea typeface="+mn-ea"/>
-                <a:cs typeface="+mn-cs"/>
-              </a:rPr>
-              <a:t>booking</a:t>
-            </a:r>
-            <a:r>
-              <a:rPr lang="nl-NL" sz="1200" b="0" i="0" u="none" strike="noStrike" kern="1200" dirty="0">
-                <a:solidFill>
-                  <a:schemeClr val="tx1"/>
-                </a:solidFill>
-                <a:effectLst/>
-                <a:latin typeface="+mn-lt"/>
-                <a:ea typeface="+mn-ea"/>
-                <a:cs typeface="+mn-cs"/>
-              </a:rPr>
-              <a:t> </a:t>
-            </a:r>
-            <a:r>
-              <a:rPr lang="nl-NL" sz="1200" b="0" i="0" u="none" strike="noStrike" kern="1200" dirty="0" err="1">
-                <a:solidFill>
-                  <a:schemeClr val="tx1"/>
-                </a:solidFill>
-                <a:effectLst/>
-                <a:latin typeface="+mn-lt"/>
-                <a:ea typeface="+mn-ea"/>
-                <a:cs typeface="+mn-cs"/>
-              </a:rPr>
-              <a:t>bool</a:t>
-            </a:r>
-            <a:r>
-              <a:rPr lang="nl-NL" sz="1200" b="0" i="0" u="none" strike="noStrike" kern="1200" dirty="0">
-                <a:solidFill>
-                  <a:schemeClr val="tx1"/>
-                </a:solidFill>
-                <a:effectLst/>
-                <a:latin typeface="+mn-lt"/>
-                <a:ea typeface="+mn-ea"/>
-                <a:cs typeface="+mn-cs"/>
-              </a:rPr>
-              <a:t>. Both </a:t>
-            </a:r>
-            <a:r>
-              <a:rPr lang="nl-NL" sz="1200" b="0" i="0" u="none" strike="noStrike" kern="1200" dirty="0" err="1">
-                <a:solidFill>
-                  <a:schemeClr val="tx1"/>
-                </a:solidFill>
-                <a:effectLst/>
-                <a:latin typeface="+mn-lt"/>
-                <a:ea typeface="+mn-ea"/>
-                <a:cs typeface="+mn-cs"/>
-              </a:rPr>
-              <a:t>models</a:t>
-            </a:r>
-            <a:r>
-              <a:rPr lang="nl-NL" sz="1200" b="0" i="0" u="none" strike="noStrike" kern="1200" dirty="0">
-                <a:solidFill>
-                  <a:schemeClr val="tx1"/>
-                </a:solidFill>
-                <a:effectLst/>
-                <a:latin typeface="+mn-lt"/>
-                <a:ea typeface="+mn-ea"/>
-                <a:cs typeface="+mn-cs"/>
-              </a:rPr>
-              <a:t> are </a:t>
-            </a:r>
-            <a:r>
-              <a:rPr lang="nl-NL" sz="1200" b="0" i="0" u="none" strike="noStrike" kern="1200" dirty="0" err="1">
-                <a:solidFill>
-                  <a:schemeClr val="tx1"/>
-                </a:solidFill>
-                <a:effectLst/>
-                <a:latin typeface="+mn-lt"/>
-                <a:ea typeface="+mn-ea"/>
-                <a:cs typeface="+mn-cs"/>
-              </a:rPr>
-              <a:t>trained</a:t>
-            </a:r>
-            <a:r>
-              <a:rPr lang="nl-NL" sz="1200" b="0" i="0" u="none" strike="noStrike" kern="1200" dirty="0">
-                <a:solidFill>
-                  <a:schemeClr val="tx1"/>
-                </a:solidFill>
-                <a:effectLst/>
-                <a:latin typeface="+mn-lt"/>
-                <a:ea typeface="+mn-ea"/>
-                <a:cs typeface="+mn-cs"/>
-              </a:rPr>
-              <a:t> on </a:t>
-            </a:r>
-            <a:r>
-              <a:rPr lang="nl-NL" sz="1200" b="0" i="0" u="none" strike="noStrike" kern="1200" dirty="0" err="1">
-                <a:solidFill>
-                  <a:schemeClr val="tx1"/>
-                </a:solidFill>
-                <a:effectLst/>
-                <a:latin typeface="+mn-lt"/>
-                <a:ea typeface="+mn-ea"/>
-                <a:cs typeface="+mn-cs"/>
-              </a:rPr>
-              <a:t>the</a:t>
-            </a:r>
-            <a:r>
-              <a:rPr lang="nl-NL" sz="1200" b="0" i="0" u="none" strike="noStrike" kern="1200" dirty="0">
-                <a:solidFill>
-                  <a:schemeClr val="tx1"/>
-                </a:solidFill>
-                <a:effectLst/>
-                <a:latin typeface="+mn-lt"/>
-                <a:ea typeface="+mn-ea"/>
-                <a:cs typeface="+mn-cs"/>
-              </a:rPr>
-              <a:t> </a:t>
-            </a:r>
-            <a:r>
-              <a:rPr lang="nl-NL" sz="1200" b="0" i="0" u="none" strike="noStrike" kern="1200" dirty="0" err="1">
-                <a:solidFill>
-                  <a:schemeClr val="tx1"/>
-                </a:solidFill>
-                <a:effectLst/>
-                <a:latin typeface="+mn-lt"/>
-                <a:ea typeface="+mn-ea"/>
-                <a:cs typeface="+mn-cs"/>
-              </a:rPr>
-              <a:t>same</a:t>
-            </a:r>
-            <a:r>
-              <a:rPr lang="nl-NL" sz="1200" b="0" i="0" u="none" strike="noStrike" kern="1200" dirty="0">
-                <a:solidFill>
-                  <a:schemeClr val="tx1"/>
-                </a:solidFill>
-                <a:effectLst/>
-                <a:latin typeface="+mn-lt"/>
-                <a:ea typeface="+mn-ea"/>
-                <a:cs typeface="+mn-cs"/>
-              </a:rPr>
-              <a:t> dataset. The </a:t>
-            </a:r>
-            <a:r>
-              <a:rPr lang="nl-NL" sz="1200" b="0" i="0" u="none" strike="noStrike" kern="1200" dirty="0" err="1">
-                <a:solidFill>
-                  <a:schemeClr val="tx1"/>
-                </a:solidFill>
-                <a:effectLst/>
-                <a:latin typeface="+mn-lt"/>
-                <a:ea typeface="+mn-ea"/>
-                <a:cs typeface="+mn-cs"/>
-              </a:rPr>
-              <a:t>predicted</a:t>
-            </a:r>
-            <a:r>
-              <a:rPr lang="nl-NL" sz="1200" b="0" i="0" u="none" strike="noStrike" kern="1200" dirty="0">
-                <a:solidFill>
-                  <a:schemeClr val="tx1"/>
-                </a:solidFill>
-                <a:effectLst/>
-                <a:latin typeface="+mn-lt"/>
-                <a:ea typeface="+mn-ea"/>
-                <a:cs typeface="+mn-cs"/>
-              </a:rPr>
-              <a:t> </a:t>
-            </a:r>
-            <a:r>
-              <a:rPr lang="nl-NL" sz="1200" b="0" i="0" u="none" strike="noStrike" kern="1200" dirty="0" err="1">
-                <a:solidFill>
-                  <a:schemeClr val="tx1"/>
-                </a:solidFill>
-                <a:effectLst/>
-                <a:latin typeface="+mn-lt"/>
-                <a:ea typeface="+mn-ea"/>
-                <a:cs typeface="+mn-cs"/>
-              </a:rPr>
-              <a:t>values</a:t>
-            </a:r>
-            <a:r>
-              <a:rPr lang="nl-NL" sz="1200" b="0" i="0" u="none" strike="noStrike" kern="1200" dirty="0">
-                <a:solidFill>
-                  <a:schemeClr val="tx1"/>
-                </a:solidFill>
-                <a:effectLst/>
-                <a:latin typeface="+mn-lt"/>
-                <a:ea typeface="+mn-ea"/>
-                <a:cs typeface="+mn-cs"/>
-              </a:rPr>
-              <a:t> of </a:t>
-            </a:r>
-            <a:r>
-              <a:rPr lang="nl-NL" sz="1200" b="0" i="0" u="none" strike="noStrike" kern="1200" dirty="0" err="1">
-                <a:solidFill>
-                  <a:schemeClr val="tx1"/>
-                </a:solidFill>
-                <a:effectLst/>
-                <a:latin typeface="+mn-lt"/>
-                <a:ea typeface="+mn-ea"/>
-                <a:cs typeface="+mn-cs"/>
-              </a:rPr>
-              <a:t>clicking</a:t>
-            </a:r>
-            <a:r>
-              <a:rPr lang="nl-NL" sz="1200" b="0" i="0" u="none" strike="noStrike" kern="1200" dirty="0">
-                <a:solidFill>
-                  <a:schemeClr val="tx1"/>
-                </a:solidFill>
-                <a:effectLst/>
-                <a:latin typeface="+mn-lt"/>
-                <a:ea typeface="+mn-ea"/>
-                <a:cs typeface="+mn-cs"/>
-              </a:rPr>
-              <a:t> </a:t>
-            </a:r>
-            <a:r>
-              <a:rPr lang="nl-NL" sz="1200" b="0" i="0" u="none" strike="noStrike" kern="1200" dirty="0" err="1">
-                <a:solidFill>
-                  <a:schemeClr val="tx1"/>
-                </a:solidFill>
-                <a:effectLst/>
-                <a:latin typeface="+mn-lt"/>
-                <a:ea typeface="+mn-ea"/>
-                <a:cs typeface="+mn-cs"/>
-              </a:rPr>
-              <a:t>bool</a:t>
-            </a:r>
-            <a:r>
-              <a:rPr lang="nl-NL" sz="1200" b="0" i="0" u="none" strike="noStrike" kern="1200" dirty="0">
-                <a:solidFill>
-                  <a:schemeClr val="tx1"/>
-                </a:solidFill>
-                <a:effectLst/>
-                <a:latin typeface="+mn-lt"/>
-                <a:ea typeface="+mn-ea"/>
-                <a:cs typeface="+mn-cs"/>
-              </a:rPr>
-              <a:t> </a:t>
-            </a:r>
-            <a:r>
-              <a:rPr lang="nl-NL" sz="1200" b="0" i="0" u="none" strike="noStrike" kern="1200" dirty="0" err="1">
-                <a:solidFill>
-                  <a:schemeClr val="tx1"/>
-                </a:solidFill>
-                <a:effectLst/>
-                <a:latin typeface="+mn-lt"/>
-                <a:ea typeface="+mn-ea"/>
-                <a:cs typeface="+mn-cs"/>
-              </a:rPr>
-              <a:t>and</a:t>
-            </a:r>
-            <a:r>
-              <a:rPr lang="nl-NL" sz="1200" b="0" i="0" u="none" strike="noStrike" kern="1200" dirty="0">
-                <a:solidFill>
-                  <a:schemeClr val="tx1"/>
-                </a:solidFill>
-                <a:effectLst/>
-                <a:latin typeface="+mn-lt"/>
-                <a:ea typeface="+mn-ea"/>
-                <a:cs typeface="+mn-cs"/>
-              </a:rPr>
-              <a:t> </a:t>
-            </a:r>
-            <a:r>
-              <a:rPr lang="nl-NL" sz="1200" b="0" i="0" u="none" strike="noStrike" kern="1200" dirty="0" err="1">
-                <a:solidFill>
-                  <a:schemeClr val="tx1"/>
-                </a:solidFill>
-                <a:effectLst/>
-                <a:latin typeface="+mn-lt"/>
-                <a:ea typeface="+mn-ea"/>
-                <a:cs typeface="+mn-cs"/>
-              </a:rPr>
-              <a:t>booking</a:t>
-            </a:r>
-            <a:r>
-              <a:rPr lang="nl-NL" sz="1200" b="0" i="0" u="none" strike="noStrike" kern="1200" dirty="0">
-                <a:solidFill>
-                  <a:schemeClr val="tx1"/>
-                </a:solidFill>
-                <a:effectLst/>
-                <a:latin typeface="+mn-lt"/>
-                <a:ea typeface="+mn-ea"/>
-                <a:cs typeface="+mn-cs"/>
-              </a:rPr>
-              <a:t> </a:t>
-            </a:r>
-            <a:r>
-              <a:rPr lang="nl-NL" sz="1200" b="0" i="0" u="none" strike="noStrike" kern="1200" dirty="0" err="1">
-                <a:solidFill>
-                  <a:schemeClr val="tx1"/>
-                </a:solidFill>
-                <a:effectLst/>
-                <a:latin typeface="+mn-lt"/>
-                <a:ea typeface="+mn-ea"/>
-                <a:cs typeface="+mn-cs"/>
-              </a:rPr>
-              <a:t>bool</a:t>
-            </a:r>
-            <a:r>
-              <a:rPr lang="nl-NL" sz="1200" b="0" i="0" u="none" strike="noStrike" kern="1200" dirty="0">
-                <a:solidFill>
-                  <a:schemeClr val="tx1"/>
-                </a:solidFill>
-                <a:effectLst/>
-                <a:latin typeface="+mn-lt"/>
-                <a:ea typeface="+mn-ea"/>
-                <a:cs typeface="+mn-cs"/>
-              </a:rPr>
-              <a:t> are </a:t>
-            </a:r>
-            <a:r>
-              <a:rPr lang="nl-NL" sz="1200" b="0" i="0" u="none" strike="noStrike" kern="1200" dirty="0" err="1">
-                <a:solidFill>
-                  <a:schemeClr val="tx1"/>
-                </a:solidFill>
-                <a:effectLst/>
-                <a:latin typeface="+mn-lt"/>
-                <a:ea typeface="+mn-ea"/>
-                <a:cs typeface="+mn-cs"/>
-              </a:rPr>
-              <a:t>summed</a:t>
-            </a:r>
-            <a:r>
-              <a:rPr lang="nl-NL" sz="1200" b="0" i="0" u="none" strike="noStrike" kern="1200" dirty="0">
-                <a:solidFill>
-                  <a:schemeClr val="tx1"/>
-                </a:solidFill>
-                <a:effectLst/>
-                <a:latin typeface="+mn-lt"/>
-                <a:ea typeface="+mn-ea"/>
-                <a:cs typeface="+mn-cs"/>
-              </a:rPr>
-              <a:t>. The </a:t>
-            </a:r>
-            <a:r>
-              <a:rPr lang="nl-NL" sz="1200" b="0" i="0" u="none" strike="noStrike" kern="1200" dirty="0" err="1">
-                <a:solidFill>
-                  <a:schemeClr val="tx1"/>
-                </a:solidFill>
-                <a:effectLst/>
-                <a:latin typeface="+mn-lt"/>
-                <a:ea typeface="+mn-ea"/>
-                <a:cs typeface="+mn-cs"/>
-              </a:rPr>
-              <a:t>properties</a:t>
-            </a:r>
-            <a:r>
-              <a:rPr lang="nl-NL" sz="1200" b="0" i="0" u="none" strike="noStrike" kern="1200" dirty="0">
-                <a:solidFill>
-                  <a:schemeClr val="tx1"/>
-                </a:solidFill>
-                <a:effectLst/>
-                <a:latin typeface="+mn-lt"/>
-                <a:ea typeface="+mn-ea"/>
-                <a:cs typeface="+mn-cs"/>
-              </a:rPr>
-              <a:t> are </a:t>
-            </a:r>
-            <a:r>
-              <a:rPr lang="nl-NL" sz="1200" b="0" i="0" u="none" strike="noStrike" kern="1200" dirty="0" err="1">
-                <a:solidFill>
-                  <a:schemeClr val="tx1"/>
-                </a:solidFill>
-                <a:effectLst/>
-                <a:latin typeface="+mn-lt"/>
-                <a:ea typeface="+mn-ea"/>
-                <a:cs typeface="+mn-cs"/>
-              </a:rPr>
-              <a:t>then</a:t>
-            </a:r>
-            <a:r>
-              <a:rPr lang="nl-NL" sz="1200" b="0" i="0" u="none" strike="noStrike" kern="1200" dirty="0">
-                <a:solidFill>
-                  <a:schemeClr val="tx1"/>
-                </a:solidFill>
-                <a:effectLst/>
-                <a:latin typeface="+mn-lt"/>
-                <a:ea typeface="+mn-ea"/>
-                <a:cs typeface="+mn-cs"/>
-              </a:rPr>
-              <a:t> </a:t>
-            </a:r>
-            <a:r>
-              <a:rPr lang="nl-NL" sz="1200" b="0" i="0" u="none" strike="noStrike" kern="1200" dirty="0" err="1">
-                <a:solidFill>
-                  <a:schemeClr val="tx1"/>
-                </a:solidFill>
-                <a:effectLst/>
-                <a:latin typeface="+mn-lt"/>
-                <a:ea typeface="+mn-ea"/>
-                <a:cs typeface="+mn-cs"/>
-              </a:rPr>
-              <a:t>sorted</a:t>
-            </a:r>
-            <a:r>
-              <a:rPr lang="nl-NL" sz="1200" b="0" i="0" u="none" strike="noStrike" kern="1200" dirty="0">
-                <a:solidFill>
-                  <a:schemeClr val="tx1"/>
-                </a:solidFill>
-                <a:effectLst/>
-                <a:latin typeface="+mn-lt"/>
-                <a:ea typeface="+mn-ea"/>
-                <a:cs typeface="+mn-cs"/>
-              </a:rPr>
-              <a:t> </a:t>
-            </a:r>
-            <a:r>
-              <a:rPr lang="nl-NL" sz="1200" b="0" i="0" u="none" strike="noStrike" kern="1200" dirty="0" err="1">
-                <a:solidFill>
-                  <a:schemeClr val="tx1"/>
-                </a:solidFill>
-                <a:effectLst/>
-                <a:latin typeface="+mn-lt"/>
-                <a:ea typeface="+mn-ea"/>
-                <a:cs typeface="+mn-cs"/>
-              </a:rPr>
-              <a:t>by</a:t>
-            </a:r>
-            <a:r>
-              <a:rPr lang="nl-NL" sz="1200" b="0" i="0" u="none" strike="noStrike" kern="1200" dirty="0">
-                <a:solidFill>
-                  <a:schemeClr val="tx1"/>
-                </a:solidFill>
-                <a:effectLst/>
-                <a:latin typeface="+mn-lt"/>
-                <a:ea typeface="+mn-ea"/>
-                <a:cs typeface="+mn-cs"/>
-              </a:rPr>
-              <a:t> </a:t>
-            </a:r>
-            <a:r>
-              <a:rPr lang="nl-NL" sz="1200" b="0" i="0" u="none" strike="noStrike" kern="1200" dirty="0" err="1">
-                <a:solidFill>
-                  <a:schemeClr val="tx1"/>
-                </a:solidFill>
-                <a:effectLst/>
-                <a:latin typeface="+mn-lt"/>
-                <a:ea typeface="+mn-ea"/>
-                <a:cs typeface="+mn-cs"/>
-              </a:rPr>
-              <a:t>that</a:t>
-            </a:r>
-            <a:r>
-              <a:rPr lang="nl-NL" sz="1200" b="0" i="0" u="none" strike="noStrike" kern="1200" dirty="0">
-                <a:solidFill>
-                  <a:schemeClr val="tx1"/>
-                </a:solidFill>
-                <a:effectLst/>
-                <a:latin typeface="+mn-lt"/>
-                <a:ea typeface="+mn-ea"/>
-                <a:cs typeface="+mn-cs"/>
-              </a:rPr>
-              <a:t> </a:t>
-            </a:r>
-            <a:r>
-              <a:rPr lang="nl-NL" sz="1200" b="0" i="0" u="none" strike="noStrike" kern="1200" dirty="0" err="1">
-                <a:solidFill>
-                  <a:schemeClr val="tx1"/>
-                </a:solidFill>
-                <a:effectLst/>
-                <a:latin typeface="+mn-lt"/>
-                <a:ea typeface="+mn-ea"/>
-                <a:cs typeface="+mn-cs"/>
-              </a:rPr>
-              <a:t>sum</a:t>
-            </a:r>
-            <a:r>
-              <a:rPr lang="nl-NL" sz="1200" b="0" i="0" u="none" strike="noStrike" kern="1200" dirty="0">
-                <a:solidFill>
-                  <a:schemeClr val="tx1"/>
-                </a:solidFill>
-                <a:effectLst/>
-                <a:latin typeface="+mn-lt"/>
-                <a:ea typeface="+mn-ea"/>
-                <a:cs typeface="+mn-cs"/>
-              </a:rPr>
-              <a:t> in </a:t>
-            </a:r>
-            <a:r>
-              <a:rPr lang="nl-NL" sz="1200" b="0" i="0" u="none" strike="noStrike" kern="1200" dirty="0" err="1">
-                <a:solidFill>
-                  <a:schemeClr val="tx1"/>
-                </a:solidFill>
-                <a:effectLst/>
-                <a:latin typeface="+mn-lt"/>
-                <a:ea typeface="+mn-ea"/>
-                <a:cs typeface="+mn-cs"/>
-              </a:rPr>
-              <a:t>descending</a:t>
-            </a:r>
-            <a:r>
-              <a:rPr lang="nl-NL" sz="1200" b="0" i="0" u="none" strike="noStrike" kern="1200" dirty="0">
-                <a:solidFill>
-                  <a:schemeClr val="tx1"/>
-                </a:solidFill>
-                <a:effectLst/>
-                <a:latin typeface="+mn-lt"/>
-                <a:ea typeface="+mn-ea"/>
-                <a:cs typeface="+mn-cs"/>
-              </a:rPr>
-              <a:t> order.</a:t>
-            </a:r>
-          </a:p>
-          <a:p>
             <a:endParaRPr lang="nl-NL" dirty="0"/>
           </a:p>
         </p:txBody>
@@ -2645,7 +811,2204 @@
     </p:spTree>
     <p:extLst>
       <p:ext uri="{BB962C8B-B14F-4D97-AF65-F5344CB8AC3E}">
+        <p14:creationId xmlns:p14="http://schemas.microsoft.com/office/powerpoint/2010/main" val="186031603"/>
+      </p:ext>
+    </p:extLst>
+  </p:cSld>
+  <p:clrMapOvr>
+    <a:masterClrMapping/>
+  </p:clrMapOvr>
+</p:notes>
+</file>
+
+<file path=ppt/notesSlides/notesSlide5.xml><?xml version="1.0" encoding="utf-8"?>
+<p:notes xmlns:a="http://schemas.openxmlformats.org/drawingml/2006/main" xmlns:r="http://schemas.openxmlformats.org/officeDocument/2006/relationships" xmlns:p="http://schemas.openxmlformats.org/presentationml/2006/main">
+  <p:cSld>
+    <p:spTree>
+      <p:nvGrpSpPr>
+        <p:cNvPr id="1" name=""/>
+        <p:cNvGrpSpPr/>
+        <p:nvPr/>
+      </p:nvGrpSpPr>
+      <p:grpSpPr>
+        <a:xfrm>
+          <a:off x="0" y="0"/>
+          <a:ext cx="0" cy="0"/>
+          <a:chOff x="0" y="0"/>
+          <a:chExt cx="0" cy="0"/>
+        </a:xfrm>
+      </p:grpSpPr>
+      <p:sp>
+        <p:nvSpPr>
+          <p:cNvPr id="2" name="Tijdelijke aanduiding voor dia-afbeelding 1"/>
+          <p:cNvSpPr>
+            <a:spLocks noGrp="1" noRot="1" noChangeAspect="1"/>
+          </p:cNvSpPr>
+          <p:nvPr>
+            <p:ph type="sldImg"/>
+          </p:nvPr>
+        </p:nvSpPr>
+        <p:spPr/>
+      </p:sp>
+      <p:sp>
+        <p:nvSpPr>
+          <p:cNvPr id="3" name="Tijdelijke aanduiding voor notities 2"/>
+          <p:cNvSpPr>
+            <a:spLocks noGrp="1"/>
+          </p:cNvSpPr>
+          <p:nvPr>
+            <p:ph type="body" idx="1"/>
+          </p:nvPr>
+        </p:nvSpPr>
+        <p:spPr/>
+        <p:txBody>
+          <a:bodyPr/>
+          <a:lstStyle/>
+          <a:p>
+            <a:r>
+              <a:rPr lang="nl-NL" sz="1200" b="0" i="0" u="none" strike="noStrike" kern="1200" dirty="0">
+                <a:solidFill>
+                  <a:schemeClr val="tx1"/>
+                </a:solidFill>
+                <a:effectLst/>
+                <a:latin typeface="+mn-lt"/>
+                <a:ea typeface="+mn-ea"/>
+                <a:cs typeface="+mn-cs"/>
+              </a:rPr>
+              <a:t>The </a:t>
+            </a:r>
+            <a:r>
+              <a:rPr lang="nl-NL" sz="1200" b="0" i="0" u="none" strike="noStrike" kern="1200" dirty="0" err="1">
+                <a:solidFill>
+                  <a:schemeClr val="tx1"/>
+                </a:solidFill>
+                <a:effectLst/>
+                <a:latin typeface="+mn-lt"/>
+                <a:ea typeface="+mn-ea"/>
+                <a:cs typeface="+mn-cs"/>
+              </a:rPr>
+              <a:t>final</a:t>
+            </a:r>
+            <a:r>
+              <a:rPr lang="nl-NL" sz="1200" b="0" i="0" u="none" strike="noStrike" kern="1200" dirty="0">
+                <a:solidFill>
+                  <a:schemeClr val="tx1"/>
+                </a:solidFill>
+                <a:effectLst/>
+                <a:latin typeface="+mn-lt"/>
+                <a:ea typeface="+mn-ea"/>
+                <a:cs typeface="+mn-cs"/>
+              </a:rPr>
+              <a:t> model </a:t>
+            </a:r>
+            <a:r>
+              <a:rPr lang="nl-NL" sz="1200" b="0" i="0" u="none" strike="noStrike" kern="1200" dirty="0" err="1">
+                <a:solidFill>
+                  <a:schemeClr val="tx1"/>
+                </a:solidFill>
+                <a:effectLst/>
+                <a:latin typeface="+mn-lt"/>
+                <a:ea typeface="+mn-ea"/>
+                <a:cs typeface="+mn-cs"/>
+              </a:rPr>
+              <a:t>that</a:t>
+            </a:r>
+            <a:r>
+              <a:rPr lang="nl-NL" sz="1200" b="0" i="0" u="none" strike="noStrike" kern="1200" dirty="0">
+                <a:solidFill>
+                  <a:schemeClr val="tx1"/>
+                </a:solidFill>
+                <a:effectLst/>
+                <a:latin typeface="+mn-lt"/>
+                <a:ea typeface="+mn-ea"/>
+                <a:cs typeface="+mn-cs"/>
+              </a:rPr>
+              <a:t> is </a:t>
+            </a:r>
+            <a:r>
+              <a:rPr lang="nl-NL" sz="1200" b="0" i="0" u="none" strike="noStrike" kern="1200" dirty="0" err="1">
+                <a:solidFill>
+                  <a:schemeClr val="tx1"/>
+                </a:solidFill>
+                <a:effectLst/>
+                <a:latin typeface="+mn-lt"/>
+                <a:ea typeface="+mn-ea"/>
+                <a:cs typeface="+mn-cs"/>
+              </a:rPr>
+              <a:t>used</a:t>
+            </a:r>
+            <a:r>
+              <a:rPr lang="nl-NL" sz="1200" b="0" i="0" u="none" strike="noStrike" kern="1200" dirty="0">
+                <a:solidFill>
+                  <a:schemeClr val="tx1"/>
+                </a:solidFill>
+                <a:effectLst/>
+                <a:latin typeface="+mn-lt"/>
+                <a:ea typeface="+mn-ea"/>
+                <a:cs typeface="+mn-cs"/>
+              </a:rPr>
+              <a:t> is </a:t>
+            </a:r>
+            <a:r>
+              <a:rPr lang="nl-NL" sz="1200" b="0" i="0" u="none" strike="noStrike" kern="1200" dirty="0" err="1">
+                <a:solidFill>
+                  <a:schemeClr val="tx1"/>
+                </a:solidFill>
+                <a:effectLst/>
+                <a:latin typeface="+mn-lt"/>
+                <a:ea typeface="+mn-ea"/>
+                <a:cs typeface="+mn-cs"/>
+              </a:rPr>
+              <a:t>the</a:t>
+            </a:r>
+            <a:r>
+              <a:rPr lang="nl-NL" sz="1200" b="0" i="0" u="none" strike="noStrike" kern="1200" dirty="0">
+                <a:solidFill>
+                  <a:schemeClr val="tx1"/>
+                </a:solidFill>
+                <a:effectLst/>
+                <a:latin typeface="+mn-lt"/>
+                <a:ea typeface="+mn-ea"/>
+                <a:cs typeface="+mn-cs"/>
+              </a:rPr>
+              <a:t> </a:t>
+            </a:r>
+            <a:r>
+              <a:rPr lang="nl-NL" sz="1200" b="0" i="0" u="none" strike="noStrike" kern="1200" dirty="0" err="1">
+                <a:solidFill>
+                  <a:schemeClr val="tx1"/>
+                </a:solidFill>
+                <a:effectLst/>
+                <a:latin typeface="+mn-lt"/>
+                <a:ea typeface="+mn-ea"/>
+                <a:cs typeface="+mn-cs"/>
+              </a:rPr>
+              <a:t>XGBoost</a:t>
+            </a:r>
+            <a:r>
+              <a:rPr lang="nl-NL" sz="1200" b="0" i="0" u="none" strike="noStrike" kern="1200" dirty="0">
+                <a:solidFill>
+                  <a:schemeClr val="tx1"/>
+                </a:solidFill>
+                <a:effectLst/>
+                <a:latin typeface="+mn-lt"/>
+                <a:ea typeface="+mn-ea"/>
+                <a:cs typeface="+mn-cs"/>
+              </a:rPr>
+              <a:t> model </a:t>
+            </a:r>
+            <a:r>
+              <a:rPr lang="nl-NL" sz="1200" b="0" i="0" u="none" strike="noStrike" kern="1200" dirty="0" err="1">
+                <a:solidFill>
+                  <a:schemeClr val="tx1"/>
+                </a:solidFill>
+                <a:effectLst/>
+                <a:latin typeface="+mn-lt"/>
+                <a:ea typeface="+mn-ea"/>
+                <a:cs typeface="+mn-cs"/>
+              </a:rPr>
+              <a:t>which</a:t>
+            </a:r>
+            <a:r>
+              <a:rPr lang="nl-NL" sz="1200" b="0" i="0" u="none" strike="noStrike" kern="1200" dirty="0">
+                <a:solidFill>
+                  <a:schemeClr val="tx1"/>
+                </a:solidFill>
+                <a:effectLst/>
+                <a:latin typeface="+mn-lt"/>
+                <a:ea typeface="+mn-ea"/>
+                <a:cs typeface="+mn-cs"/>
+              </a:rPr>
+              <a:t> is proven </a:t>
+            </a:r>
+            <a:r>
+              <a:rPr lang="nl-NL" sz="1200" b="0" i="0" u="none" strike="noStrike" kern="1200" dirty="0" err="1">
+                <a:solidFill>
+                  <a:schemeClr val="tx1"/>
+                </a:solidFill>
+                <a:effectLst/>
+                <a:latin typeface="+mn-lt"/>
+                <a:ea typeface="+mn-ea"/>
+                <a:cs typeface="+mn-cs"/>
+              </a:rPr>
+              <a:t>to</a:t>
+            </a:r>
+            <a:r>
+              <a:rPr lang="nl-NL" sz="1200" b="0" i="0" u="none" strike="noStrike" kern="1200" dirty="0">
+                <a:solidFill>
+                  <a:schemeClr val="tx1"/>
+                </a:solidFill>
+                <a:effectLst/>
+                <a:latin typeface="+mn-lt"/>
+                <a:ea typeface="+mn-ea"/>
+                <a:cs typeface="+mn-cs"/>
+              </a:rPr>
+              <a:t> </a:t>
+            </a:r>
+            <a:r>
+              <a:rPr lang="nl-NL" sz="1200" b="0" i="0" u="none" strike="noStrike" kern="1200" dirty="0" err="1">
+                <a:solidFill>
+                  <a:schemeClr val="tx1"/>
+                </a:solidFill>
+                <a:effectLst/>
+                <a:latin typeface="+mn-lt"/>
+                <a:ea typeface="+mn-ea"/>
+                <a:cs typeface="+mn-cs"/>
+              </a:rPr>
+              <a:t>be</a:t>
+            </a:r>
+            <a:r>
+              <a:rPr lang="nl-NL" sz="1200" b="0" i="0" u="none" strike="noStrike" kern="1200" dirty="0">
+                <a:solidFill>
+                  <a:schemeClr val="tx1"/>
+                </a:solidFill>
+                <a:effectLst/>
+                <a:latin typeface="+mn-lt"/>
+                <a:ea typeface="+mn-ea"/>
+                <a:cs typeface="+mn-cs"/>
+              </a:rPr>
+              <a:t> a </a:t>
+            </a:r>
+            <a:r>
+              <a:rPr lang="nl-NL" sz="1200" b="0" i="0" u="none" strike="noStrike" kern="1200" dirty="0" err="1">
+                <a:solidFill>
+                  <a:schemeClr val="tx1"/>
+                </a:solidFill>
+                <a:effectLst/>
+                <a:latin typeface="+mn-lt"/>
+                <a:ea typeface="+mn-ea"/>
+                <a:cs typeface="+mn-cs"/>
+              </a:rPr>
+              <a:t>very</a:t>
+            </a:r>
+            <a:r>
+              <a:rPr lang="nl-NL" sz="1200" b="0" i="0" u="none" strike="noStrike" kern="1200" dirty="0">
+                <a:solidFill>
+                  <a:schemeClr val="tx1"/>
+                </a:solidFill>
+                <a:effectLst/>
+                <a:latin typeface="+mn-lt"/>
+                <a:ea typeface="+mn-ea"/>
+                <a:cs typeface="+mn-cs"/>
+              </a:rPr>
+              <a:t> </a:t>
+            </a:r>
+            <a:r>
+              <a:rPr lang="nl-NL" sz="1200" b="0" i="0" u="none" strike="noStrike" kern="1200" dirty="0" err="1">
+                <a:solidFill>
+                  <a:schemeClr val="tx1"/>
+                </a:solidFill>
+                <a:effectLst/>
+                <a:latin typeface="+mn-lt"/>
+                <a:ea typeface="+mn-ea"/>
+                <a:cs typeface="+mn-cs"/>
+              </a:rPr>
+              <a:t>powerful</a:t>
+            </a:r>
+            <a:r>
+              <a:rPr lang="nl-NL" sz="1200" b="0" i="0" u="none" strike="noStrike" kern="1200" dirty="0">
+                <a:solidFill>
+                  <a:schemeClr val="tx1"/>
+                </a:solidFill>
+                <a:effectLst/>
+                <a:latin typeface="+mn-lt"/>
+                <a:ea typeface="+mn-ea"/>
+                <a:cs typeface="+mn-cs"/>
+              </a:rPr>
+              <a:t> machine </a:t>
+            </a:r>
+            <a:r>
+              <a:rPr lang="nl-NL" sz="1200" b="0" i="0" u="none" strike="noStrike" kern="1200" dirty="0" err="1">
+                <a:solidFill>
+                  <a:schemeClr val="tx1"/>
+                </a:solidFill>
+                <a:effectLst/>
+                <a:latin typeface="+mn-lt"/>
+                <a:ea typeface="+mn-ea"/>
+                <a:cs typeface="+mn-cs"/>
+              </a:rPr>
+              <a:t>learning</a:t>
+            </a:r>
+            <a:r>
+              <a:rPr lang="nl-NL" sz="1200" b="0" i="0" u="none" strike="noStrike" kern="1200" dirty="0">
+                <a:solidFill>
+                  <a:schemeClr val="tx1"/>
+                </a:solidFill>
+                <a:effectLst/>
+                <a:latin typeface="+mn-lt"/>
+                <a:ea typeface="+mn-ea"/>
+                <a:cs typeface="+mn-cs"/>
+              </a:rPr>
+              <a:t> model.</a:t>
+            </a:r>
+          </a:p>
+          <a:p>
+            <a:endParaRPr lang="nl-NL" sz="1200" b="0" i="0" u="none" strike="noStrike" kern="1200" dirty="0">
+              <a:solidFill>
+                <a:schemeClr val="tx1"/>
+              </a:solidFill>
+              <a:effectLst/>
+              <a:latin typeface="+mn-lt"/>
+              <a:ea typeface="+mn-ea"/>
+              <a:cs typeface="+mn-cs"/>
+            </a:endParaRPr>
+          </a:p>
+          <a:p>
+            <a:pPr marL="0" marR="0" lvl="0" indent="0" algn="l" defTabSz="914400" rtl="0" eaLnBrk="1" fontAlgn="auto" latinLnBrk="0" hangingPunct="1">
+              <a:lnSpc>
+                <a:spcPct val="100000"/>
+              </a:lnSpc>
+              <a:spcBef>
+                <a:spcPts val="0"/>
+              </a:spcBef>
+              <a:spcAft>
+                <a:spcPts val="0"/>
+              </a:spcAft>
+              <a:buClrTx/>
+              <a:buSzTx/>
+              <a:buFontTx/>
+              <a:buNone/>
+              <a:tabLst/>
+              <a:defRPr/>
+            </a:pPr>
+            <a:r>
+              <a:rPr lang="nl-NL" sz="1200" b="0" i="0" u="none" strike="noStrike" kern="1200" dirty="0" err="1">
+                <a:solidFill>
+                  <a:schemeClr val="tx1"/>
+                </a:solidFill>
+                <a:effectLst/>
+                <a:latin typeface="+mn-lt"/>
+                <a:ea typeface="+mn-ea"/>
+                <a:cs typeface="+mn-cs"/>
+              </a:rPr>
+              <a:t>XGBoost</a:t>
+            </a:r>
+            <a:r>
+              <a:rPr lang="nl-NL" sz="1200" b="0" i="0" u="none" strike="noStrike" kern="1200" dirty="0">
+                <a:solidFill>
+                  <a:schemeClr val="tx1"/>
+                </a:solidFill>
+                <a:effectLst/>
+                <a:latin typeface="+mn-lt"/>
+                <a:ea typeface="+mn-ea"/>
+                <a:cs typeface="+mn-cs"/>
+              </a:rPr>
+              <a:t> stands </a:t>
+            </a:r>
+            <a:r>
+              <a:rPr lang="nl-NL" sz="1200" b="0" i="0" u="none" strike="noStrike" kern="1200" dirty="0" err="1">
+                <a:solidFill>
+                  <a:schemeClr val="tx1"/>
+                </a:solidFill>
+                <a:effectLst/>
+                <a:latin typeface="+mn-lt"/>
+                <a:ea typeface="+mn-ea"/>
+                <a:cs typeface="+mn-cs"/>
+              </a:rPr>
+              <a:t>for</a:t>
+            </a:r>
+            <a:r>
+              <a:rPr lang="nl-NL" sz="1200" b="0" i="0" u="none" strike="noStrike" kern="1200" dirty="0">
+                <a:solidFill>
+                  <a:schemeClr val="tx1"/>
+                </a:solidFill>
+                <a:effectLst/>
+                <a:latin typeface="+mn-lt"/>
+                <a:ea typeface="+mn-ea"/>
+                <a:cs typeface="+mn-cs"/>
+              </a:rPr>
+              <a:t> </a:t>
+            </a:r>
+            <a:r>
+              <a:rPr lang="nl-NL" sz="1200" b="0" i="0" u="none" strike="noStrike" kern="1200" dirty="0" err="1">
+                <a:solidFill>
+                  <a:schemeClr val="tx1"/>
+                </a:solidFill>
+                <a:effectLst/>
+                <a:latin typeface="+mn-lt"/>
+                <a:ea typeface="+mn-ea"/>
+                <a:cs typeface="+mn-cs"/>
+              </a:rPr>
+              <a:t>eXtreme</a:t>
+            </a:r>
+            <a:r>
+              <a:rPr lang="nl-NL" sz="1200" b="0" i="0" u="none" strike="noStrike" kern="1200" dirty="0">
+                <a:solidFill>
+                  <a:schemeClr val="tx1"/>
+                </a:solidFill>
+                <a:effectLst/>
+                <a:latin typeface="+mn-lt"/>
+                <a:ea typeface="+mn-ea"/>
+                <a:cs typeface="+mn-cs"/>
+              </a:rPr>
+              <a:t> </a:t>
+            </a:r>
+            <a:r>
+              <a:rPr lang="nl-NL" sz="1200" b="0" i="0" u="none" strike="noStrike" kern="1200" dirty="0" err="1">
+                <a:solidFill>
+                  <a:schemeClr val="tx1"/>
+                </a:solidFill>
+                <a:effectLst/>
+                <a:latin typeface="+mn-lt"/>
+                <a:ea typeface="+mn-ea"/>
+                <a:cs typeface="+mn-cs"/>
+              </a:rPr>
+              <a:t>Gradient</a:t>
+            </a:r>
+            <a:r>
+              <a:rPr lang="nl-NL" sz="1200" b="0" i="0" u="none" strike="noStrike" kern="1200" dirty="0">
+                <a:solidFill>
+                  <a:schemeClr val="tx1"/>
+                </a:solidFill>
+                <a:effectLst/>
+                <a:latin typeface="+mn-lt"/>
+                <a:ea typeface="+mn-ea"/>
+                <a:cs typeface="+mn-cs"/>
+              </a:rPr>
+              <a:t> Boosting.  </a:t>
+            </a:r>
+            <a:r>
+              <a:rPr lang="nl-NL" sz="1200" b="0" i="0" u="none" strike="noStrike" kern="1200" dirty="0" err="1">
+                <a:solidFill>
+                  <a:schemeClr val="tx1"/>
+                </a:solidFill>
+                <a:effectLst/>
+                <a:latin typeface="+mn-lt"/>
+                <a:ea typeface="+mn-ea"/>
+                <a:cs typeface="+mn-cs"/>
+              </a:rPr>
+              <a:t>itis</a:t>
+            </a:r>
+            <a:r>
+              <a:rPr lang="nl-NL" sz="1200" b="0" i="0" u="none" strike="noStrike" kern="1200" dirty="0">
+                <a:solidFill>
+                  <a:schemeClr val="tx1"/>
+                </a:solidFill>
+                <a:effectLst/>
+                <a:latin typeface="+mn-lt"/>
+                <a:ea typeface="+mn-ea"/>
+                <a:cs typeface="+mn-cs"/>
+              </a:rPr>
+              <a:t> a parallel </a:t>
+            </a:r>
+            <a:r>
+              <a:rPr lang="nl-NL" sz="1200" b="0" i="0" u="none" strike="noStrike" kern="1200" dirty="0" err="1">
+                <a:solidFill>
+                  <a:schemeClr val="tx1"/>
+                </a:solidFill>
+                <a:effectLst/>
+                <a:latin typeface="+mn-lt"/>
+                <a:ea typeface="+mn-ea"/>
+                <a:cs typeface="+mn-cs"/>
+              </a:rPr>
+              <a:t>implementation</a:t>
+            </a:r>
+            <a:r>
+              <a:rPr lang="nl-NL" sz="1200" b="0" i="0" u="none" strike="noStrike" kern="1200" dirty="0">
+                <a:solidFill>
+                  <a:schemeClr val="tx1"/>
+                </a:solidFill>
+                <a:effectLst/>
+                <a:latin typeface="+mn-lt"/>
+                <a:ea typeface="+mn-ea"/>
+                <a:cs typeface="+mn-cs"/>
+              </a:rPr>
+              <a:t> of </a:t>
+            </a:r>
+            <a:r>
+              <a:rPr lang="nl-NL" sz="1200" b="0" i="0" u="none" strike="noStrike" kern="1200" dirty="0" err="1">
+                <a:solidFill>
+                  <a:schemeClr val="tx1"/>
+                </a:solidFill>
+                <a:effectLst/>
+                <a:latin typeface="+mn-lt"/>
+                <a:ea typeface="+mn-ea"/>
+                <a:cs typeface="+mn-cs"/>
+              </a:rPr>
+              <a:t>Gradient</a:t>
+            </a:r>
+            <a:r>
+              <a:rPr lang="nl-NL" sz="1200" b="0" i="0" u="none" strike="noStrike" kern="1200" dirty="0">
+                <a:solidFill>
+                  <a:schemeClr val="tx1"/>
+                </a:solidFill>
+                <a:effectLst/>
+                <a:latin typeface="+mn-lt"/>
+                <a:ea typeface="+mn-ea"/>
+                <a:cs typeface="+mn-cs"/>
+              </a:rPr>
+              <a:t> </a:t>
+            </a:r>
+            <a:r>
+              <a:rPr lang="nl-NL" sz="1200" b="0" i="0" u="none" strike="noStrike" kern="1200" dirty="0" err="1">
+                <a:solidFill>
+                  <a:schemeClr val="tx1"/>
+                </a:solidFill>
+                <a:effectLst/>
+                <a:latin typeface="+mn-lt"/>
+                <a:ea typeface="+mn-ea"/>
+                <a:cs typeface="+mn-cs"/>
+              </a:rPr>
+              <a:t>Boosted</a:t>
+            </a:r>
+            <a:r>
+              <a:rPr lang="nl-NL" sz="1200" b="0" i="0" u="none" strike="noStrike" kern="1200" dirty="0">
+                <a:solidFill>
+                  <a:schemeClr val="tx1"/>
+                </a:solidFill>
+                <a:effectLst/>
+                <a:latin typeface="+mn-lt"/>
+                <a:ea typeface="+mn-ea"/>
+                <a:cs typeface="+mn-cs"/>
+              </a:rPr>
+              <a:t> </a:t>
+            </a:r>
+            <a:r>
+              <a:rPr lang="nl-NL" sz="1200" b="0" i="0" u="none" strike="noStrike" kern="1200" dirty="0" err="1">
+                <a:solidFill>
+                  <a:schemeClr val="tx1"/>
+                </a:solidFill>
+                <a:effectLst/>
+                <a:latin typeface="+mn-lt"/>
+                <a:ea typeface="+mn-ea"/>
+                <a:cs typeface="+mn-cs"/>
+              </a:rPr>
+              <a:t>Decision</a:t>
+            </a:r>
+            <a:r>
+              <a:rPr lang="nl-NL" sz="1200" b="0" i="0" u="none" strike="noStrike" kern="1200" dirty="0">
+                <a:solidFill>
+                  <a:schemeClr val="tx1"/>
+                </a:solidFill>
+                <a:effectLst/>
+                <a:latin typeface="+mn-lt"/>
+                <a:ea typeface="+mn-ea"/>
+                <a:cs typeface="+mn-cs"/>
+              </a:rPr>
+              <a:t> Trees (GBDT) </a:t>
+            </a:r>
+            <a:r>
+              <a:rPr lang="nl-NL" sz="1200" b="0" i="0" u="none" strike="noStrike" kern="1200" dirty="0" err="1">
+                <a:solidFill>
+                  <a:schemeClr val="tx1"/>
+                </a:solidFill>
+                <a:effectLst/>
+                <a:latin typeface="+mn-lt"/>
+                <a:ea typeface="+mn-ea"/>
+                <a:cs typeface="+mn-cs"/>
+              </a:rPr>
+              <a:t>designed</a:t>
+            </a:r>
+            <a:r>
+              <a:rPr lang="nl-NL" sz="1200" b="0" i="0" u="none" strike="noStrike" kern="1200" dirty="0">
+                <a:solidFill>
+                  <a:schemeClr val="tx1"/>
+                </a:solidFill>
+                <a:effectLst/>
+                <a:latin typeface="+mn-lt"/>
+                <a:ea typeface="+mn-ea"/>
+                <a:cs typeface="+mn-cs"/>
+              </a:rPr>
+              <a:t> </a:t>
+            </a:r>
+            <a:r>
+              <a:rPr lang="nl-NL" sz="1200" b="0" i="0" u="none" strike="noStrike" kern="1200" dirty="0" err="1">
+                <a:solidFill>
+                  <a:schemeClr val="tx1"/>
+                </a:solidFill>
+                <a:effectLst/>
+                <a:latin typeface="+mn-lt"/>
+                <a:ea typeface="+mn-ea"/>
+                <a:cs typeface="+mn-cs"/>
+              </a:rPr>
+              <a:t>for</a:t>
+            </a:r>
+            <a:r>
+              <a:rPr lang="nl-NL" sz="1200" b="0" i="0" u="none" strike="noStrike" kern="1200" dirty="0">
+                <a:solidFill>
+                  <a:schemeClr val="tx1"/>
+                </a:solidFill>
+                <a:effectLst/>
+                <a:latin typeface="+mn-lt"/>
+                <a:ea typeface="+mn-ea"/>
+                <a:cs typeface="+mn-cs"/>
+              </a:rPr>
+              <a:t> speed </a:t>
+            </a:r>
+            <a:r>
+              <a:rPr lang="nl-NL" sz="1200" b="0" i="0" u="none" strike="noStrike" kern="1200" dirty="0" err="1">
+                <a:solidFill>
+                  <a:schemeClr val="tx1"/>
+                </a:solidFill>
+                <a:effectLst/>
+                <a:latin typeface="+mn-lt"/>
+                <a:ea typeface="+mn-ea"/>
+                <a:cs typeface="+mn-cs"/>
+              </a:rPr>
+              <a:t>and</a:t>
+            </a:r>
+            <a:r>
+              <a:rPr lang="nl-NL" sz="1200" b="0" i="0" u="none" strike="noStrike" kern="1200" dirty="0">
+                <a:solidFill>
+                  <a:schemeClr val="tx1"/>
+                </a:solidFill>
+                <a:effectLst/>
+                <a:latin typeface="+mn-lt"/>
+                <a:ea typeface="+mn-ea"/>
+                <a:cs typeface="+mn-cs"/>
+              </a:rPr>
+              <a:t> performance. </a:t>
+            </a:r>
+          </a:p>
+          <a:p>
+            <a:endParaRPr lang="nl-NL" dirty="0"/>
+          </a:p>
+        </p:txBody>
+      </p:sp>
+      <p:sp>
+        <p:nvSpPr>
+          <p:cNvPr id="4" name="Tijdelijke aanduiding voor dianummer 3"/>
+          <p:cNvSpPr>
+            <a:spLocks noGrp="1"/>
+          </p:cNvSpPr>
+          <p:nvPr>
+            <p:ph type="sldNum" sz="quarter" idx="5"/>
+          </p:nvPr>
+        </p:nvSpPr>
+        <p:spPr/>
+        <p:txBody>
+          <a:bodyPr/>
+          <a:lstStyle/>
+          <a:p>
+            <a:fld id="{DD348C66-A7F6-CE43-A0A0-C637C1BB7152}" type="slidenum">
+              <a:rPr lang="nl-NL" smtClean="0"/>
+              <a:t>6</a:t>
+            </a:fld>
+            <a:endParaRPr lang="nl-NL"/>
+          </a:p>
+        </p:txBody>
+      </p:sp>
+    </p:spTree>
+    <p:extLst>
+      <p:ext uri="{BB962C8B-B14F-4D97-AF65-F5344CB8AC3E}">
+        <p14:creationId xmlns:p14="http://schemas.microsoft.com/office/powerpoint/2010/main" val="1482564921"/>
+      </p:ext>
+    </p:extLst>
+  </p:cSld>
+  <p:clrMapOvr>
+    <a:masterClrMapping/>
+  </p:clrMapOvr>
+</p:notes>
+</file>
+
+<file path=ppt/notesSlides/notesSlide6.xml><?xml version="1.0" encoding="utf-8"?>
+<p:notes xmlns:a="http://schemas.openxmlformats.org/drawingml/2006/main" xmlns:r="http://schemas.openxmlformats.org/officeDocument/2006/relationships" xmlns:p="http://schemas.openxmlformats.org/presentationml/2006/main">
+  <p:cSld>
+    <p:spTree>
+      <p:nvGrpSpPr>
+        <p:cNvPr id="1" name=""/>
+        <p:cNvGrpSpPr/>
+        <p:nvPr/>
+      </p:nvGrpSpPr>
+      <p:grpSpPr>
+        <a:xfrm>
+          <a:off x="0" y="0"/>
+          <a:ext cx="0" cy="0"/>
+          <a:chOff x="0" y="0"/>
+          <a:chExt cx="0" cy="0"/>
+        </a:xfrm>
+      </p:grpSpPr>
+      <p:sp>
+        <p:nvSpPr>
+          <p:cNvPr id="2" name="Tijdelijke aanduiding voor dia-afbeelding 1"/>
+          <p:cNvSpPr>
+            <a:spLocks noGrp="1" noRot="1" noChangeAspect="1"/>
+          </p:cNvSpPr>
+          <p:nvPr>
+            <p:ph type="sldImg"/>
+          </p:nvPr>
+        </p:nvSpPr>
+        <p:spPr/>
+      </p:sp>
+      <p:sp>
+        <p:nvSpPr>
+          <p:cNvPr id="3" name="Tijdelijke aanduiding voor notities 2"/>
+          <p:cNvSpPr>
+            <a:spLocks noGrp="1"/>
+          </p:cNvSpPr>
+          <p:nvPr>
+            <p:ph type="body" idx="1"/>
+          </p:nvPr>
+        </p:nvSpPr>
+        <p:spPr/>
+        <p:txBody>
+          <a:bodyPr/>
+          <a:lstStyle/>
+          <a:p>
+            <a:r>
+              <a:rPr lang="en-US" sz="1200" kern="1200" dirty="0">
+                <a:solidFill>
+                  <a:schemeClr val="tx1"/>
+                </a:solidFill>
+                <a:effectLst/>
+                <a:latin typeface="+mn-lt"/>
+                <a:ea typeface="+mn-ea"/>
+                <a:cs typeface="+mn-cs"/>
+              </a:rPr>
+              <a:t>This is a technique which applies a framework called gradient boosting that uses regression trees as base learners. </a:t>
+            </a:r>
+            <a:endParaRPr lang="nl-NL" sz="1200" kern="1200" dirty="0">
+              <a:solidFill>
+                <a:schemeClr val="tx1"/>
+              </a:solidFill>
+              <a:effectLst/>
+              <a:latin typeface="+mn-lt"/>
+              <a:ea typeface="+mn-ea"/>
+              <a:cs typeface="+mn-cs"/>
+            </a:endParaRPr>
+          </a:p>
+          <a:p>
+            <a:r>
+              <a:rPr lang="en-US" sz="1200" kern="1200" dirty="0">
+                <a:solidFill>
+                  <a:schemeClr val="tx1"/>
+                </a:solidFill>
+                <a:effectLst/>
+                <a:latin typeface="+mn-lt"/>
+                <a:ea typeface="+mn-ea"/>
+                <a:cs typeface="+mn-cs"/>
+              </a:rPr>
+              <a:t> </a:t>
+            </a:r>
+            <a:endParaRPr lang="nl-NL" sz="1200" kern="1200" dirty="0">
+              <a:solidFill>
+                <a:schemeClr val="tx1"/>
+              </a:solidFill>
+              <a:effectLst/>
+              <a:latin typeface="+mn-lt"/>
+              <a:ea typeface="+mn-ea"/>
+              <a:cs typeface="+mn-cs"/>
+            </a:endParaRPr>
+          </a:p>
+          <a:p>
+            <a:pPr marL="0" marR="0" lvl="0" indent="0" algn="l" defTabSz="914400" rtl="0" eaLnBrk="1" fontAlgn="auto" latinLnBrk="0" hangingPunct="1">
+              <a:lnSpc>
+                <a:spcPct val="100000"/>
+              </a:lnSpc>
+              <a:spcBef>
+                <a:spcPts val="0"/>
+              </a:spcBef>
+              <a:spcAft>
+                <a:spcPts val="0"/>
+              </a:spcAft>
+              <a:buClrTx/>
+              <a:buSzTx/>
+              <a:buFontTx/>
+              <a:buNone/>
+              <a:tabLst/>
+              <a:defRPr/>
+            </a:pPr>
+            <a:r>
+              <a:rPr lang="en-US" sz="1200" kern="1200" dirty="0">
+                <a:solidFill>
+                  <a:schemeClr val="tx1"/>
+                </a:solidFill>
+                <a:effectLst/>
+                <a:latin typeface="+mn-lt"/>
+                <a:ea typeface="+mn-ea"/>
+                <a:cs typeface="+mn-cs"/>
+              </a:rPr>
+              <a:t>GBDT starts with a naïve prediction and then iteratively fits regression trees on the residuals to obtain a linear combination of predictors </a:t>
+            </a:r>
+            <a:r>
+              <a:rPr lang="nl-NL" sz="1200" b="0" i="0" u="none" strike="noStrike" kern="1200" dirty="0" err="1">
+                <a:solidFill>
+                  <a:schemeClr val="tx1"/>
+                </a:solidFill>
+                <a:effectLst/>
+                <a:latin typeface="+mn-lt"/>
+                <a:ea typeface="+mn-ea"/>
+                <a:cs typeface="+mn-cs"/>
+              </a:rPr>
+              <a:t>for</a:t>
+            </a:r>
+            <a:r>
+              <a:rPr lang="nl-NL" sz="1200" b="0" i="0" u="none" strike="noStrike" kern="1200" dirty="0">
+                <a:solidFill>
+                  <a:schemeClr val="tx1"/>
+                </a:solidFill>
+                <a:effectLst/>
+                <a:latin typeface="+mn-lt"/>
+                <a:ea typeface="+mn-ea"/>
+                <a:cs typeface="+mn-cs"/>
+              </a:rPr>
+              <a:t> </a:t>
+            </a:r>
+            <a:r>
+              <a:rPr lang="nl-NL" sz="1200" b="0" i="0" u="none" strike="noStrike" kern="1200" dirty="0" err="1">
+                <a:solidFill>
+                  <a:schemeClr val="tx1"/>
+                </a:solidFill>
+                <a:effectLst/>
+                <a:latin typeface="+mn-lt"/>
+                <a:ea typeface="+mn-ea"/>
+                <a:cs typeface="+mn-cs"/>
+              </a:rPr>
+              <a:t>any</a:t>
+            </a:r>
+            <a:r>
+              <a:rPr lang="nl-NL" sz="1200" b="0" i="0" u="none" strike="noStrike" kern="1200" dirty="0">
+                <a:solidFill>
+                  <a:schemeClr val="tx1"/>
+                </a:solidFill>
+                <a:effectLst/>
+                <a:latin typeface="+mn-lt"/>
+                <a:ea typeface="+mn-ea"/>
+                <a:cs typeface="+mn-cs"/>
+              </a:rPr>
+              <a:t> </a:t>
+            </a:r>
+            <a:r>
+              <a:rPr lang="nl-NL" sz="1200" b="0" i="0" u="none" strike="noStrike" kern="1200" dirty="0" err="1">
+                <a:solidFill>
+                  <a:schemeClr val="tx1"/>
+                </a:solidFill>
+                <a:effectLst/>
+                <a:latin typeface="+mn-lt"/>
+                <a:ea typeface="+mn-ea"/>
+                <a:cs typeface="+mn-cs"/>
+              </a:rPr>
+              <a:t>regression</a:t>
+            </a:r>
+            <a:r>
+              <a:rPr lang="nl-NL" sz="1200" b="0" i="0" u="none" strike="noStrike" kern="1200" dirty="0">
+                <a:solidFill>
+                  <a:schemeClr val="tx1"/>
+                </a:solidFill>
+                <a:effectLst/>
+                <a:latin typeface="+mn-lt"/>
+                <a:ea typeface="+mn-ea"/>
+                <a:cs typeface="+mn-cs"/>
+              </a:rPr>
+              <a:t> (or </a:t>
+            </a:r>
+            <a:r>
+              <a:rPr lang="nl-NL" sz="1200" b="0" i="0" u="none" strike="noStrike" kern="1200" dirty="0" err="1">
+                <a:solidFill>
+                  <a:schemeClr val="tx1"/>
+                </a:solidFill>
+                <a:effectLst/>
+                <a:latin typeface="+mn-lt"/>
+                <a:ea typeface="+mn-ea"/>
+                <a:cs typeface="+mn-cs"/>
+              </a:rPr>
+              <a:t>classification</a:t>
+            </a:r>
+            <a:r>
+              <a:rPr lang="nl-NL" sz="1200" b="0" i="0" u="none" strike="noStrike" kern="1200" dirty="0">
+                <a:solidFill>
+                  <a:schemeClr val="tx1"/>
+                </a:solidFill>
+                <a:effectLst/>
+                <a:latin typeface="+mn-lt"/>
+                <a:ea typeface="+mn-ea"/>
+                <a:cs typeface="+mn-cs"/>
+              </a:rPr>
+              <a:t>) </a:t>
+            </a:r>
+            <a:r>
+              <a:rPr lang="nl-NL" sz="1200" b="0" i="0" u="none" strike="noStrike" kern="1200" dirty="0" err="1">
+                <a:solidFill>
+                  <a:schemeClr val="tx1"/>
+                </a:solidFill>
+                <a:effectLst/>
+                <a:latin typeface="+mn-lt"/>
+                <a:ea typeface="+mn-ea"/>
+                <a:cs typeface="+mn-cs"/>
+              </a:rPr>
+              <a:t>problem</a:t>
+            </a:r>
+            <a:r>
+              <a:rPr lang="nl-NL" sz="1200" b="0" i="0" u="none" strike="noStrike" kern="1200" dirty="0">
+                <a:solidFill>
+                  <a:schemeClr val="tx1"/>
+                </a:solidFill>
+                <a:effectLst/>
+                <a:latin typeface="+mn-lt"/>
+                <a:ea typeface="+mn-ea"/>
+                <a:cs typeface="+mn-cs"/>
+              </a:rPr>
+              <a:t>.</a:t>
+            </a:r>
+          </a:p>
+          <a:p>
+            <a:endParaRPr lang="nl-NL" sz="1200" kern="1200" dirty="0">
+              <a:solidFill>
+                <a:schemeClr val="tx1"/>
+              </a:solidFill>
+              <a:effectLst/>
+              <a:latin typeface="+mn-lt"/>
+              <a:ea typeface="+mn-ea"/>
+              <a:cs typeface="+mn-cs"/>
+            </a:endParaRPr>
+          </a:p>
+          <a:p>
+            <a:endParaRPr lang="nl-NL" dirty="0"/>
+          </a:p>
+        </p:txBody>
+      </p:sp>
+      <p:sp>
+        <p:nvSpPr>
+          <p:cNvPr id="4" name="Tijdelijke aanduiding voor dianummer 3"/>
+          <p:cNvSpPr>
+            <a:spLocks noGrp="1"/>
+          </p:cNvSpPr>
+          <p:nvPr>
+            <p:ph type="sldNum" sz="quarter" idx="5"/>
+          </p:nvPr>
+        </p:nvSpPr>
+        <p:spPr/>
+        <p:txBody>
+          <a:bodyPr/>
+          <a:lstStyle/>
+          <a:p>
+            <a:fld id="{7CADDDAC-E744-FD4B-A60B-30A8D32AD8B9}" type="slidenum">
+              <a:rPr lang="nl-NL" smtClean="0"/>
+              <a:t>7</a:t>
+            </a:fld>
+            <a:endParaRPr lang="nl-NL"/>
+          </a:p>
+        </p:txBody>
+      </p:sp>
+    </p:spTree>
+    <p:extLst>
+      <p:ext uri="{BB962C8B-B14F-4D97-AF65-F5344CB8AC3E}">
+        <p14:creationId xmlns:p14="http://schemas.microsoft.com/office/powerpoint/2010/main" val="310042557"/>
+      </p:ext>
+    </p:extLst>
+  </p:cSld>
+  <p:clrMapOvr>
+    <a:masterClrMapping/>
+  </p:clrMapOvr>
+</p:notes>
+</file>
+
+<file path=ppt/notesSlides/notesSlide7.xml><?xml version="1.0" encoding="utf-8"?>
+<p:notes xmlns:a="http://schemas.openxmlformats.org/drawingml/2006/main" xmlns:r="http://schemas.openxmlformats.org/officeDocument/2006/relationships" xmlns:p="http://schemas.openxmlformats.org/presentationml/2006/main">
+  <p:cSld>
+    <p:spTree>
+      <p:nvGrpSpPr>
+        <p:cNvPr id="1" name=""/>
+        <p:cNvGrpSpPr/>
+        <p:nvPr/>
+      </p:nvGrpSpPr>
+      <p:grpSpPr>
+        <a:xfrm>
+          <a:off x="0" y="0"/>
+          <a:ext cx="0" cy="0"/>
+          <a:chOff x="0" y="0"/>
+          <a:chExt cx="0" cy="0"/>
+        </a:xfrm>
+      </p:grpSpPr>
+      <p:sp>
+        <p:nvSpPr>
+          <p:cNvPr id="2" name="Tijdelijke aanduiding voor dia-afbeelding 1"/>
+          <p:cNvSpPr>
+            <a:spLocks noGrp="1" noRot="1" noChangeAspect="1"/>
+          </p:cNvSpPr>
+          <p:nvPr>
+            <p:ph type="sldImg"/>
+          </p:nvPr>
+        </p:nvSpPr>
+        <p:spPr/>
+      </p:sp>
+      <p:sp>
+        <p:nvSpPr>
+          <p:cNvPr id="3" name="Tijdelijke aanduiding voor notities 2"/>
+          <p:cNvSpPr>
+            <a:spLocks noGrp="1"/>
+          </p:cNvSpPr>
+          <p:nvPr>
+            <p:ph type="body" idx="1"/>
+          </p:nvPr>
+        </p:nvSpPr>
+        <p:spPr/>
+        <p:txBody>
+          <a:bodyPr/>
+          <a:lstStyle/>
+          <a:p>
+            <a:r>
+              <a:rPr lang="nl-NL" sz="1200" b="0" i="0" u="none" strike="noStrike" kern="1200" dirty="0">
+                <a:solidFill>
+                  <a:schemeClr val="tx1"/>
+                </a:solidFill>
+                <a:effectLst/>
+                <a:latin typeface="+mn-lt"/>
+                <a:ea typeface="+mn-ea"/>
+                <a:cs typeface="+mn-cs"/>
+              </a:rPr>
+              <a:t>The </a:t>
+            </a:r>
+            <a:r>
+              <a:rPr lang="nl-NL" sz="1200" b="0" i="0" u="none" strike="noStrike" kern="1200" dirty="0" err="1">
+                <a:solidFill>
+                  <a:schemeClr val="tx1"/>
+                </a:solidFill>
+                <a:effectLst/>
+                <a:latin typeface="+mn-lt"/>
+                <a:ea typeface="+mn-ea"/>
+                <a:cs typeface="+mn-cs"/>
+              </a:rPr>
+              <a:t>final</a:t>
+            </a:r>
+            <a:r>
+              <a:rPr lang="nl-NL" sz="1200" b="0" i="0" u="none" strike="noStrike" kern="1200" dirty="0">
+                <a:solidFill>
+                  <a:schemeClr val="tx1"/>
+                </a:solidFill>
+                <a:effectLst/>
+                <a:latin typeface="+mn-lt"/>
+                <a:ea typeface="+mn-ea"/>
+                <a:cs typeface="+mn-cs"/>
+              </a:rPr>
+              <a:t> </a:t>
+            </a:r>
+            <a:r>
+              <a:rPr lang="nl-NL" sz="1200" b="0" i="0" u="none" strike="noStrike" kern="1200" dirty="0" err="1">
+                <a:solidFill>
+                  <a:schemeClr val="tx1"/>
+                </a:solidFill>
+                <a:effectLst/>
+                <a:latin typeface="+mn-lt"/>
+                <a:ea typeface="+mn-ea"/>
+                <a:cs typeface="+mn-cs"/>
+              </a:rPr>
+              <a:t>framework</a:t>
+            </a:r>
+            <a:r>
+              <a:rPr lang="nl-NL" sz="1200" b="0" i="0" u="none" strike="noStrike" kern="1200" dirty="0">
+                <a:solidFill>
+                  <a:schemeClr val="tx1"/>
+                </a:solidFill>
+                <a:effectLst/>
+                <a:latin typeface="+mn-lt"/>
+                <a:ea typeface="+mn-ea"/>
+                <a:cs typeface="+mn-cs"/>
+              </a:rPr>
+              <a:t> </a:t>
+            </a:r>
+            <a:r>
+              <a:rPr lang="nl-NL" sz="1200" b="0" i="0" u="none" strike="noStrike" kern="1200" dirty="0" err="1">
+                <a:solidFill>
+                  <a:schemeClr val="tx1"/>
+                </a:solidFill>
+                <a:effectLst/>
+                <a:latin typeface="+mn-lt"/>
+                <a:ea typeface="+mn-ea"/>
+                <a:cs typeface="+mn-cs"/>
+              </a:rPr>
+              <a:t>used</a:t>
+            </a:r>
+            <a:r>
+              <a:rPr lang="nl-NL" sz="1200" b="0" i="0" u="none" strike="noStrike" kern="1200" dirty="0">
+                <a:solidFill>
+                  <a:schemeClr val="tx1"/>
+                </a:solidFill>
+                <a:effectLst/>
+                <a:latin typeface="+mn-lt"/>
+                <a:ea typeface="+mn-ea"/>
+                <a:cs typeface="+mn-cs"/>
+              </a:rPr>
+              <a:t> </a:t>
+            </a:r>
+            <a:r>
+              <a:rPr lang="nl-NL" sz="1200" b="0" i="0" u="none" strike="noStrike" kern="1200" dirty="0" err="1">
+                <a:solidFill>
+                  <a:schemeClr val="tx1"/>
+                </a:solidFill>
+                <a:effectLst/>
+                <a:latin typeface="+mn-lt"/>
+                <a:ea typeface="+mn-ea"/>
+                <a:cs typeface="+mn-cs"/>
+              </a:rPr>
+              <a:t>consists</a:t>
+            </a:r>
+            <a:r>
+              <a:rPr lang="nl-NL" sz="1200" b="0" i="0" u="none" strike="noStrike" kern="1200" dirty="0">
+                <a:solidFill>
+                  <a:schemeClr val="tx1"/>
+                </a:solidFill>
+                <a:effectLst/>
+                <a:latin typeface="+mn-lt"/>
+                <a:ea typeface="+mn-ea"/>
+                <a:cs typeface="+mn-cs"/>
+              </a:rPr>
+              <a:t> of </a:t>
+            </a:r>
+            <a:r>
+              <a:rPr lang="nl-NL" sz="1200" b="0" i="0" u="none" strike="noStrike" kern="1200" dirty="0" err="1">
+                <a:solidFill>
+                  <a:schemeClr val="tx1"/>
+                </a:solidFill>
+                <a:effectLst/>
+                <a:latin typeface="+mn-lt"/>
+                <a:ea typeface="+mn-ea"/>
+                <a:cs typeface="+mn-cs"/>
+              </a:rPr>
+              <a:t>two</a:t>
+            </a:r>
+            <a:r>
+              <a:rPr lang="nl-NL" sz="1200" b="0" i="0" u="none" strike="noStrike" kern="1200" dirty="0">
+                <a:solidFill>
+                  <a:schemeClr val="tx1"/>
+                </a:solidFill>
+                <a:effectLst/>
+                <a:latin typeface="+mn-lt"/>
+                <a:ea typeface="+mn-ea"/>
+                <a:cs typeface="+mn-cs"/>
+              </a:rPr>
+              <a:t> XG-Boost </a:t>
+            </a:r>
+            <a:r>
+              <a:rPr lang="nl-NL" sz="1200" b="0" i="0" u="none" strike="noStrike" kern="1200" dirty="0" err="1">
+                <a:solidFill>
+                  <a:schemeClr val="tx1"/>
+                </a:solidFill>
+                <a:effectLst/>
+                <a:latin typeface="+mn-lt"/>
+                <a:ea typeface="+mn-ea"/>
+                <a:cs typeface="+mn-cs"/>
+              </a:rPr>
+              <a:t>models</a:t>
+            </a:r>
+            <a:r>
+              <a:rPr lang="nl-NL" sz="1200" b="0" i="0" u="none" strike="noStrike" kern="1200" dirty="0">
+                <a:solidFill>
+                  <a:schemeClr val="tx1"/>
+                </a:solidFill>
+                <a:effectLst/>
+                <a:latin typeface="+mn-lt"/>
+                <a:ea typeface="+mn-ea"/>
+                <a:cs typeface="+mn-cs"/>
+              </a:rPr>
+              <a:t>. The first model </a:t>
+            </a:r>
+            <a:r>
+              <a:rPr lang="nl-NL" sz="1200" b="0" i="0" u="none" strike="noStrike" kern="1200" dirty="0" err="1">
+                <a:solidFill>
+                  <a:schemeClr val="tx1"/>
+                </a:solidFill>
+                <a:effectLst/>
+                <a:latin typeface="+mn-lt"/>
+                <a:ea typeface="+mn-ea"/>
+                <a:cs typeface="+mn-cs"/>
+              </a:rPr>
+              <a:t>gets</a:t>
+            </a:r>
+            <a:r>
+              <a:rPr lang="nl-NL" sz="1200" b="0" i="0" u="none" strike="noStrike" kern="1200" dirty="0">
+                <a:solidFill>
+                  <a:schemeClr val="tx1"/>
+                </a:solidFill>
+                <a:effectLst/>
+                <a:latin typeface="+mn-lt"/>
+                <a:ea typeface="+mn-ea"/>
+                <a:cs typeface="+mn-cs"/>
+              </a:rPr>
+              <a:t> </a:t>
+            </a:r>
+            <a:r>
+              <a:rPr lang="nl-NL" sz="1200" b="0" i="0" u="none" strike="noStrike" kern="1200" dirty="0" err="1">
+                <a:solidFill>
+                  <a:schemeClr val="tx1"/>
+                </a:solidFill>
+                <a:effectLst/>
+                <a:latin typeface="+mn-lt"/>
+                <a:ea typeface="+mn-ea"/>
+                <a:cs typeface="+mn-cs"/>
+              </a:rPr>
+              <a:t>trained</a:t>
+            </a:r>
+            <a:r>
+              <a:rPr lang="nl-NL" sz="1200" b="0" i="0" u="none" strike="noStrike" kern="1200" dirty="0">
+                <a:solidFill>
+                  <a:schemeClr val="tx1"/>
+                </a:solidFill>
+                <a:effectLst/>
+                <a:latin typeface="+mn-lt"/>
+                <a:ea typeface="+mn-ea"/>
+                <a:cs typeface="+mn-cs"/>
+              </a:rPr>
+              <a:t> </a:t>
+            </a:r>
+            <a:r>
+              <a:rPr lang="nl-NL" sz="1200" b="0" i="0" u="none" strike="noStrike" kern="1200" dirty="0" err="1">
+                <a:solidFill>
+                  <a:schemeClr val="tx1"/>
+                </a:solidFill>
+                <a:effectLst/>
+                <a:latin typeface="+mn-lt"/>
+                <a:ea typeface="+mn-ea"/>
+                <a:cs typeface="+mn-cs"/>
+              </a:rPr>
+              <a:t>to</a:t>
+            </a:r>
+            <a:r>
+              <a:rPr lang="nl-NL" sz="1200" b="0" i="0" u="none" strike="noStrike" kern="1200" dirty="0">
+                <a:solidFill>
+                  <a:schemeClr val="tx1"/>
+                </a:solidFill>
+                <a:effectLst/>
+                <a:latin typeface="+mn-lt"/>
+                <a:ea typeface="+mn-ea"/>
+                <a:cs typeface="+mn-cs"/>
+              </a:rPr>
+              <a:t> </a:t>
+            </a:r>
+            <a:r>
+              <a:rPr lang="nl-NL" sz="1200" b="0" i="0" u="none" strike="noStrike" kern="1200" dirty="0" err="1">
+                <a:solidFill>
+                  <a:schemeClr val="tx1"/>
+                </a:solidFill>
+                <a:effectLst/>
+                <a:latin typeface="+mn-lt"/>
+                <a:ea typeface="+mn-ea"/>
+                <a:cs typeface="+mn-cs"/>
+              </a:rPr>
+              <a:t>predict</a:t>
+            </a:r>
+            <a:r>
+              <a:rPr lang="nl-NL" sz="1200" b="0" i="0" u="none" strike="noStrike" kern="1200" dirty="0">
+                <a:solidFill>
+                  <a:schemeClr val="tx1"/>
+                </a:solidFill>
+                <a:effectLst/>
+                <a:latin typeface="+mn-lt"/>
+                <a:ea typeface="+mn-ea"/>
+                <a:cs typeface="+mn-cs"/>
+              </a:rPr>
+              <a:t> </a:t>
+            </a:r>
+            <a:r>
+              <a:rPr lang="nl-NL" sz="1200" b="0" i="0" u="none" strike="noStrike" kern="1200" dirty="0" err="1">
+                <a:solidFill>
+                  <a:schemeClr val="tx1"/>
+                </a:solidFill>
+                <a:effectLst/>
+                <a:latin typeface="+mn-lt"/>
+                <a:ea typeface="+mn-ea"/>
+                <a:cs typeface="+mn-cs"/>
+              </a:rPr>
+              <a:t>the</a:t>
+            </a:r>
+            <a:r>
+              <a:rPr lang="nl-NL" sz="1200" b="0" i="0" u="none" strike="noStrike" kern="1200" dirty="0">
+                <a:solidFill>
+                  <a:schemeClr val="tx1"/>
+                </a:solidFill>
+                <a:effectLst/>
+                <a:latin typeface="+mn-lt"/>
+                <a:ea typeface="+mn-ea"/>
+                <a:cs typeface="+mn-cs"/>
+              </a:rPr>
+              <a:t> </a:t>
+            </a:r>
+            <a:r>
+              <a:rPr lang="nl-NL" sz="1200" b="0" i="0" u="none" strike="noStrike" kern="1200" dirty="0" err="1">
+                <a:solidFill>
+                  <a:schemeClr val="tx1"/>
+                </a:solidFill>
+                <a:effectLst/>
+                <a:latin typeface="+mn-lt"/>
+                <a:ea typeface="+mn-ea"/>
+                <a:cs typeface="+mn-cs"/>
+              </a:rPr>
+              <a:t>value</a:t>
+            </a:r>
+            <a:r>
+              <a:rPr lang="nl-NL" sz="1200" b="0" i="0" u="none" strike="noStrike" kern="1200" dirty="0">
+                <a:solidFill>
+                  <a:schemeClr val="tx1"/>
+                </a:solidFill>
+                <a:effectLst/>
+                <a:latin typeface="+mn-lt"/>
+                <a:ea typeface="+mn-ea"/>
+                <a:cs typeface="+mn-cs"/>
+              </a:rPr>
+              <a:t> of </a:t>
+            </a:r>
+            <a:r>
+              <a:rPr lang="nl-NL" sz="1200" b="0" i="0" u="none" strike="noStrike" kern="1200" dirty="0" err="1">
+                <a:solidFill>
+                  <a:schemeClr val="tx1"/>
+                </a:solidFill>
+                <a:effectLst/>
+                <a:latin typeface="+mn-lt"/>
+                <a:ea typeface="+mn-ea"/>
+                <a:cs typeface="+mn-cs"/>
+              </a:rPr>
+              <a:t>clicking</a:t>
+            </a:r>
+            <a:r>
+              <a:rPr lang="nl-NL" sz="1200" b="0" i="0" u="none" strike="noStrike" kern="1200" dirty="0">
+                <a:solidFill>
+                  <a:schemeClr val="tx1"/>
+                </a:solidFill>
+                <a:effectLst/>
+                <a:latin typeface="+mn-lt"/>
+                <a:ea typeface="+mn-ea"/>
+                <a:cs typeface="+mn-cs"/>
+              </a:rPr>
+              <a:t> </a:t>
+            </a:r>
+            <a:r>
+              <a:rPr lang="nl-NL" sz="1200" b="0" i="0" u="none" strike="noStrike" kern="1200" dirty="0" err="1">
+                <a:solidFill>
+                  <a:schemeClr val="tx1"/>
+                </a:solidFill>
+                <a:effectLst/>
+                <a:latin typeface="+mn-lt"/>
+                <a:ea typeface="+mn-ea"/>
+                <a:cs typeface="+mn-cs"/>
+              </a:rPr>
+              <a:t>bool</a:t>
+            </a:r>
+            <a:r>
+              <a:rPr lang="nl-NL" sz="1200" b="0" i="0" u="none" strike="noStrike" kern="1200" dirty="0">
+                <a:solidFill>
+                  <a:schemeClr val="tx1"/>
+                </a:solidFill>
+                <a:effectLst/>
+                <a:latin typeface="+mn-lt"/>
+                <a:ea typeface="+mn-ea"/>
+                <a:cs typeface="+mn-cs"/>
+              </a:rPr>
+              <a:t> </a:t>
+            </a:r>
+            <a:r>
+              <a:rPr lang="nl-NL" sz="1200" b="0" i="0" u="none" strike="noStrike" kern="1200" dirty="0" err="1">
+                <a:solidFill>
+                  <a:schemeClr val="tx1"/>
+                </a:solidFill>
+                <a:effectLst/>
+                <a:latin typeface="+mn-lt"/>
+                <a:ea typeface="+mn-ea"/>
+                <a:cs typeface="+mn-cs"/>
+              </a:rPr>
+              <a:t>and</a:t>
+            </a:r>
+            <a:r>
+              <a:rPr lang="nl-NL" sz="1200" b="0" i="0" u="none" strike="noStrike" kern="1200" dirty="0">
+                <a:solidFill>
+                  <a:schemeClr val="tx1"/>
+                </a:solidFill>
+                <a:effectLst/>
+                <a:latin typeface="+mn-lt"/>
+                <a:ea typeface="+mn-ea"/>
+                <a:cs typeface="+mn-cs"/>
+              </a:rPr>
+              <a:t> </a:t>
+            </a:r>
+            <a:r>
+              <a:rPr lang="nl-NL" sz="1200" b="0" i="0" u="none" strike="noStrike" kern="1200" dirty="0" err="1">
+                <a:solidFill>
+                  <a:schemeClr val="tx1"/>
+                </a:solidFill>
+                <a:effectLst/>
+                <a:latin typeface="+mn-lt"/>
+                <a:ea typeface="+mn-ea"/>
+                <a:cs typeface="+mn-cs"/>
+              </a:rPr>
+              <a:t>the</a:t>
+            </a:r>
+            <a:r>
+              <a:rPr lang="nl-NL" sz="1200" b="0" i="0" u="none" strike="noStrike" kern="1200" dirty="0">
+                <a:solidFill>
+                  <a:schemeClr val="tx1"/>
+                </a:solidFill>
+                <a:effectLst/>
+                <a:latin typeface="+mn-lt"/>
+                <a:ea typeface="+mn-ea"/>
+                <a:cs typeface="+mn-cs"/>
+              </a:rPr>
+              <a:t> second model </a:t>
+            </a:r>
+            <a:r>
+              <a:rPr lang="nl-NL" sz="1200" b="0" i="0" u="none" strike="noStrike" kern="1200" dirty="0" err="1">
+                <a:solidFill>
+                  <a:schemeClr val="tx1"/>
+                </a:solidFill>
+                <a:effectLst/>
+                <a:latin typeface="+mn-lt"/>
+                <a:ea typeface="+mn-ea"/>
+                <a:cs typeface="+mn-cs"/>
+              </a:rPr>
+              <a:t>gets</a:t>
+            </a:r>
+            <a:r>
+              <a:rPr lang="nl-NL" sz="1200" b="0" i="0" u="none" strike="noStrike" kern="1200" dirty="0">
+                <a:solidFill>
+                  <a:schemeClr val="tx1"/>
+                </a:solidFill>
+                <a:effectLst/>
+                <a:latin typeface="+mn-lt"/>
+                <a:ea typeface="+mn-ea"/>
+                <a:cs typeface="+mn-cs"/>
+              </a:rPr>
+              <a:t> </a:t>
+            </a:r>
+            <a:r>
+              <a:rPr lang="nl-NL" sz="1200" b="0" i="0" u="none" strike="noStrike" kern="1200" dirty="0" err="1">
+                <a:solidFill>
+                  <a:schemeClr val="tx1"/>
+                </a:solidFill>
+                <a:effectLst/>
+                <a:latin typeface="+mn-lt"/>
+                <a:ea typeface="+mn-ea"/>
+                <a:cs typeface="+mn-cs"/>
+              </a:rPr>
+              <a:t>trained</a:t>
+            </a:r>
+            <a:r>
+              <a:rPr lang="nl-NL" sz="1200" b="0" i="0" u="none" strike="noStrike" kern="1200" dirty="0">
+                <a:solidFill>
+                  <a:schemeClr val="tx1"/>
+                </a:solidFill>
+                <a:effectLst/>
+                <a:latin typeface="+mn-lt"/>
+                <a:ea typeface="+mn-ea"/>
+                <a:cs typeface="+mn-cs"/>
+              </a:rPr>
+              <a:t> </a:t>
+            </a:r>
+            <a:r>
+              <a:rPr lang="nl-NL" sz="1200" b="0" i="0" u="none" strike="noStrike" kern="1200" dirty="0" err="1">
+                <a:solidFill>
+                  <a:schemeClr val="tx1"/>
+                </a:solidFill>
+                <a:effectLst/>
+                <a:latin typeface="+mn-lt"/>
+                <a:ea typeface="+mn-ea"/>
+                <a:cs typeface="+mn-cs"/>
+              </a:rPr>
+              <a:t>to</a:t>
+            </a:r>
+            <a:r>
+              <a:rPr lang="nl-NL" sz="1200" b="0" i="0" u="none" strike="noStrike" kern="1200" dirty="0">
+                <a:solidFill>
+                  <a:schemeClr val="tx1"/>
+                </a:solidFill>
+                <a:effectLst/>
+                <a:latin typeface="+mn-lt"/>
+                <a:ea typeface="+mn-ea"/>
+                <a:cs typeface="+mn-cs"/>
+              </a:rPr>
+              <a:t> </a:t>
+            </a:r>
+            <a:r>
+              <a:rPr lang="nl-NL" sz="1200" b="0" i="0" u="none" strike="noStrike" kern="1200" dirty="0" err="1">
+                <a:solidFill>
+                  <a:schemeClr val="tx1"/>
+                </a:solidFill>
+                <a:effectLst/>
+                <a:latin typeface="+mn-lt"/>
+                <a:ea typeface="+mn-ea"/>
+                <a:cs typeface="+mn-cs"/>
+              </a:rPr>
+              <a:t>predict</a:t>
+            </a:r>
+            <a:r>
+              <a:rPr lang="nl-NL" sz="1200" b="0" i="0" u="none" strike="noStrike" kern="1200" dirty="0">
+                <a:solidFill>
+                  <a:schemeClr val="tx1"/>
+                </a:solidFill>
+                <a:effectLst/>
+                <a:latin typeface="+mn-lt"/>
+                <a:ea typeface="+mn-ea"/>
+                <a:cs typeface="+mn-cs"/>
+              </a:rPr>
+              <a:t> </a:t>
+            </a:r>
+            <a:r>
+              <a:rPr lang="nl-NL" sz="1200" b="0" i="0" u="none" strike="noStrike" kern="1200" dirty="0" err="1">
+                <a:solidFill>
+                  <a:schemeClr val="tx1"/>
+                </a:solidFill>
+                <a:effectLst/>
+                <a:latin typeface="+mn-lt"/>
+                <a:ea typeface="+mn-ea"/>
+                <a:cs typeface="+mn-cs"/>
+              </a:rPr>
+              <a:t>the</a:t>
+            </a:r>
+            <a:r>
+              <a:rPr lang="nl-NL" sz="1200" b="0" i="0" u="none" strike="noStrike" kern="1200" dirty="0">
+                <a:solidFill>
+                  <a:schemeClr val="tx1"/>
+                </a:solidFill>
+                <a:effectLst/>
+                <a:latin typeface="+mn-lt"/>
+                <a:ea typeface="+mn-ea"/>
+                <a:cs typeface="+mn-cs"/>
+              </a:rPr>
+              <a:t> </a:t>
+            </a:r>
+            <a:r>
+              <a:rPr lang="nl-NL" sz="1200" b="0" i="0" u="none" strike="noStrike" kern="1200" dirty="0" err="1">
+                <a:solidFill>
+                  <a:schemeClr val="tx1"/>
+                </a:solidFill>
+                <a:effectLst/>
+                <a:latin typeface="+mn-lt"/>
+                <a:ea typeface="+mn-ea"/>
+                <a:cs typeface="+mn-cs"/>
+              </a:rPr>
+              <a:t>value</a:t>
+            </a:r>
+            <a:r>
+              <a:rPr lang="nl-NL" sz="1200" b="0" i="0" u="none" strike="noStrike" kern="1200" dirty="0">
+                <a:solidFill>
+                  <a:schemeClr val="tx1"/>
+                </a:solidFill>
+                <a:effectLst/>
+                <a:latin typeface="+mn-lt"/>
+                <a:ea typeface="+mn-ea"/>
+                <a:cs typeface="+mn-cs"/>
+              </a:rPr>
+              <a:t> of </a:t>
+            </a:r>
+            <a:r>
+              <a:rPr lang="nl-NL" sz="1200" b="0" i="0" u="none" strike="noStrike" kern="1200" dirty="0" err="1">
+                <a:solidFill>
+                  <a:schemeClr val="tx1"/>
+                </a:solidFill>
+                <a:effectLst/>
+                <a:latin typeface="+mn-lt"/>
+                <a:ea typeface="+mn-ea"/>
+                <a:cs typeface="+mn-cs"/>
+              </a:rPr>
+              <a:t>booking</a:t>
+            </a:r>
+            <a:r>
+              <a:rPr lang="nl-NL" sz="1200" b="0" i="0" u="none" strike="noStrike" kern="1200" dirty="0">
+                <a:solidFill>
+                  <a:schemeClr val="tx1"/>
+                </a:solidFill>
+                <a:effectLst/>
+                <a:latin typeface="+mn-lt"/>
+                <a:ea typeface="+mn-ea"/>
+                <a:cs typeface="+mn-cs"/>
+              </a:rPr>
+              <a:t> </a:t>
+            </a:r>
+            <a:r>
+              <a:rPr lang="nl-NL" sz="1200" b="0" i="0" u="none" strike="noStrike" kern="1200" dirty="0" err="1">
+                <a:solidFill>
+                  <a:schemeClr val="tx1"/>
+                </a:solidFill>
+                <a:effectLst/>
+                <a:latin typeface="+mn-lt"/>
+                <a:ea typeface="+mn-ea"/>
+                <a:cs typeface="+mn-cs"/>
+              </a:rPr>
+              <a:t>bool</a:t>
+            </a:r>
+            <a:r>
+              <a:rPr lang="nl-NL" sz="1200" b="0" i="0" u="none" strike="noStrike" kern="1200" dirty="0">
+                <a:solidFill>
+                  <a:schemeClr val="tx1"/>
+                </a:solidFill>
+                <a:effectLst/>
+                <a:latin typeface="+mn-lt"/>
+                <a:ea typeface="+mn-ea"/>
+                <a:cs typeface="+mn-cs"/>
+              </a:rPr>
+              <a:t>. Both </a:t>
+            </a:r>
+            <a:r>
+              <a:rPr lang="nl-NL" sz="1200" b="0" i="0" u="none" strike="noStrike" kern="1200" dirty="0" err="1">
+                <a:solidFill>
+                  <a:schemeClr val="tx1"/>
+                </a:solidFill>
+                <a:effectLst/>
+                <a:latin typeface="+mn-lt"/>
+                <a:ea typeface="+mn-ea"/>
+                <a:cs typeface="+mn-cs"/>
+              </a:rPr>
+              <a:t>models</a:t>
+            </a:r>
+            <a:r>
+              <a:rPr lang="nl-NL" sz="1200" b="0" i="0" u="none" strike="noStrike" kern="1200" dirty="0">
+                <a:solidFill>
+                  <a:schemeClr val="tx1"/>
+                </a:solidFill>
+                <a:effectLst/>
+                <a:latin typeface="+mn-lt"/>
+                <a:ea typeface="+mn-ea"/>
+                <a:cs typeface="+mn-cs"/>
+              </a:rPr>
+              <a:t> are </a:t>
+            </a:r>
+            <a:r>
+              <a:rPr lang="nl-NL" sz="1200" b="0" i="0" u="none" strike="noStrike" kern="1200" dirty="0" err="1">
+                <a:solidFill>
+                  <a:schemeClr val="tx1"/>
+                </a:solidFill>
+                <a:effectLst/>
+                <a:latin typeface="+mn-lt"/>
+                <a:ea typeface="+mn-ea"/>
+                <a:cs typeface="+mn-cs"/>
+              </a:rPr>
+              <a:t>trained</a:t>
+            </a:r>
+            <a:r>
+              <a:rPr lang="nl-NL" sz="1200" b="0" i="0" u="none" strike="noStrike" kern="1200" dirty="0">
+                <a:solidFill>
+                  <a:schemeClr val="tx1"/>
+                </a:solidFill>
+                <a:effectLst/>
+                <a:latin typeface="+mn-lt"/>
+                <a:ea typeface="+mn-ea"/>
+                <a:cs typeface="+mn-cs"/>
+              </a:rPr>
+              <a:t> on </a:t>
+            </a:r>
+            <a:r>
+              <a:rPr lang="nl-NL" sz="1200" b="0" i="0" u="none" strike="noStrike" kern="1200" dirty="0" err="1">
+                <a:solidFill>
+                  <a:schemeClr val="tx1"/>
+                </a:solidFill>
+                <a:effectLst/>
+                <a:latin typeface="+mn-lt"/>
+                <a:ea typeface="+mn-ea"/>
+                <a:cs typeface="+mn-cs"/>
+              </a:rPr>
+              <a:t>the</a:t>
+            </a:r>
+            <a:r>
+              <a:rPr lang="nl-NL" sz="1200" b="0" i="0" u="none" strike="noStrike" kern="1200" dirty="0">
+                <a:solidFill>
+                  <a:schemeClr val="tx1"/>
+                </a:solidFill>
+                <a:effectLst/>
+                <a:latin typeface="+mn-lt"/>
+                <a:ea typeface="+mn-ea"/>
+                <a:cs typeface="+mn-cs"/>
+              </a:rPr>
+              <a:t> </a:t>
+            </a:r>
+            <a:r>
+              <a:rPr lang="nl-NL" sz="1200" b="0" i="0" u="none" strike="noStrike" kern="1200" dirty="0" err="1">
+                <a:solidFill>
+                  <a:schemeClr val="tx1"/>
+                </a:solidFill>
+                <a:effectLst/>
+                <a:latin typeface="+mn-lt"/>
+                <a:ea typeface="+mn-ea"/>
+                <a:cs typeface="+mn-cs"/>
+              </a:rPr>
+              <a:t>same</a:t>
+            </a:r>
+            <a:r>
+              <a:rPr lang="nl-NL" sz="1200" b="0" i="0" u="none" strike="noStrike" kern="1200" dirty="0">
+                <a:solidFill>
+                  <a:schemeClr val="tx1"/>
+                </a:solidFill>
+                <a:effectLst/>
+                <a:latin typeface="+mn-lt"/>
+                <a:ea typeface="+mn-ea"/>
+                <a:cs typeface="+mn-cs"/>
+              </a:rPr>
+              <a:t> dataset. The </a:t>
+            </a:r>
+            <a:r>
+              <a:rPr lang="nl-NL" sz="1200" b="0" i="0" u="none" strike="noStrike" kern="1200" dirty="0" err="1">
+                <a:solidFill>
+                  <a:schemeClr val="tx1"/>
+                </a:solidFill>
+                <a:effectLst/>
+                <a:latin typeface="+mn-lt"/>
+                <a:ea typeface="+mn-ea"/>
+                <a:cs typeface="+mn-cs"/>
+              </a:rPr>
+              <a:t>predicted</a:t>
+            </a:r>
+            <a:r>
+              <a:rPr lang="nl-NL" sz="1200" b="0" i="0" u="none" strike="noStrike" kern="1200" dirty="0">
+                <a:solidFill>
+                  <a:schemeClr val="tx1"/>
+                </a:solidFill>
+                <a:effectLst/>
+                <a:latin typeface="+mn-lt"/>
+                <a:ea typeface="+mn-ea"/>
+                <a:cs typeface="+mn-cs"/>
+              </a:rPr>
+              <a:t> </a:t>
+            </a:r>
+            <a:r>
+              <a:rPr lang="nl-NL" sz="1200" b="0" i="0" u="none" strike="noStrike" kern="1200" dirty="0" err="1">
+                <a:solidFill>
+                  <a:schemeClr val="tx1"/>
+                </a:solidFill>
+                <a:effectLst/>
+                <a:latin typeface="+mn-lt"/>
+                <a:ea typeface="+mn-ea"/>
+                <a:cs typeface="+mn-cs"/>
+              </a:rPr>
+              <a:t>values</a:t>
+            </a:r>
+            <a:r>
+              <a:rPr lang="nl-NL" sz="1200" b="0" i="0" u="none" strike="noStrike" kern="1200" dirty="0">
+                <a:solidFill>
+                  <a:schemeClr val="tx1"/>
+                </a:solidFill>
+                <a:effectLst/>
+                <a:latin typeface="+mn-lt"/>
+                <a:ea typeface="+mn-ea"/>
+                <a:cs typeface="+mn-cs"/>
+              </a:rPr>
+              <a:t> of </a:t>
+            </a:r>
+            <a:r>
+              <a:rPr lang="nl-NL" sz="1200" b="0" i="0" u="none" strike="noStrike" kern="1200" dirty="0" err="1">
+                <a:solidFill>
+                  <a:schemeClr val="tx1"/>
+                </a:solidFill>
+                <a:effectLst/>
+                <a:latin typeface="+mn-lt"/>
+                <a:ea typeface="+mn-ea"/>
+                <a:cs typeface="+mn-cs"/>
+              </a:rPr>
+              <a:t>clicking</a:t>
+            </a:r>
+            <a:r>
+              <a:rPr lang="nl-NL" sz="1200" b="0" i="0" u="none" strike="noStrike" kern="1200" dirty="0">
+                <a:solidFill>
+                  <a:schemeClr val="tx1"/>
+                </a:solidFill>
+                <a:effectLst/>
+                <a:latin typeface="+mn-lt"/>
+                <a:ea typeface="+mn-ea"/>
+                <a:cs typeface="+mn-cs"/>
+              </a:rPr>
+              <a:t> </a:t>
+            </a:r>
+            <a:r>
+              <a:rPr lang="nl-NL" sz="1200" b="0" i="0" u="none" strike="noStrike" kern="1200" dirty="0" err="1">
+                <a:solidFill>
+                  <a:schemeClr val="tx1"/>
+                </a:solidFill>
+                <a:effectLst/>
+                <a:latin typeface="+mn-lt"/>
+                <a:ea typeface="+mn-ea"/>
+                <a:cs typeface="+mn-cs"/>
+              </a:rPr>
+              <a:t>bool</a:t>
+            </a:r>
+            <a:r>
+              <a:rPr lang="nl-NL" sz="1200" b="0" i="0" u="none" strike="noStrike" kern="1200" dirty="0">
+                <a:solidFill>
+                  <a:schemeClr val="tx1"/>
+                </a:solidFill>
+                <a:effectLst/>
+                <a:latin typeface="+mn-lt"/>
+                <a:ea typeface="+mn-ea"/>
+                <a:cs typeface="+mn-cs"/>
+              </a:rPr>
+              <a:t> </a:t>
+            </a:r>
+            <a:r>
+              <a:rPr lang="nl-NL" sz="1200" b="0" i="0" u="none" strike="noStrike" kern="1200" dirty="0" err="1">
+                <a:solidFill>
+                  <a:schemeClr val="tx1"/>
+                </a:solidFill>
+                <a:effectLst/>
+                <a:latin typeface="+mn-lt"/>
+                <a:ea typeface="+mn-ea"/>
+                <a:cs typeface="+mn-cs"/>
+              </a:rPr>
+              <a:t>and</a:t>
+            </a:r>
+            <a:r>
+              <a:rPr lang="nl-NL" sz="1200" b="0" i="0" u="none" strike="noStrike" kern="1200" dirty="0">
+                <a:solidFill>
+                  <a:schemeClr val="tx1"/>
+                </a:solidFill>
+                <a:effectLst/>
+                <a:latin typeface="+mn-lt"/>
+                <a:ea typeface="+mn-ea"/>
+                <a:cs typeface="+mn-cs"/>
+              </a:rPr>
+              <a:t> </a:t>
+            </a:r>
+            <a:r>
+              <a:rPr lang="nl-NL" sz="1200" b="0" i="0" u="none" strike="noStrike" kern="1200" dirty="0" err="1">
+                <a:solidFill>
+                  <a:schemeClr val="tx1"/>
+                </a:solidFill>
+                <a:effectLst/>
+                <a:latin typeface="+mn-lt"/>
+                <a:ea typeface="+mn-ea"/>
+                <a:cs typeface="+mn-cs"/>
+              </a:rPr>
+              <a:t>booking</a:t>
+            </a:r>
+            <a:r>
+              <a:rPr lang="nl-NL" sz="1200" b="0" i="0" u="none" strike="noStrike" kern="1200" dirty="0">
+                <a:solidFill>
+                  <a:schemeClr val="tx1"/>
+                </a:solidFill>
+                <a:effectLst/>
+                <a:latin typeface="+mn-lt"/>
+                <a:ea typeface="+mn-ea"/>
+                <a:cs typeface="+mn-cs"/>
+              </a:rPr>
+              <a:t> </a:t>
+            </a:r>
+            <a:r>
+              <a:rPr lang="nl-NL" sz="1200" b="0" i="0" u="none" strike="noStrike" kern="1200" dirty="0" err="1">
+                <a:solidFill>
+                  <a:schemeClr val="tx1"/>
+                </a:solidFill>
+                <a:effectLst/>
+                <a:latin typeface="+mn-lt"/>
+                <a:ea typeface="+mn-ea"/>
+                <a:cs typeface="+mn-cs"/>
+              </a:rPr>
+              <a:t>bool</a:t>
+            </a:r>
+            <a:r>
+              <a:rPr lang="nl-NL" sz="1200" b="0" i="0" u="none" strike="noStrike" kern="1200" dirty="0">
+                <a:solidFill>
+                  <a:schemeClr val="tx1"/>
+                </a:solidFill>
+                <a:effectLst/>
+                <a:latin typeface="+mn-lt"/>
+                <a:ea typeface="+mn-ea"/>
+                <a:cs typeface="+mn-cs"/>
+              </a:rPr>
+              <a:t> are </a:t>
+            </a:r>
+            <a:r>
+              <a:rPr lang="nl-NL" sz="1200" b="0" i="0" u="none" strike="noStrike" kern="1200" dirty="0" err="1">
+                <a:solidFill>
+                  <a:schemeClr val="tx1"/>
+                </a:solidFill>
+                <a:effectLst/>
+                <a:latin typeface="+mn-lt"/>
+                <a:ea typeface="+mn-ea"/>
+                <a:cs typeface="+mn-cs"/>
+              </a:rPr>
+              <a:t>summed</a:t>
+            </a:r>
+            <a:r>
+              <a:rPr lang="nl-NL" sz="1200" b="0" i="0" u="none" strike="noStrike" kern="1200" dirty="0">
+                <a:solidFill>
+                  <a:schemeClr val="tx1"/>
+                </a:solidFill>
+                <a:effectLst/>
+                <a:latin typeface="+mn-lt"/>
+                <a:ea typeface="+mn-ea"/>
+                <a:cs typeface="+mn-cs"/>
+              </a:rPr>
+              <a:t>. The </a:t>
+            </a:r>
+            <a:r>
+              <a:rPr lang="nl-NL" sz="1200" b="0" i="0" u="none" strike="noStrike" kern="1200" dirty="0" err="1">
+                <a:solidFill>
+                  <a:schemeClr val="tx1"/>
+                </a:solidFill>
+                <a:effectLst/>
+                <a:latin typeface="+mn-lt"/>
+                <a:ea typeface="+mn-ea"/>
+                <a:cs typeface="+mn-cs"/>
+              </a:rPr>
+              <a:t>properties</a:t>
+            </a:r>
+            <a:r>
+              <a:rPr lang="nl-NL" sz="1200" b="0" i="0" u="none" strike="noStrike" kern="1200" dirty="0">
+                <a:solidFill>
+                  <a:schemeClr val="tx1"/>
+                </a:solidFill>
+                <a:effectLst/>
+                <a:latin typeface="+mn-lt"/>
+                <a:ea typeface="+mn-ea"/>
+                <a:cs typeface="+mn-cs"/>
+              </a:rPr>
+              <a:t> are </a:t>
+            </a:r>
+            <a:r>
+              <a:rPr lang="nl-NL" sz="1200" b="0" i="0" u="none" strike="noStrike" kern="1200" dirty="0" err="1">
+                <a:solidFill>
+                  <a:schemeClr val="tx1"/>
+                </a:solidFill>
+                <a:effectLst/>
+                <a:latin typeface="+mn-lt"/>
+                <a:ea typeface="+mn-ea"/>
+                <a:cs typeface="+mn-cs"/>
+              </a:rPr>
+              <a:t>then</a:t>
+            </a:r>
+            <a:r>
+              <a:rPr lang="nl-NL" sz="1200" b="0" i="0" u="none" strike="noStrike" kern="1200" dirty="0">
+                <a:solidFill>
+                  <a:schemeClr val="tx1"/>
+                </a:solidFill>
+                <a:effectLst/>
+                <a:latin typeface="+mn-lt"/>
+                <a:ea typeface="+mn-ea"/>
+                <a:cs typeface="+mn-cs"/>
+              </a:rPr>
+              <a:t> </a:t>
+            </a:r>
+            <a:r>
+              <a:rPr lang="nl-NL" sz="1200" b="0" i="0" u="none" strike="noStrike" kern="1200" dirty="0" err="1">
+                <a:solidFill>
+                  <a:schemeClr val="tx1"/>
+                </a:solidFill>
+                <a:effectLst/>
+                <a:latin typeface="+mn-lt"/>
+                <a:ea typeface="+mn-ea"/>
+                <a:cs typeface="+mn-cs"/>
+              </a:rPr>
+              <a:t>sorted</a:t>
+            </a:r>
+            <a:r>
+              <a:rPr lang="nl-NL" sz="1200" b="0" i="0" u="none" strike="noStrike" kern="1200" dirty="0">
+                <a:solidFill>
+                  <a:schemeClr val="tx1"/>
+                </a:solidFill>
+                <a:effectLst/>
+                <a:latin typeface="+mn-lt"/>
+                <a:ea typeface="+mn-ea"/>
+                <a:cs typeface="+mn-cs"/>
+              </a:rPr>
+              <a:t> </a:t>
+            </a:r>
+            <a:r>
+              <a:rPr lang="nl-NL" sz="1200" b="0" i="0" u="none" strike="noStrike" kern="1200" dirty="0" err="1">
+                <a:solidFill>
+                  <a:schemeClr val="tx1"/>
+                </a:solidFill>
+                <a:effectLst/>
+                <a:latin typeface="+mn-lt"/>
+                <a:ea typeface="+mn-ea"/>
+                <a:cs typeface="+mn-cs"/>
+              </a:rPr>
+              <a:t>by</a:t>
+            </a:r>
+            <a:r>
+              <a:rPr lang="nl-NL" sz="1200" b="0" i="0" u="none" strike="noStrike" kern="1200" dirty="0">
+                <a:solidFill>
+                  <a:schemeClr val="tx1"/>
+                </a:solidFill>
+                <a:effectLst/>
+                <a:latin typeface="+mn-lt"/>
+                <a:ea typeface="+mn-ea"/>
+                <a:cs typeface="+mn-cs"/>
+              </a:rPr>
+              <a:t> </a:t>
+            </a:r>
+            <a:r>
+              <a:rPr lang="nl-NL" sz="1200" b="0" i="0" u="none" strike="noStrike" kern="1200" dirty="0" err="1">
+                <a:solidFill>
+                  <a:schemeClr val="tx1"/>
+                </a:solidFill>
+                <a:effectLst/>
+                <a:latin typeface="+mn-lt"/>
+                <a:ea typeface="+mn-ea"/>
+                <a:cs typeface="+mn-cs"/>
+              </a:rPr>
+              <a:t>that</a:t>
+            </a:r>
+            <a:r>
+              <a:rPr lang="nl-NL" sz="1200" b="0" i="0" u="none" strike="noStrike" kern="1200" dirty="0">
+                <a:solidFill>
+                  <a:schemeClr val="tx1"/>
+                </a:solidFill>
+                <a:effectLst/>
+                <a:latin typeface="+mn-lt"/>
+                <a:ea typeface="+mn-ea"/>
+                <a:cs typeface="+mn-cs"/>
+              </a:rPr>
+              <a:t> </a:t>
+            </a:r>
+            <a:r>
+              <a:rPr lang="nl-NL" sz="1200" b="0" i="0" u="none" strike="noStrike" kern="1200" dirty="0" err="1">
+                <a:solidFill>
+                  <a:schemeClr val="tx1"/>
+                </a:solidFill>
+                <a:effectLst/>
+                <a:latin typeface="+mn-lt"/>
+                <a:ea typeface="+mn-ea"/>
+                <a:cs typeface="+mn-cs"/>
+              </a:rPr>
+              <a:t>sum</a:t>
+            </a:r>
+            <a:r>
+              <a:rPr lang="nl-NL" sz="1200" b="0" i="0" u="none" strike="noStrike" kern="1200" dirty="0">
+                <a:solidFill>
+                  <a:schemeClr val="tx1"/>
+                </a:solidFill>
+                <a:effectLst/>
+                <a:latin typeface="+mn-lt"/>
+                <a:ea typeface="+mn-ea"/>
+                <a:cs typeface="+mn-cs"/>
+              </a:rPr>
+              <a:t> in </a:t>
+            </a:r>
+            <a:r>
+              <a:rPr lang="nl-NL" sz="1200" b="0" i="0" u="none" strike="noStrike" kern="1200" dirty="0" err="1">
+                <a:solidFill>
+                  <a:schemeClr val="tx1"/>
+                </a:solidFill>
+                <a:effectLst/>
+                <a:latin typeface="+mn-lt"/>
+                <a:ea typeface="+mn-ea"/>
+                <a:cs typeface="+mn-cs"/>
+              </a:rPr>
+              <a:t>descending</a:t>
+            </a:r>
+            <a:r>
+              <a:rPr lang="nl-NL" sz="1200" b="0" i="0" u="none" strike="noStrike" kern="1200" dirty="0">
+                <a:solidFill>
+                  <a:schemeClr val="tx1"/>
+                </a:solidFill>
+                <a:effectLst/>
+                <a:latin typeface="+mn-lt"/>
+                <a:ea typeface="+mn-ea"/>
+                <a:cs typeface="+mn-cs"/>
+              </a:rPr>
+              <a:t> order.</a:t>
+            </a:r>
+          </a:p>
+          <a:p>
+            <a:endParaRPr lang="nl-NL" dirty="0"/>
+          </a:p>
+        </p:txBody>
+      </p:sp>
+      <p:sp>
+        <p:nvSpPr>
+          <p:cNvPr id="4" name="Tijdelijke aanduiding voor dianummer 3"/>
+          <p:cNvSpPr>
+            <a:spLocks noGrp="1"/>
+          </p:cNvSpPr>
+          <p:nvPr>
+            <p:ph type="sldNum" sz="quarter" idx="5"/>
+          </p:nvPr>
+        </p:nvSpPr>
+        <p:spPr/>
+        <p:txBody>
+          <a:bodyPr/>
+          <a:lstStyle/>
+          <a:p>
+            <a:fld id="{DD348C66-A7F6-CE43-A0A0-C637C1BB7152}" type="slidenum">
+              <a:rPr lang="nl-NL" smtClean="0"/>
+              <a:t>8</a:t>
+            </a:fld>
+            <a:endParaRPr lang="nl-NL"/>
+          </a:p>
+        </p:txBody>
+      </p:sp>
+    </p:spTree>
+    <p:extLst>
+      <p:ext uri="{BB962C8B-B14F-4D97-AF65-F5344CB8AC3E}">
         <p14:creationId xmlns:p14="http://schemas.microsoft.com/office/powerpoint/2010/main" val="2074912811"/>
+      </p:ext>
+    </p:extLst>
+  </p:cSld>
+  <p:clrMapOvr>
+    <a:masterClrMapping/>
+  </p:clrMapOvr>
+</p:notes>
+</file>
+
+<file path=ppt/notesSlides/notesSlide8.xml><?xml version="1.0" encoding="utf-8"?>
+<p:notes xmlns:a="http://schemas.openxmlformats.org/drawingml/2006/main" xmlns:r="http://schemas.openxmlformats.org/officeDocument/2006/relationships" xmlns:p="http://schemas.openxmlformats.org/presentationml/2006/main">
+  <p:cSld>
+    <p:spTree>
+      <p:nvGrpSpPr>
+        <p:cNvPr id="1" name=""/>
+        <p:cNvGrpSpPr/>
+        <p:nvPr/>
+      </p:nvGrpSpPr>
+      <p:grpSpPr>
+        <a:xfrm>
+          <a:off x="0" y="0"/>
+          <a:ext cx="0" cy="0"/>
+          <a:chOff x="0" y="0"/>
+          <a:chExt cx="0" cy="0"/>
+        </a:xfrm>
+      </p:grpSpPr>
+      <p:sp>
+        <p:nvSpPr>
+          <p:cNvPr id="2" name="Tijdelijke aanduiding voor dia-afbeelding 1"/>
+          <p:cNvSpPr>
+            <a:spLocks noGrp="1" noRot="1" noChangeAspect="1"/>
+          </p:cNvSpPr>
+          <p:nvPr>
+            <p:ph type="sldImg"/>
+          </p:nvPr>
+        </p:nvSpPr>
+        <p:spPr/>
+      </p:sp>
+      <p:sp>
+        <p:nvSpPr>
+          <p:cNvPr id="3" name="Tijdelijke aanduiding voor notities 2"/>
+          <p:cNvSpPr>
+            <a:spLocks noGrp="1"/>
+          </p:cNvSpPr>
+          <p:nvPr>
+            <p:ph type="body" idx="1"/>
+          </p:nvPr>
+        </p:nvSpPr>
+        <p:spPr/>
+        <p:txBody>
+          <a:bodyPr/>
+          <a:lstStyle/>
+          <a:p>
+            <a:endParaRPr lang="nl-NL" sz="1200" kern="1200" dirty="0">
+              <a:solidFill>
+                <a:schemeClr val="tx1"/>
+              </a:solidFill>
+              <a:effectLst/>
+              <a:latin typeface="+mn-lt"/>
+              <a:ea typeface="+mn-ea"/>
+              <a:cs typeface="+mn-cs"/>
+            </a:endParaRPr>
+          </a:p>
+          <a:p>
+            <a:endParaRPr lang="nl-NL" dirty="0"/>
+          </a:p>
+        </p:txBody>
+      </p:sp>
+      <p:sp>
+        <p:nvSpPr>
+          <p:cNvPr id="4" name="Tijdelijke aanduiding voor dianummer 3"/>
+          <p:cNvSpPr>
+            <a:spLocks noGrp="1"/>
+          </p:cNvSpPr>
+          <p:nvPr>
+            <p:ph type="sldNum" sz="quarter" idx="5"/>
+          </p:nvPr>
+        </p:nvSpPr>
+        <p:spPr/>
+        <p:txBody>
+          <a:bodyPr/>
+          <a:lstStyle/>
+          <a:p>
+            <a:fld id="{7CADDDAC-E744-FD4B-A60B-30A8D32AD8B9}" type="slidenum">
+              <a:rPr lang="nl-NL" smtClean="0"/>
+              <a:t>9</a:t>
+            </a:fld>
+            <a:endParaRPr lang="nl-NL"/>
+          </a:p>
+        </p:txBody>
+      </p:sp>
+    </p:spTree>
+    <p:extLst>
+      <p:ext uri="{BB962C8B-B14F-4D97-AF65-F5344CB8AC3E}">
+        <p14:creationId xmlns:p14="http://schemas.microsoft.com/office/powerpoint/2010/main" val="1724702743"/>
       </p:ext>
     </p:extLst>
   </p:cSld>
@@ -2677,7 +3040,7 @@
           <p:cNvPr id="2" name="Titel 1">
             <a:extLst>
               <a:ext uri="{FF2B5EF4-FFF2-40B4-BE49-F238E27FC236}">
-                <a16:creationId xmlns:a16="http://schemas.microsoft.com/office/drawing/2014/main" xmlns="" id="{E6F7EA7F-161E-D746-8AE2-4781A6FAC7EA}"/>
+                <a16:creationId xmlns:a16="http://schemas.microsoft.com/office/drawing/2014/main" id="{E6F7EA7F-161E-D746-8AE2-4781A6FAC7EA}"/>
               </a:ext>
             </a:extLst>
           </p:cNvPr>
@@ -2714,7 +3077,7 @@
           <p:cNvPr id="3" name="Ondertitel 2">
             <a:extLst>
               <a:ext uri="{FF2B5EF4-FFF2-40B4-BE49-F238E27FC236}">
-                <a16:creationId xmlns:a16="http://schemas.microsoft.com/office/drawing/2014/main" xmlns="" id="{E4217A66-0EA7-CB40-A430-46776AFC29C9}"/>
+                <a16:creationId xmlns:a16="http://schemas.microsoft.com/office/drawing/2014/main" id="{E4217A66-0EA7-CB40-A430-46776AFC29C9}"/>
               </a:ext>
             </a:extLst>
           </p:cNvPr>
@@ -2784,7 +3147,7 @@
           <p:cNvPr id="4" name="Tijdelijke aanduiding voor datum 3">
             <a:extLst>
               <a:ext uri="{FF2B5EF4-FFF2-40B4-BE49-F238E27FC236}">
-                <a16:creationId xmlns:a16="http://schemas.microsoft.com/office/drawing/2014/main" xmlns="" id="{8EB66D2B-B34B-BB49-A153-44929FCBE3DE}"/>
+                <a16:creationId xmlns:a16="http://schemas.microsoft.com/office/drawing/2014/main" id="{8EB66D2B-B34B-BB49-A153-44929FCBE3DE}"/>
               </a:ext>
             </a:extLst>
           </p:cNvPr>
@@ -2813,7 +3176,7 @@
           <p:cNvPr id="5" name="Tijdelijke aanduiding voor voettekst 4">
             <a:extLst>
               <a:ext uri="{FF2B5EF4-FFF2-40B4-BE49-F238E27FC236}">
-                <a16:creationId xmlns:a16="http://schemas.microsoft.com/office/drawing/2014/main" xmlns="" id="{91CF744A-1962-A643-AD0F-D3C5C14836A5}"/>
+                <a16:creationId xmlns:a16="http://schemas.microsoft.com/office/drawing/2014/main" id="{91CF744A-1962-A643-AD0F-D3C5C14836A5}"/>
               </a:ext>
             </a:extLst>
           </p:cNvPr>
@@ -2838,7 +3201,7 @@
           <p:cNvPr id="6" name="Tijdelijke aanduiding voor dianummer 5">
             <a:extLst>
               <a:ext uri="{FF2B5EF4-FFF2-40B4-BE49-F238E27FC236}">
-                <a16:creationId xmlns:a16="http://schemas.microsoft.com/office/drawing/2014/main" xmlns="" id="{E12B728A-9A69-1C49-B188-3E4CD5F3817B}"/>
+                <a16:creationId xmlns:a16="http://schemas.microsoft.com/office/drawing/2014/main" id="{E12B728A-9A69-1C49-B188-3E4CD5F3817B}"/>
               </a:ext>
             </a:extLst>
           </p:cNvPr>
@@ -2897,7 +3260,7 @@
           <p:cNvPr id="2" name="Titel 1">
             <a:extLst>
               <a:ext uri="{FF2B5EF4-FFF2-40B4-BE49-F238E27FC236}">
-                <a16:creationId xmlns:a16="http://schemas.microsoft.com/office/drawing/2014/main" xmlns="" id="{2CC77FE9-7DF8-9244-9F31-A97C980E216A}"/>
+                <a16:creationId xmlns:a16="http://schemas.microsoft.com/office/drawing/2014/main" id="{2CC77FE9-7DF8-9244-9F31-A97C980E216A}"/>
               </a:ext>
             </a:extLst>
           </p:cNvPr>
@@ -2925,7 +3288,7 @@
           <p:cNvPr id="3" name="Tijdelijke aanduiding voor verticale tekst 2">
             <a:extLst>
               <a:ext uri="{FF2B5EF4-FFF2-40B4-BE49-F238E27FC236}">
-                <a16:creationId xmlns:a16="http://schemas.microsoft.com/office/drawing/2014/main" xmlns="" id="{AF391587-4416-C141-A67C-8D51D91F590C}"/>
+                <a16:creationId xmlns:a16="http://schemas.microsoft.com/office/drawing/2014/main" id="{AF391587-4416-C141-A67C-8D51D91F590C}"/>
               </a:ext>
             </a:extLst>
           </p:cNvPr>
@@ -2982,7 +3345,7 @@
           <p:cNvPr id="4" name="Tijdelijke aanduiding voor datum 3">
             <a:extLst>
               <a:ext uri="{FF2B5EF4-FFF2-40B4-BE49-F238E27FC236}">
-                <a16:creationId xmlns:a16="http://schemas.microsoft.com/office/drawing/2014/main" xmlns="" id="{48570E1A-5532-A54B-BC91-D13D55B5D216}"/>
+                <a16:creationId xmlns:a16="http://schemas.microsoft.com/office/drawing/2014/main" id="{48570E1A-5532-A54B-BC91-D13D55B5D216}"/>
               </a:ext>
             </a:extLst>
           </p:cNvPr>
@@ -3011,7 +3374,7 @@
           <p:cNvPr id="5" name="Tijdelijke aanduiding voor voettekst 4">
             <a:extLst>
               <a:ext uri="{FF2B5EF4-FFF2-40B4-BE49-F238E27FC236}">
-                <a16:creationId xmlns:a16="http://schemas.microsoft.com/office/drawing/2014/main" xmlns="" id="{59C9184B-3D76-A845-8FF8-3ED114D5BE1A}"/>
+                <a16:creationId xmlns:a16="http://schemas.microsoft.com/office/drawing/2014/main" id="{59C9184B-3D76-A845-8FF8-3ED114D5BE1A}"/>
               </a:ext>
             </a:extLst>
           </p:cNvPr>
@@ -3036,7 +3399,7 @@
           <p:cNvPr id="6" name="Tijdelijke aanduiding voor dianummer 5">
             <a:extLst>
               <a:ext uri="{FF2B5EF4-FFF2-40B4-BE49-F238E27FC236}">
-                <a16:creationId xmlns:a16="http://schemas.microsoft.com/office/drawing/2014/main" xmlns="" id="{8D33995C-833E-8B45-8DA8-11AE503EEFFB}"/>
+                <a16:creationId xmlns:a16="http://schemas.microsoft.com/office/drawing/2014/main" id="{8D33995C-833E-8B45-8DA8-11AE503EEFFB}"/>
               </a:ext>
             </a:extLst>
           </p:cNvPr>
@@ -3095,7 +3458,7 @@
           <p:cNvPr id="2" name="Verticale titel 1">
             <a:extLst>
               <a:ext uri="{FF2B5EF4-FFF2-40B4-BE49-F238E27FC236}">
-                <a16:creationId xmlns:a16="http://schemas.microsoft.com/office/drawing/2014/main" xmlns="" id="{D9A6F0E7-C5A5-B744-958D-3BA2AB992D2F}"/>
+                <a16:creationId xmlns:a16="http://schemas.microsoft.com/office/drawing/2014/main" id="{D9A6F0E7-C5A5-B744-958D-3BA2AB992D2F}"/>
               </a:ext>
             </a:extLst>
           </p:cNvPr>
@@ -3128,7 +3491,7 @@
           <p:cNvPr id="3" name="Tijdelijke aanduiding voor verticale tekst 2">
             <a:extLst>
               <a:ext uri="{FF2B5EF4-FFF2-40B4-BE49-F238E27FC236}">
-                <a16:creationId xmlns:a16="http://schemas.microsoft.com/office/drawing/2014/main" xmlns="" id="{B728208C-34D9-6A4B-841C-8CF7677534E7}"/>
+                <a16:creationId xmlns:a16="http://schemas.microsoft.com/office/drawing/2014/main" id="{B728208C-34D9-6A4B-841C-8CF7677534E7}"/>
               </a:ext>
             </a:extLst>
           </p:cNvPr>
@@ -3190,7 +3553,7 @@
           <p:cNvPr id="4" name="Tijdelijke aanduiding voor datum 3">
             <a:extLst>
               <a:ext uri="{FF2B5EF4-FFF2-40B4-BE49-F238E27FC236}">
-                <a16:creationId xmlns:a16="http://schemas.microsoft.com/office/drawing/2014/main" xmlns="" id="{1C146832-AA29-2743-9616-F398DA8FBCF0}"/>
+                <a16:creationId xmlns:a16="http://schemas.microsoft.com/office/drawing/2014/main" id="{1C146832-AA29-2743-9616-F398DA8FBCF0}"/>
               </a:ext>
             </a:extLst>
           </p:cNvPr>
@@ -3219,7 +3582,7 @@
           <p:cNvPr id="5" name="Tijdelijke aanduiding voor voettekst 4">
             <a:extLst>
               <a:ext uri="{FF2B5EF4-FFF2-40B4-BE49-F238E27FC236}">
-                <a16:creationId xmlns:a16="http://schemas.microsoft.com/office/drawing/2014/main" xmlns="" id="{93C951D0-9EC2-714F-87B8-6E922862D3C5}"/>
+                <a16:creationId xmlns:a16="http://schemas.microsoft.com/office/drawing/2014/main" id="{93C951D0-9EC2-714F-87B8-6E922862D3C5}"/>
               </a:ext>
             </a:extLst>
           </p:cNvPr>
@@ -3244,7 +3607,7 @@
           <p:cNvPr id="6" name="Tijdelijke aanduiding voor dianummer 5">
             <a:extLst>
               <a:ext uri="{FF2B5EF4-FFF2-40B4-BE49-F238E27FC236}">
-                <a16:creationId xmlns:a16="http://schemas.microsoft.com/office/drawing/2014/main" xmlns="" id="{76FBF254-77FE-E649-877F-E996A88ECFAB}"/>
+                <a16:creationId xmlns:a16="http://schemas.microsoft.com/office/drawing/2014/main" id="{76FBF254-77FE-E649-877F-E996A88ECFAB}"/>
               </a:ext>
             </a:extLst>
           </p:cNvPr>
@@ -3303,7 +3666,7 @@
           <p:cNvPr id="2" name="Titel 1">
             <a:extLst>
               <a:ext uri="{FF2B5EF4-FFF2-40B4-BE49-F238E27FC236}">
-                <a16:creationId xmlns:a16="http://schemas.microsoft.com/office/drawing/2014/main" xmlns="" id="{EE888A01-5FBF-D541-AF2E-29C579E4EE5A}"/>
+                <a16:creationId xmlns:a16="http://schemas.microsoft.com/office/drawing/2014/main" id="{EE888A01-5FBF-D541-AF2E-29C579E4EE5A}"/>
               </a:ext>
             </a:extLst>
           </p:cNvPr>
@@ -3331,7 +3694,7 @@
           <p:cNvPr id="3" name="Tijdelijke aanduiding voor inhoud 2">
             <a:extLst>
               <a:ext uri="{FF2B5EF4-FFF2-40B4-BE49-F238E27FC236}">
-                <a16:creationId xmlns:a16="http://schemas.microsoft.com/office/drawing/2014/main" xmlns="" id="{27CC85C3-7FA3-4546-A8FC-9BE231ED442F}"/>
+                <a16:creationId xmlns:a16="http://schemas.microsoft.com/office/drawing/2014/main" id="{27CC85C3-7FA3-4546-A8FC-9BE231ED442F}"/>
               </a:ext>
             </a:extLst>
           </p:cNvPr>
@@ -3388,7 +3751,7 @@
           <p:cNvPr id="4" name="Tijdelijke aanduiding voor datum 3">
             <a:extLst>
               <a:ext uri="{FF2B5EF4-FFF2-40B4-BE49-F238E27FC236}">
-                <a16:creationId xmlns:a16="http://schemas.microsoft.com/office/drawing/2014/main" xmlns="" id="{9FD3E396-5FD5-1A47-A238-C6767ABFF995}"/>
+                <a16:creationId xmlns:a16="http://schemas.microsoft.com/office/drawing/2014/main" id="{9FD3E396-5FD5-1A47-A238-C6767ABFF995}"/>
               </a:ext>
             </a:extLst>
           </p:cNvPr>
@@ -3417,7 +3780,7 @@
           <p:cNvPr id="5" name="Tijdelijke aanduiding voor voettekst 4">
             <a:extLst>
               <a:ext uri="{FF2B5EF4-FFF2-40B4-BE49-F238E27FC236}">
-                <a16:creationId xmlns:a16="http://schemas.microsoft.com/office/drawing/2014/main" xmlns="" id="{CB01C25B-7796-E242-998C-0D46B37A6D94}"/>
+                <a16:creationId xmlns:a16="http://schemas.microsoft.com/office/drawing/2014/main" id="{CB01C25B-7796-E242-998C-0D46B37A6D94}"/>
               </a:ext>
             </a:extLst>
           </p:cNvPr>
@@ -3442,7 +3805,7 @@
           <p:cNvPr id="6" name="Tijdelijke aanduiding voor dianummer 5">
             <a:extLst>
               <a:ext uri="{FF2B5EF4-FFF2-40B4-BE49-F238E27FC236}">
-                <a16:creationId xmlns:a16="http://schemas.microsoft.com/office/drawing/2014/main" xmlns="" id="{F18DF7C3-8A3A-C842-9804-58ACE8ACE626}"/>
+                <a16:creationId xmlns:a16="http://schemas.microsoft.com/office/drawing/2014/main" id="{F18DF7C3-8A3A-C842-9804-58ACE8ACE626}"/>
               </a:ext>
             </a:extLst>
           </p:cNvPr>
@@ -3501,7 +3864,7 @@
           <p:cNvPr id="2" name="Titel 1">
             <a:extLst>
               <a:ext uri="{FF2B5EF4-FFF2-40B4-BE49-F238E27FC236}">
-                <a16:creationId xmlns:a16="http://schemas.microsoft.com/office/drawing/2014/main" xmlns="" id="{21ED8E60-28B5-E248-9D56-ACB64D2958A2}"/>
+                <a16:creationId xmlns:a16="http://schemas.microsoft.com/office/drawing/2014/main" id="{21ED8E60-28B5-E248-9D56-ACB64D2958A2}"/>
               </a:ext>
             </a:extLst>
           </p:cNvPr>
@@ -3538,7 +3901,7 @@
           <p:cNvPr id="3" name="Tijdelijke aanduiding voor tekst 2">
             <a:extLst>
               <a:ext uri="{FF2B5EF4-FFF2-40B4-BE49-F238E27FC236}">
-                <a16:creationId xmlns:a16="http://schemas.microsoft.com/office/drawing/2014/main" xmlns="" id="{7858C877-2C79-FF4F-8322-27746E8D7329}"/>
+                <a16:creationId xmlns:a16="http://schemas.microsoft.com/office/drawing/2014/main" id="{7858C877-2C79-FF4F-8322-27746E8D7329}"/>
               </a:ext>
             </a:extLst>
           </p:cNvPr>
@@ -3663,7 +4026,7 @@
           <p:cNvPr id="4" name="Tijdelijke aanduiding voor datum 3">
             <a:extLst>
               <a:ext uri="{FF2B5EF4-FFF2-40B4-BE49-F238E27FC236}">
-                <a16:creationId xmlns:a16="http://schemas.microsoft.com/office/drawing/2014/main" xmlns="" id="{C10A2BFB-D829-374F-8264-B123BCC64FE0}"/>
+                <a16:creationId xmlns:a16="http://schemas.microsoft.com/office/drawing/2014/main" id="{C10A2BFB-D829-374F-8264-B123BCC64FE0}"/>
               </a:ext>
             </a:extLst>
           </p:cNvPr>
@@ -3692,7 +4055,7 @@
           <p:cNvPr id="5" name="Tijdelijke aanduiding voor voettekst 4">
             <a:extLst>
               <a:ext uri="{FF2B5EF4-FFF2-40B4-BE49-F238E27FC236}">
-                <a16:creationId xmlns:a16="http://schemas.microsoft.com/office/drawing/2014/main" xmlns="" id="{F989E31F-A5EE-2548-B287-B3570C073D22}"/>
+                <a16:creationId xmlns:a16="http://schemas.microsoft.com/office/drawing/2014/main" id="{F989E31F-A5EE-2548-B287-B3570C073D22}"/>
               </a:ext>
             </a:extLst>
           </p:cNvPr>
@@ -3717,7 +4080,7 @@
           <p:cNvPr id="6" name="Tijdelijke aanduiding voor dianummer 5">
             <a:extLst>
               <a:ext uri="{FF2B5EF4-FFF2-40B4-BE49-F238E27FC236}">
-                <a16:creationId xmlns:a16="http://schemas.microsoft.com/office/drawing/2014/main" xmlns="" id="{7263932B-29AD-F94A-B840-EBB087CA4BC9}"/>
+                <a16:creationId xmlns:a16="http://schemas.microsoft.com/office/drawing/2014/main" id="{7263932B-29AD-F94A-B840-EBB087CA4BC9}"/>
               </a:ext>
             </a:extLst>
           </p:cNvPr>
@@ -3776,7 +4139,7 @@
           <p:cNvPr id="2" name="Titel 1">
             <a:extLst>
               <a:ext uri="{FF2B5EF4-FFF2-40B4-BE49-F238E27FC236}">
-                <a16:creationId xmlns:a16="http://schemas.microsoft.com/office/drawing/2014/main" xmlns="" id="{5E32B65A-887F-9F41-8148-B531B271C5FF}"/>
+                <a16:creationId xmlns:a16="http://schemas.microsoft.com/office/drawing/2014/main" id="{5E32B65A-887F-9F41-8148-B531B271C5FF}"/>
               </a:ext>
             </a:extLst>
           </p:cNvPr>
@@ -3804,7 +4167,7 @@
           <p:cNvPr id="3" name="Tijdelijke aanduiding voor inhoud 2">
             <a:extLst>
               <a:ext uri="{FF2B5EF4-FFF2-40B4-BE49-F238E27FC236}">
-                <a16:creationId xmlns:a16="http://schemas.microsoft.com/office/drawing/2014/main" xmlns="" id="{2E7B30FA-13BB-D64B-B935-1465A919083A}"/>
+                <a16:creationId xmlns:a16="http://schemas.microsoft.com/office/drawing/2014/main" id="{2E7B30FA-13BB-D64B-B935-1465A919083A}"/>
               </a:ext>
             </a:extLst>
           </p:cNvPr>
@@ -3866,7 +4229,7 @@
           <p:cNvPr id="4" name="Tijdelijke aanduiding voor inhoud 3">
             <a:extLst>
               <a:ext uri="{FF2B5EF4-FFF2-40B4-BE49-F238E27FC236}">
-                <a16:creationId xmlns:a16="http://schemas.microsoft.com/office/drawing/2014/main" xmlns="" id="{4E699924-C5A9-E24B-BA4D-561C96667D3A}"/>
+                <a16:creationId xmlns:a16="http://schemas.microsoft.com/office/drawing/2014/main" id="{4E699924-C5A9-E24B-BA4D-561C96667D3A}"/>
               </a:ext>
             </a:extLst>
           </p:cNvPr>
@@ -3928,7 +4291,7 @@
           <p:cNvPr id="5" name="Tijdelijke aanduiding voor datum 4">
             <a:extLst>
               <a:ext uri="{FF2B5EF4-FFF2-40B4-BE49-F238E27FC236}">
-                <a16:creationId xmlns:a16="http://schemas.microsoft.com/office/drawing/2014/main" xmlns="" id="{23D8F239-E1EF-C94E-9398-D59694978826}"/>
+                <a16:creationId xmlns:a16="http://schemas.microsoft.com/office/drawing/2014/main" id="{23D8F239-E1EF-C94E-9398-D59694978826}"/>
               </a:ext>
             </a:extLst>
           </p:cNvPr>
@@ -3957,7 +4320,7 @@
           <p:cNvPr id="6" name="Tijdelijke aanduiding voor voettekst 5">
             <a:extLst>
               <a:ext uri="{FF2B5EF4-FFF2-40B4-BE49-F238E27FC236}">
-                <a16:creationId xmlns:a16="http://schemas.microsoft.com/office/drawing/2014/main" xmlns="" id="{ED3FB47E-8233-174E-B937-B03F9E38E2BA}"/>
+                <a16:creationId xmlns:a16="http://schemas.microsoft.com/office/drawing/2014/main" id="{ED3FB47E-8233-174E-B937-B03F9E38E2BA}"/>
               </a:ext>
             </a:extLst>
           </p:cNvPr>
@@ -3982,7 +4345,7 @@
           <p:cNvPr id="7" name="Tijdelijke aanduiding voor dianummer 6">
             <a:extLst>
               <a:ext uri="{FF2B5EF4-FFF2-40B4-BE49-F238E27FC236}">
-                <a16:creationId xmlns:a16="http://schemas.microsoft.com/office/drawing/2014/main" xmlns="" id="{3C253E80-5247-5143-A20F-D6EF3A84E531}"/>
+                <a16:creationId xmlns:a16="http://schemas.microsoft.com/office/drawing/2014/main" id="{3C253E80-5247-5143-A20F-D6EF3A84E531}"/>
               </a:ext>
             </a:extLst>
           </p:cNvPr>
@@ -4041,7 +4404,7 @@
           <p:cNvPr id="2" name="Titel 1">
             <a:extLst>
               <a:ext uri="{FF2B5EF4-FFF2-40B4-BE49-F238E27FC236}">
-                <a16:creationId xmlns:a16="http://schemas.microsoft.com/office/drawing/2014/main" xmlns="" id="{744E9279-4797-0B42-97AB-0E942173FFF1}"/>
+                <a16:creationId xmlns:a16="http://schemas.microsoft.com/office/drawing/2014/main" id="{744E9279-4797-0B42-97AB-0E942173FFF1}"/>
               </a:ext>
             </a:extLst>
           </p:cNvPr>
@@ -4074,7 +4437,7 @@
           <p:cNvPr id="3" name="Tijdelijke aanduiding voor tekst 2">
             <a:extLst>
               <a:ext uri="{FF2B5EF4-FFF2-40B4-BE49-F238E27FC236}">
-                <a16:creationId xmlns:a16="http://schemas.microsoft.com/office/drawing/2014/main" xmlns="" id="{5516BCB8-E3F6-4146-A669-C321A9C61001}"/>
+                <a16:creationId xmlns:a16="http://schemas.microsoft.com/office/drawing/2014/main" id="{5516BCB8-E3F6-4146-A669-C321A9C61001}"/>
               </a:ext>
             </a:extLst>
           </p:cNvPr>
@@ -4145,7 +4508,7 @@
           <p:cNvPr id="4" name="Tijdelijke aanduiding voor inhoud 3">
             <a:extLst>
               <a:ext uri="{FF2B5EF4-FFF2-40B4-BE49-F238E27FC236}">
-                <a16:creationId xmlns:a16="http://schemas.microsoft.com/office/drawing/2014/main" xmlns="" id="{44D2ECD3-F48C-BD4A-9100-B85B3068E32A}"/>
+                <a16:creationId xmlns:a16="http://schemas.microsoft.com/office/drawing/2014/main" id="{44D2ECD3-F48C-BD4A-9100-B85B3068E32A}"/>
               </a:ext>
             </a:extLst>
           </p:cNvPr>
@@ -4207,7 +4570,7 @@
           <p:cNvPr id="5" name="Tijdelijke aanduiding voor tekst 4">
             <a:extLst>
               <a:ext uri="{FF2B5EF4-FFF2-40B4-BE49-F238E27FC236}">
-                <a16:creationId xmlns:a16="http://schemas.microsoft.com/office/drawing/2014/main" xmlns="" id="{D30D20A6-5C60-D54A-B63B-AC8E712C3792}"/>
+                <a16:creationId xmlns:a16="http://schemas.microsoft.com/office/drawing/2014/main" id="{D30D20A6-5C60-D54A-B63B-AC8E712C3792}"/>
               </a:ext>
             </a:extLst>
           </p:cNvPr>
@@ -4278,7 +4641,7 @@
           <p:cNvPr id="6" name="Tijdelijke aanduiding voor inhoud 5">
             <a:extLst>
               <a:ext uri="{FF2B5EF4-FFF2-40B4-BE49-F238E27FC236}">
-                <a16:creationId xmlns:a16="http://schemas.microsoft.com/office/drawing/2014/main" xmlns="" id="{116FDFDF-7B3A-0B4E-B289-46C66E9DE49D}"/>
+                <a16:creationId xmlns:a16="http://schemas.microsoft.com/office/drawing/2014/main" id="{116FDFDF-7B3A-0B4E-B289-46C66E9DE49D}"/>
               </a:ext>
             </a:extLst>
           </p:cNvPr>
@@ -4340,7 +4703,7 @@
           <p:cNvPr id="7" name="Tijdelijke aanduiding voor datum 6">
             <a:extLst>
               <a:ext uri="{FF2B5EF4-FFF2-40B4-BE49-F238E27FC236}">
-                <a16:creationId xmlns:a16="http://schemas.microsoft.com/office/drawing/2014/main" xmlns="" id="{B5DD103B-2A5A-4047-BC1B-C2B8E43A9865}"/>
+                <a16:creationId xmlns:a16="http://schemas.microsoft.com/office/drawing/2014/main" id="{B5DD103B-2A5A-4047-BC1B-C2B8E43A9865}"/>
               </a:ext>
             </a:extLst>
           </p:cNvPr>
@@ -4369,7 +4732,7 @@
           <p:cNvPr id="8" name="Tijdelijke aanduiding voor voettekst 7">
             <a:extLst>
               <a:ext uri="{FF2B5EF4-FFF2-40B4-BE49-F238E27FC236}">
-                <a16:creationId xmlns:a16="http://schemas.microsoft.com/office/drawing/2014/main" xmlns="" id="{C5C20A48-35EB-394E-AF43-6AF79DBE0464}"/>
+                <a16:creationId xmlns:a16="http://schemas.microsoft.com/office/drawing/2014/main" id="{C5C20A48-35EB-394E-AF43-6AF79DBE0464}"/>
               </a:ext>
             </a:extLst>
           </p:cNvPr>
@@ -4394,7 +4757,7 @@
           <p:cNvPr id="9" name="Tijdelijke aanduiding voor dianummer 8">
             <a:extLst>
               <a:ext uri="{FF2B5EF4-FFF2-40B4-BE49-F238E27FC236}">
-                <a16:creationId xmlns:a16="http://schemas.microsoft.com/office/drawing/2014/main" xmlns="" id="{1D28FE7C-8C28-9140-8469-03B1BC1C6816}"/>
+                <a16:creationId xmlns:a16="http://schemas.microsoft.com/office/drawing/2014/main" id="{1D28FE7C-8C28-9140-8469-03B1BC1C6816}"/>
               </a:ext>
             </a:extLst>
           </p:cNvPr>
@@ -4453,7 +4816,7 @@
           <p:cNvPr id="2" name="Titel 1">
             <a:extLst>
               <a:ext uri="{FF2B5EF4-FFF2-40B4-BE49-F238E27FC236}">
-                <a16:creationId xmlns:a16="http://schemas.microsoft.com/office/drawing/2014/main" xmlns="" id="{F8298053-0102-B843-986F-D230436A27AF}"/>
+                <a16:creationId xmlns:a16="http://schemas.microsoft.com/office/drawing/2014/main" id="{F8298053-0102-B843-986F-D230436A27AF}"/>
               </a:ext>
             </a:extLst>
           </p:cNvPr>
@@ -4481,7 +4844,7 @@
           <p:cNvPr id="3" name="Tijdelijke aanduiding voor datum 2">
             <a:extLst>
               <a:ext uri="{FF2B5EF4-FFF2-40B4-BE49-F238E27FC236}">
-                <a16:creationId xmlns:a16="http://schemas.microsoft.com/office/drawing/2014/main" xmlns="" id="{3E2B86E6-C940-2F4A-B5C8-D6F55A646AAB}"/>
+                <a16:creationId xmlns:a16="http://schemas.microsoft.com/office/drawing/2014/main" id="{3E2B86E6-C940-2F4A-B5C8-D6F55A646AAB}"/>
               </a:ext>
             </a:extLst>
           </p:cNvPr>
@@ -4510,7 +4873,7 @@
           <p:cNvPr id="4" name="Tijdelijke aanduiding voor voettekst 3">
             <a:extLst>
               <a:ext uri="{FF2B5EF4-FFF2-40B4-BE49-F238E27FC236}">
-                <a16:creationId xmlns:a16="http://schemas.microsoft.com/office/drawing/2014/main" xmlns="" id="{23CE5D7B-8C6B-C344-BE8E-ECC84A8DC147}"/>
+                <a16:creationId xmlns:a16="http://schemas.microsoft.com/office/drawing/2014/main" id="{23CE5D7B-8C6B-C344-BE8E-ECC84A8DC147}"/>
               </a:ext>
             </a:extLst>
           </p:cNvPr>
@@ -4535,7 +4898,7 @@
           <p:cNvPr id="5" name="Tijdelijke aanduiding voor dianummer 4">
             <a:extLst>
               <a:ext uri="{FF2B5EF4-FFF2-40B4-BE49-F238E27FC236}">
-                <a16:creationId xmlns:a16="http://schemas.microsoft.com/office/drawing/2014/main" xmlns="" id="{7787E726-D1B5-404D-8092-4ECE3BE0C4E3}"/>
+                <a16:creationId xmlns:a16="http://schemas.microsoft.com/office/drawing/2014/main" id="{7787E726-D1B5-404D-8092-4ECE3BE0C4E3}"/>
               </a:ext>
             </a:extLst>
           </p:cNvPr>
@@ -4594,7 +4957,7 @@
           <p:cNvPr id="2" name="Tijdelijke aanduiding voor datum 1">
             <a:extLst>
               <a:ext uri="{FF2B5EF4-FFF2-40B4-BE49-F238E27FC236}">
-                <a16:creationId xmlns:a16="http://schemas.microsoft.com/office/drawing/2014/main" xmlns="" id="{BC869C7F-66BF-4649-A46F-EA809252CD9C}"/>
+                <a16:creationId xmlns:a16="http://schemas.microsoft.com/office/drawing/2014/main" id="{BC869C7F-66BF-4649-A46F-EA809252CD9C}"/>
               </a:ext>
             </a:extLst>
           </p:cNvPr>
@@ -4623,7 +4986,7 @@
           <p:cNvPr id="3" name="Tijdelijke aanduiding voor voettekst 2">
             <a:extLst>
               <a:ext uri="{FF2B5EF4-FFF2-40B4-BE49-F238E27FC236}">
-                <a16:creationId xmlns:a16="http://schemas.microsoft.com/office/drawing/2014/main" xmlns="" id="{B0D6FF61-FAC6-1440-A44D-DA79015D1295}"/>
+                <a16:creationId xmlns:a16="http://schemas.microsoft.com/office/drawing/2014/main" id="{B0D6FF61-FAC6-1440-A44D-DA79015D1295}"/>
               </a:ext>
             </a:extLst>
           </p:cNvPr>
@@ -4648,7 +5011,7 @@
           <p:cNvPr id="4" name="Tijdelijke aanduiding voor dianummer 3">
             <a:extLst>
               <a:ext uri="{FF2B5EF4-FFF2-40B4-BE49-F238E27FC236}">
-                <a16:creationId xmlns:a16="http://schemas.microsoft.com/office/drawing/2014/main" xmlns="" id="{9EC1622A-6B28-F54C-9C2A-F636A942EDAA}"/>
+                <a16:creationId xmlns:a16="http://schemas.microsoft.com/office/drawing/2014/main" id="{9EC1622A-6B28-F54C-9C2A-F636A942EDAA}"/>
               </a:ext>
             </a:extLst>
           </p:cNvPr>
@@ -4707,7 +5070,7 @@
           <p:cNvPr id="2" name="Titel 1">
             <a:extLst>
               <a:ext uri="{FF2B5EF4-FFF2-40B4-BE49-F238E27FC236}">
-                <a16:creationId xmlns:a16="http://schemas.microsoft.com/office/drawing/2014/main" xmlns="" id="{82BFD8D7-41B8-0B46-B571-46BC36D6051C}"/>
+                <a16:creationId xmlns:a16="http://schemas.microsoft.com/office/drawing/2014/main" id="{82BFD8D7-41B8-0B46-B571-46BC36D6051C}"/>
               </a:ext>
             </a:extLst>
           </p:cNvPr>
@@ -4744,7 +5107,7 @@
           <p:cNvPr id="3" name="Tijdelijke aanduiding voor inhoud 2">
             <a:extLst>
               <a:ext uri="{FF2B5EF4-FFF2-40B4-BE49-F238E27FC236}">
-                <a16:creationId xmlns:a16="http://schemas.microsoft.com/office/drawing/2014/main" xmlns="" id="{3A75F0ED-D02D-0B43-B27E-E16AC0EA4E78}"/>
+                <a16:creationId xmlns:a16="http://schemas.microsoft.com/office/drawing/2014/main" id="{3A75F0ED-D02D-0B43-B27E-E16AC0EA4E78}"/>
               </a:ext>
             </a:extLst>
           </p:cNvPr>
@@ -4834,7 +5197,7 @@
           <p:cNvPr id="4" name="Tijdelijke aanduiding voor tekst 3">
             <a:extLst>
               <a:ext uri="{FF2B5EF4-FFF2-40B4-BE49-F238E27FC236}">
-                <a16:creationId xmlns:a16="http://schemas.microsoft.com/office/drawing/2014/main" xmlns="" id="{CAB66628-0615-7D4D-AAE5-7D726EA810B6}"/>
+                <a16:creationId xmlns:a16="http://schemas.microsoft.com/office/drawing/2014/main" id="{CAB66628-0615-7D4D-AAE5-7D726EA810B6}"/>
               </a:ext>
             </a:extLst>
           </p:cNvPr>
@@ -4905,7 +5268,7 @@
           <p:cNvPr id="5" name="Tijdelijke aanduiding voor datum 4">
             <a:extLst>
               <a:ext uri="{FF2B5EF4-FFF2-40B4-BE49-F238E27FC236}">
-                <a16:creationId xmlns:a16="http://schemas.microsoft.com/office/drawing/2014/main" xmlns="" id="{285D8F32-6BE3-C749-8EB7-F2FD58B6829B}"/>
+                <a16:creationId xmlns:a16="http://schemas.microsoft.com/office/drawing/2014/main" id="{285D8F32-6BE3-C749-8EB7-F2FD58B6829B}"/>
               </a:ext>
             </a:extLst>
           </p:cNvPr>
@@ -4934,7 +5297,7 @@
           <p:cNvPr id="6" name="Tijdelijke aanduiding voor voettekst 5">
             <a:extLst>
               <a:ext uri="{FF2B5EF4-FFF2-40B4-BE49-F238E27FC236}">
-                <a16:creationId xmlns:a16="http://schemas.microsoft.com/office/drawing/2014/main" xmlns="" id="{2D5BF7BB-D77B-244A-B485-9A796DDC36CE}"/>
+                <a16:creationId xmlns:a16="http://schemas.microsoft.com/office/drawing/2014/main" id="{2D5BF7BB-D77B-244A-B485-9A796DDC36CE}"/>
               </a:ext>
             </a:extLst>
           </p:cNvPr>
@@ -4959,7 +5322,7 @@
           <p:cNvPr id="7" name="Tijdelijke aanduiding voor dianummer 6">
             <a:extLst>
               <a:ext uri="{FF2B5EF4-FFF2-40B4-BE49-F238E27FC236}">
-                <a16:creationId xmlns:a16="http://schemas.microsoft.com/office/drawing/2014/main" xmlns="" id="{806CBEA3-5F8D-3947-BDFA-B7CA40D4ECCC}"/>
+                <a16:creationId xmlns:a16="http://schemas.microsoft.com/office/drawing/2014/main" id="{806CBEA3-5F8D-3947-BDFA-B7CA40D4ECCC}"/>
               </a:ext>
             </a:extLst>
           </p:cNvPr>
@@ -5018,7 +5381,7 @@
           <p:cNvPr id="2" name="Titel 1">
             <a:extLst>
               <a:ext uri="{FF2B5EF4-FFF2-40B4-BE49-F238E27FC236}">
-                <a16:creationId xmlns:a16="http://schemas.microsoft.com/office/drawing/2014/main" xmlns="" id="{25ADC937-2D78-B34A-A0A1-DE4DAABD3BD8}"/>
+                <a16:creationId xmlns:a16="http://schemas.microsoft.com/office/drawing/2014/main" id="{25ADC937-2D78-B34A-A0A1-DE4DAABD3BD8}"/>
               </a:ext>
             </a:extLst>
           </p:cNvPr>
@@ -5055,7 +5418,7 @@
           <p:cNvPr id="3" name="Tijdelijke aanduiding voor afbeelding 2">
             <a:extLst>
               <a:ext uri="{FF2B5EF4-FFF2-40B4-BE49-F238E27FC236}">
-                <a16:creationId xmlns:a16="http://schemas.microsoft.com/office/drawing/2014/main" xmlns="" id="{D6E016DE-6951-BC4F-8EE8-56215E2FF4F1}"/>
+                <a16:creationId xmlns:a16="http://schemas.microsoft.com/office/drawing/2014/main" id="{D6E016DE-6951-BC4F-8EE8-56215E2FF4F1}"/>
               </a:ext>
             </a:extLst>
           </p:cNvPr>
@@ -5122,7 +5485,7 @@
           <p:cNvPr id="4" name="Tijdelijke aanduiding voor tekst 3">
             <a:extLst>
               <a:ext uri="{FF2B5EF4-FFF2-40B4-BE49-F238E27FC236}">
-                <a16:creationId xmlns:a16="http://schemas.microsoft.com/office/drawing/2014/main" xmlns="" id="{E0F47A5D-34F2-A841-9321-4833CBD6567D}"/>
+                <a16:creationId xmlns:a16="http://schemas.microsoft.com/office/drawing/2014/main" id="{E0F47A5D-34F2-A841-9321-4833CBD6567D}"/>
               </a:ext>
             </a:extLst>
           </p:cNvPr>
@@ -5193,7 +5556,7 @@
           <p:cNvPr id="5" name="Tijdelijke aanduiding voor datum 4">
             <a:extLst>
               <a:ext uri="{FF2B5EF4-FFF2-40B4-BE49-F238E27FC236}">
-                <a16:creationId xmlns:a16="http://schemas.microsoft.com/office/drawing/2014/main" xmlns="" id="{4239103C-8C03-0A4A-97B7-CD48C99E84E2}"/>
+                <a16:creationId xmlns:a16="http://schemas.microsoft.com/office/drawing/2014/main" id="{4239103C-8C03-0A4A-97B7-CD48C99E84E2}"/>
               </a:ext>
             </a:extLst>
           </p:cNvPr>
@@ -5222,7 +5585,7 @@
           <p:cNvPr id="6" name="Tijdelijke aanduiding voor voettekst 5">
             <a:extLst>
               <a:ext uri="{FF2B5EF4-FFF2-40B4-BE49-F238E27FC236}">
-                <a16:creationId xmlns:a16="http://schemas.microsoft.com/office/drawing/2014/main" xmlns="" id="{BF8274EE-7136-AE4E-AC36-BC2EBAF4A446}"/>
+                <a16:creationId xmlns:a16="http://schemas.microsoft.com/office/drawing/2014/main" id="{BF8274EE-7136-AE4E-AC36-BC2EBAF4A446}"/>
               </a:ext>
             </a:extLst>
           </p:cNvPr>
@@ -5247,7 +5610,7 @@
           <p:cNvPr id="7" name="Tijdelijke aanduiding voor dianummer 6">
             <a:extLst>
               <a:ext uri="{FF2B5EF4-FFF2-40B4-BE49-F238E27FC236}">
-                <a16:creationId xmlns:a16="http://schemas.microsoft.com/office/drawing/2014/main" xmlns="" id="{0537CFAC-9903-3143-AB9A-2E38A425B0B2}"/>
+                <a16:creationId xmlns:a16="http://schemas.microsoft.com/office/drawing/2014/main" id="{0537CFAC-9903-3143-AB9A-2E38A425B0B2}"/>
               </a:ext>
             </a:extLst>
           </p:cNvPr>
@@ -5311,7 +5674,7 @@
           <p:cNvPr id="2" name="Tijdelijke aanduiding voor titel 1">
             <a:extLst>
               <a:ext uri="{FF2B5EF4-FFF2-40B4-BE49-F238E27FC236}">
-                <a16:creationId xmlns:a16="http://schemas.microsoft.com/office/drawing/2014/main" xmlns="" id="{65158EF9-F326-F743-805A-53B2BC82CD26}"/>
+                <a16:creationId xmlns:a16="http://schemas.microsoft.com/office/drawing/2014/main" id="{65158EF9-F326-F743-805A-53B2BC82CD26}"/>
               </a:ext>
             </a:extLst>
           </p:cNvPr>
@@ -5349,7 +5712,7 @@
           <p:cNvPr id="3" name="Tijdelijke aanduiding voor tekst 2">
             <a:extLst>
               <a:ext uri="{FF2B5EF4-FFF2-40B4-BE49-F238E27FC236}">
-                <a16:creationId xmlns:a16="http://schemas.microsoft.com/office/drawing/2014/main" xmlns="" id="{87047191-7790-3B41-9286-5F6ACE0F47BE}"/>
+                <a16:creationId xmlns:a16="http://schemas.microsoft.com/office/drawing/2014/main" id="{87047191-7790-3B41-9286-5F6ACE0F47BE}"/>
               </a:ext>
             </a:extLst>
           </p:cNvPr>
@@ -5416,7 +5779,7 @@
           <p:cNvPr id="4" name="Tijdelijke aanduiding voor datum 3">
             <a:extLst>
               <a:ext uri="{FF2B5EF4-FFF2-40B4-BE49-F238E27FC236}">
-                <a16:creationId xmlns:a16="http://schemas.microsoft.com/office/drawing/2014/main" xmlns="" id="{536741C6-D9C0-2943-B250-B3D6519AC5AD}"/>
+                <a16:creationId xmlns:a16="http://schemas.microsoft.com/office/drawing/2014/main" id="{536741C6-D9C0-2943-B250-B3D6519AC5AD}"/>
               </a:ext>
             </a:extLst>
           </p:cNvPr>
@@ -5463,7 +5826,7 @@
           <p:cNvPr id="5" name="Tijdelijke aanduiding voor voettekst 4">
             <a:extLst>
               <a:ext uri="{FF2B5EF4-FFF2-40B4-BE49-F238E27FC236}">
-                <a16:creationId xmlns:a16="http://schemas.microsoft.com/office/drawing/2014/main" xmlns="" id="{76C75F5C-9B79-974D-A2E5-01F9639EC19D}"/>
+                <a16:creationId xmlns:a16="http://schemas.microsoft.com/office/drawing/2014/main" id="{76C75F5C-9B79-974D-A2E5-01F9639EC19D}"/>
               </a:ext>
             </a:extLst>
           </p:cNvPr>
@@ -5506,7 +5869,7 @@
           <p:cNvPr id="6" name="Tijdelijke aanduiding voor dianummer 5">
             <a:extLst>
               <a:ext uri="{FF2B5EF4-FFF2-40B4-BE49-F238E27FC236}">
-                <a16:creationId xmlns:a16="http://schemas.microsoft.com/office/drawing/2014/main" xmlns="" id="{BD50937C-D753-294D-B556-37CABBC30989}"/>
+                <a16:creationId xmlns:a16="http://schemas.microsoft.com/office/drawing/2014/main" id="{BD50937C-D753-294D-B556-37CABBC30989}"/>
               </a:ext>
             </a:extLst>
           </p:cNvPr>
@@ -5874,7 +6237,7 @@
           <p:cNvPr id="2" name="Titel 1">
             <a:extLst>
               <a:ext uri="{FF2B5EF4-FFF2-40B4-BE49-F238E27FC236}">
-                <a16:creationId xmlns:a16="http://schemas.microsoft.com/office/drawing/2014/main" xmlns="" id="{9224A0E2-57A2-E241-8765-85A30F35E5F6}"/>
+                <a16:creationId xmlns:a16="http://schemas.microsoft.com/office/drawing/2014/main" id="{9224A0E2-57A2-E241-8765-85A30F35E5F6}"/>
               </a:ext>
             </a:extLst>
           </p:cNvPr>
@@ -5890,6 +6253,10 @@
           <a:bodyPr/>
           <a:lstStyle/>
           <a:p>
+            <a:r>
+              <a:rPr lang="en-GB" dirty="0"/>
+              <a:t>Data Mining Techniques Assignment 2</a:t>
+            </a:r>
             <a:endParaRPr lang="nl-NL" dirty="0"/>
           </a:p>
         </p:txBody>
@@ -5899,7 +6266,7 @@
           <p:cNvPr id="3" name="Ondertitel 2">
             <a:extLst>
               <a:ext uri="{FF2B5EF4-FFF2-40B4-BE49-F238E27FC236}">
-                <a16:creationId xmlns:a16="http://schemas.microsoft.com/office/drawing/2014/main" xmlns="" id="{9351EB3E-543E-484F-A571-21F73F4BAC1E}"/>
+                <a16:creationId xmlns:a16="http://schemas.microsoft.com/office/drawing/2014/main" id="{9351EB3E-543E-484F-A571-21F73F4BAC1E}"/>
               </a:ext>
             </a:extLst>
           </p:cNvPr>
@@ -5914,6 +6281,20 @@
         <p:txBody>
           <a:bodyPr/>
           <a:lstStyle/>
+          <a:p>
+            <a:r>
+              <a:rPr lang="en-GB" dirty="0"/>
+              <a:t>Laurens </a:t>
+            </a:r>
+            <a:r>
+              <a:rPr lang="en-GB" dirty="0" err="1"/>
+              <a:t>Hakkesteegt</a:t>
+            </a:r>
+            <a:r>
+              <a:rPr lang="en-GB" dirty="0"/>
+              <a:t> (2577269, lht620), Cathy Tol (2567806, ctl240) &amp; Janine van Wonderen (2573337, jwn203)</a:t>
+            </a:r>
+          </a:p>
           <a:p>
             <a:endParaRPr lang="nl-NL" dirty="0"/>
           </a:p>
@@ -5932,953 +6313,7 @@
 </p:sld>
 </file>
 
-<file path=ppt/slides/slide2.xml><?xml version="1.0" encoding="utf-8"?>
-<p:sld xmlns:a="http://schemas.openxmlformats.org/drawingml/2006/main" xmlns:r="http://schemas.openxmlformats.org/officeDocument/2006/relationships" xmlns:p="http://schemas.openxmlformats.org/presentationml/2006/main">
-  <p:cSld>
-    <p:spTree>
-      <p:nvGrpSpPr>
-        <p:cNvPr id="1" name=""/>
-        <p:cNvGrpSpPr/>
-        <p:nvPr/>
-      </p:nvGrpSpPr>
-      <p:grpSpPr>
-        <a:xfrm>
-          <a:off x="0" y="0"/>
-          <a:ext cx="0" cy="0"/>
-          <a:chOff x="0" y="0"/>
-          <a:chExt cx="0" cy="0"/>
-        </a:xfrm>
-      </p:grpSpPr>
-      <p:sp>
-        <p:nvSpPr>
-          <p:cNvPr id="2" name="Titel 1">
-            <a:extLst>
-              <a:ext uri="{FF2B5EF4-FFF2-40B4-BE49-F238E27FC236}">
-                <a16:creationId xmlns:a16="http://schemas.microsoft.com/office/drawing/2014/main" xmlns="" id="{8D647D3D-5911-044C-A0F8-18209E1F8A97}"/>
-              </a:ext>
-            </a:extLst>
-          </p:cNvPr>
-          <p:cNvSpPr>
-            <a:spLocks noGrp="1"/>
-          </p:cNvSpPr>
-          <p:nvPr>
-            <p:ph type="title"/>
-          </p:nvPr>
-        </p:nvSpPr>
-        <p:spPr/>
-        <p:txBody>
-          <a:bodyPr/>
-          <a:lstStyle/>
-          <a:p>
-            <a:r>
-              <a:rPr lang="nl-NL" dirty="0" smtClean="0"/>
-              <a:t>New features</a:t>
-            </a:r>
-            <a:endParaRPr lang="nl-NL" dirty="0"/>
-          </a:p>
-        </p:txBody>
-      </p:sp>
-      <p:sp>
-        <p:nvSpPr>
-          <p:cNvPr id="3" name="Tijdelijke aanduiding voor inhoud 2">
-            <a:extLst>
-              <a:ext uri="{FF2B5EF4-FFF2-40B4-BE49-F238E27FC236}">
-                <a16:creationId xmlns:a16="http://schemas.microsoft.com/office/drawing/2014/main" xmlns="" id="{37AE02E8-812B-DC46-91A8-9C2AF840CCFC}"/>
-              </a:ext>
-            </a:extLst>
-          </p:cNvPr>
-          <p:cNvSpPr>
-            <a:spLocks noGrp="1"/>
-          </p:cNvSpPr>
-          <p:nvPr>
-            <p:ph idx="1"/>
-          </p:nvPr>
-        </p:nvSpPr>
-        <p:spPr/>
-        <p:txBody>
-          <a:bodyPr/>
-          <a:lstStyle/>
-          <a:p>
-            <a:r>
-              <a:rPr lang="en-US" dirty="0"/>
-              <a:t>Mean of numeric property </a:t>
-            </a:r>
-            <a:r>
-              <a:rPr lang="en-US" dirty="0" smtClean="0"/>
-              <a:t>features</a:t>
-            </a:r>
-          </a:p>
-          <a:p>
-            <a:r>
-              <a:rPr lang="en-US" dirty="0"/>
-              <a:t>Clustering the mean numeric </a:t>
-            </a:r>
-            <a:r>
-              <a:rPr lang="en-US" dirty="0" smtClean="0"/>
-              <a:t>features</a:t>
-            </a:r>
-          </a:p>
-          <a:p>
-            <a:r>
-              <a:rPr lang="nl-NL" dirty="0" err="1" smtClean="0"/>
-              <a:t>Mean</a:t>
-            </a:r>
-            <a:r>
-              <a:rPr lang="nl-NL" dirty="0" smtClean="0"/>
-              <a:t> </a:t>
-            </a:r>
-            <a:r>
-              <a:rPr lang="nl-NL" dirty="0" err="1" smtClean="0"/>
-              <a:t>difference</a:t>
-            </a:r>
-            <a:r>
-              <a:rPr lang="nl-NL" dirty="0" smtClean="0"/>
-              <a:t> </a:t>
-            </a:r>
-            <a:r>
-              <a:rPr lang="nl-NL" dirty="0"/>
-              <a:t>in </a:t>
-            </a:r>
-            <a:r>
-              <a:rPr lang="nl-NL" dirty="0" err="1" smtClean="0"/>
-              <a:t>distance</a:t>
-            </a:r>
-            <a:r>
-              <a:rPr lang="nl-NL" dirty="0" smtClean="0"/>
-              <a:t> per search </a:t>
-            </a:r>
-            <a:r>
-              <a:rPr lang="nl-NL" dirty="0" err="1" smtClean="0"/>
-              <a:t>id</a:t>
-            </a:r>
-            <a:endParaRPr lang="nl-NL" dirty="0" smtClean="0"/>
-          </a:p>
-          <a:p>
-            <a:r>
-              <a:rPr lang="nl-NL" dirty="0" err="1" smtClean="0"/>
-              <a:t>Mean</a:t>
-            </a:r>
-            <a:r>
-              <a:rPr lang="nl-NL" dirty="0" smtClean="0"/>
-              <a:t> </a:t>
-            </a:r>
-            <a:r>
-              <a:rPr lang="nl-NL" dirty="0" err="1" smtClean="0"/>
-              <a:t>difference</a:t>
-            </a:r>
-            <a:r>
-              <a:rPr lang="nl-NL" dirty="0" smtClean="0"/>
-              <a:t> </a:t>
-            </a:r>
-            <a:r>
-              <a:rPr lang="nl-NL" dirty="0"/>
-              <a:t>in </a:t>
-            </a:r>
-            <a:r>
-              <a:rPr lang="nl-NL" dirty="0" err="1" smtClean="0"/>
-              <a:t>price</a:t>
-            </a:r>
-            <a:r>
-              <a:rPr lang="nl-NL" dirty="0" smtClean="0"/>
-              <a:t> </a:t>
-            </a:r>
-            <a:r>
-              <a:rPr lang="nl-NL" dirty="0"/>
-              <a:t>per search </a:t>
-            </a:r>
-            <a:r>
-              <a:rPr lang="nl-NL" dirty="0" err="1"/>
-              <a:t>id</a:t>
-            </a:r>
-            <a:endParaRPr lang="nl-NL" dirty="0" smtClean="0"/>
-          </a:p>
-          <a:p>
-            <a:r>
-              <a:rPr lang="en-US" dirty="0"/>
-              <a:t>Mean number of bookings for a property and property </a:t>
-            </a:r>
-            <a:r>
-              <a:rPr lang="en-US" dirty="0" smtClean="0"/>
-              <a:t>destination combination</a:t>
-            </a:r>
-          </a:p>
-          <a:p>
-            <a:endParaRPr lang="en-US" dirty="0"/>
-          </a:p>
-          <a:p>
-            <a:endParaRPr lang="nl-NL" dirty="0"/>
-          </a:p>
-        </p:txBody>
-      </p:sp>
-    </p:spTree>
-    <p:extLst>
-      <p:ext uri="{BB962C8B-B14F-4D97-AF65-F5344CB8AC3E}">
-        <p14:creationId xmlns:p14="http://schemas.microsoft.com/office/powerpoint/2010/main" val="2297846244"/>
-      </p:ext>
-    </p:extLst>
-  </p:cSld>
-  <p:clrMapOvr>
-    <a:masterClrMapping/>
-  </p:clrMapOvr>
-</p:sld>
-</file>
-
-<file path=ppt/slides/slide3.xml><?xml version="1.0" encoding="utf-8"?>
-<p:sld xmlns:a="http://schemas.openxmlformats.org/drawingml/2006/main" xmlns:r="http://schemas.openxmlformats.org/officeDocument/2006/relationships" xmlns:p="http://schemas.openxmlformats.org/presentationml/2006/main">
-  <p:cSld>
-    <p:spTree>
-      <p:nvGrpSpPr>
-        <p:cNvPr id="1" name=""/>
-        <p:cNvGrpSpPr/>
-        <p:nvPr/>
-      </p:nvGrpSpPr>
-      <p:grpSpPr>
-        <a:xfrm>
-          <a:off x="0" y="0"/>
-          <a:ext cx="0" cy="0"/>
-          <a:chOff x="0" y="0"/>
-          <a:chExt cx="0" cy="0"/>
-        </a:xfrm>
-      </p:grpSpPr>
-      <p:sp>
-        <p:nvSpPr>
-          <p:cNvPr id="2" name="Titel 1">
-            <a:extLst>
-              <a:ext uri="{FF2B5EF4-FFF2-40B4-BE49-F238E27FC236}">
-                <a16:creationId xmlns:a16="http://schemas.microsoft.com/office/drawing/2014/main" xmlns="" id="{8D647D3D-5911-044C-A0F8-18209E1F8A97}"/>
-              </a:ext>
-            </a:extLst>
-          </p:cNvPr>
-          <p:cNvSpPr>
-            <a:spLocks noGrp="1"/>
-          </p:cNvSpPr>
-          <p:nvPr>
-            <p:ph type="title"/>
-          </p:nvPr>
-        </p:nvSpPr>
-        <p:spPr/>
-        <p:txBody>
-          <a:bodyPr/>
-          <a:lstStyle/>
-          <a:p>
-            <a:r>
-              <a:rPr lang="nl-NL" dirty="0" err="1"/>
-              <a:t>XgBoost</a:t>
-            </a:r>
-            <a:r>
-              <a:rPr lang="nl-NL" dirty="0"/>
-              <a:t> </a:t>
-            </a:r>
-          </a:p>
-        </p:txBody>
-      </p:sp>
-      <p:sp>
-        <p:nvSpPr>
-          <p:cNvPr id="3" name="Tijdelijke aanduiding voor inhoud 2">
-            <a:extLst>
-              <a:ext uri="{FF2B5EF4-FFF2-40B4-BE49-F238E27FC236}">
-                <a16:creationId xmlns:a16="http://schemas.microsoft.com/office/drawing/2014/main" xmlns="" id="{37AE02E8-812B-DC46-91A8-9C2AF840CCFC}"/>
-              </a:ext>
-            </a:extLst>
-          </p:cNvPr>
-          <p:cNvSpPr>
-            <a:spLocks noGrp="1"/>
-          </p:cNvSpPr>
-          <p:nvPr>
-            <p:ph idx="1"/>
-          </p:nvPr>
-        </p:nvSpPr>
-        <p:spPr/>
-        <p:txBody>
-          <a:bodyPr/>
-          <a:lstStyle/>
-          <a:p>
-            <a:r>
-              <a:rPr lang="nl-NL" dirty="0"/>
-              <a:t>‘</a:t>
-            </a:r>
-            <a:r>
-              <a:rPr lang="nl-NL" dirty="0" err="1"/>
-              <a:t>eXtreme</a:t>
-            </a:r>
-            <a:r>
-              <a:rPr lang="nl-NL" dirty="0"/>
-              <a:t> </a:t>
-            </a:r>
-            <a:r>
-              <a:rPr lang="nl-NL" dirty="0" err="1"/>
-              <a:t>Gradient</a:t>
-            </a:r>
-            <a:r>
-              <a:rPr lang="nl-NL" dirty="0"/>
-              <a:t> </a:t>
-            </a:r>
-            <a:r>
-              <a:rPr lang="nl-NL" dirty="0" err="1"/>
-              <a:t>Boosting</a:t>
-            </a:r>
-            <a:r>
-              <a:rPr lang="nl-NL" dirty="0"/>
-              <a:t>’ </a:t>
-            </a:r>
-          </a:p>
-          <a:p>
-            <a:r>
-              <a:rPr lang="nl-NL" dirty="0"/>
-              <a:t>A parallel </a:t>
-            </a:r>
-            <a:r>
-              <a:rPr lang="nl-NL" dirty="0" err="1"/>
-              <a:t>implementation</a:t>
-            </a:r>
-            <a:r>
-              <a:rPr lang="nl-NL" dirty="0"/>
-              <a:t> of </a:t>
-            </a:r>
-            <a:r>
-              <a:rPr lang="nl-NL" dirty="0" err="1"/>
-              <a:t>Gradient</a:t>
-            </a:r>
-            <a:r>
-              <a:rPr lang="nl-NL" dirty="0"/>
-              <a:t> </a:t>
-            </a:r>
-            <a:r>
-              <a:rPr lang="nl-NL" dirty="0" err="1"/>
-              <a:t>Boosted</a:t>
-            </a:r>
-            <a:r>
-              <a:rPr lang="nl-NL" dirty="0"/>
-              <a:t> </a:t>
-            </a:r>
-            <a:r>
-              <a:rPr lang="nl-NL" dirty="0" err="1"/>
-              <a:t>Decision</a:t>
-            </a:r>
-            <a:r>
-              <a:rPr lang="nl-NL" dirty="0"/>
-              <a:t> Trees (GBDT)</a:t>
-            </a:r>
-          </a:p>
-          <a:p>
-            <a:pPr lvl="1"/>
-            <a:r>
-              <a:rPr lang="nl-NL" dirty="0"/>
-              <a:t>Speed &amp; performance</a:t>
-            </a:r>
-          </a:p>
-        </p:txBody>
-      </p:sp>
-    </p:spTree>
-    <p:extLst>
-      <p:ext uri="{BB962C8B-B14F-4D97-AF65-F5344CB8AC3E}">
-        <p14:creationId xmlns:p14="http://schemas.microsoft.com/office/powerpoint/2010/main" val="4047639685"/>
-      </p:ext>
-    </p:extLst>
-  </p:cSld>
-  <p:clrMapOvr>
-    <a:masterClrMapping/>
-  </p:clrMapOvr>
-</p:sld>
-</file>
-
-<file path=ppt/slides/slide4.xml><?xml version="1.0" encoding="utf-8"?>
-<p:sld xmlns:a="http://schemas.openxmlformats.org/drawingml/2006/main" xmlns:r="http://schemas.openxmlformats.org/officeDocument/2006/relationships" xmlns:p="http://schemas.openxmlformats.org/presentationml/2006/main">
-  <p:cSld>
-    <p:spTree>
-      <p:nvGrpSpPr>
-        <p:cNvPr id="1" name=""/>
-        <p:cNvGrpSpPr/>
-        <p:nvPr/>
-      </p:nvGrpSpPr>
-      <p:grpSpPr>
-        <a:xfrm>
-          <a:off x="0" y="0"/>
-          <a:ext cx="0" cy="0"/>
-          <a:chOff x="0" y="0"/>
-          <a:chExt cx="0" cy="0"/>
-        </a:xfrm>
-      </p:grpSpPr>
-      <p:sp>
-        <p:nvSpPr>
-          <p:cNvPr id="2" name="Titel 1">
-            <a:extLst>
-              <a:ext uri="{FF2B5EF4-FFF2-40B4-BE49-F238E27FC236}">
-                <a16:creationId xmlns:a16="http://schemas.microsoft.com/office/drawing/2014/main" xmlns="" id="{AED32179-1340-E346-BF96-06005B8CEA85}"/>
-              </a:ext>
-            </a:extLst>
-          </p:cNvPr>
-          <p:cNvSpPr>
-            <a:spLocks noGrp="1"/>
-          </p:cNvSpPr>
-          <p:nvPr>
-            <p:ph type="title"/>
-          </p:nvPr>
-        </p:nvSpPr>
-        <p:spPr/>
-        <p:txBody>
-          <a:bodyPr/>
-          <a:lstStyle/>
-          <a:p>
-            <a:r>
-              <a:rPr lang="nl-NL" dirty="0" err="1"/>
-              <a:t>Gradient</a:t>
-            </a:r>
-            <a:r>
-              <a:rPr lang="nl-NL" dirty="0"/>
-              <a:t> </a:t>
-            </a:r>
-            <a:r>
-              <a:rPr lang="nl-NL" dirty="0" err="1"/>
-              <a:t>Boosted</a:t>
-            </a:r>
-            <a:r>
-              <a:rPr lang="nl-NL" dirty="0"/>
-              <a:t> </a:t>
-            </a:r>
-            <a:r>
-              <a:rPr lang="nl-NL" dirty="0" err="1"/>
-              <a:t>Decision</a:t>
-            </a:r>
-            <a:r>
-              <a:rPr lang="nl-NL" dirty="0"/>
-              <a:t> Trees (GBDT)</a:t>
-            </a:r>
-          </a:p>
-        </p:txBody>
-      </p:sp>
-      <p:sp>
-        <p:nvSpPr>
-          <p:cNvPr id="3" name="Tijdelijke aanduiding voor inhoud 2">
-            <a:extLst>
-              <a:ext uri="{FF2B5EF4-FFF2-40B4-BE49-F238E27FC236}">
-                <a16:creationId xmlns:a16="http://schemas.microsoft.com/office/drawing/2014/main" xmlns="" id="{AFC386D7-B89F-AA46-9EB9-D072741A17D9}"/>
-              </a:ext>
-            </a:extLst>
-          </p:cNvPr>
-          <p:cNvSpPr>
-            <a:spLocks noGrp="1"/>
-          </p:cNvSpPr>
-          <p:nvPr>
-            <p:ph idx="1"/>
-          </p:nvPr>
-        </p:nvSpPr>
-        <p:spPr/>
-        <p:txBody>
-          <a:bodyPr/>
-          <a:lstStyle/>
-          <a:p>
-            <a:r>
-              <a:rPr lang="en-US" dirty="0"/>
-              <a:t>A technique which applies a framework called gradient boosting that uses regression trees as base learners. </a:t>
-            </a:r>
-            <a:endParaRPr lang="nl-NL" dirty="0"/>
-          </a:p>
-          <a:p>
-            <a:r>
-              <a:rPr lang="en-US" dirty="0"/>
-              <a:t>Starts with a naïve prediction and then iteratively fits regression trees on the residuals to obtain a linear combination of predictors. </a:t>
-            </a:r>
-            <a:endParaRPr lang="nl-NL" dirty="0"/>
-          </a:p>
-          <a:p>
-            <a:endParaRPr lang="nl-NL" dirty="0"/>
-          </a:p>
-        </p:txBody>
-      </p:sp>
-      <p:sp>
-        <p:nvSpPr>
-          <p:cNvPr id="6" name="Tijdelijke aanduiding voor dianummer 5">
-            <a:extLst>
-              <a:ext uri="{FF2B5EF4-FFF2-40B4-BE49-F238E27FC236}">
-                <a16:creationId xmlns:a16="http://schemas.microsoft.com/office/drawing/2014/main" xmlns="" id="{946AF0B5-917C-2442-831C-CF565A4EDE6E}"/>
-              </a:ext>
-            </a:extLst>
-          </p:cNvPr>
-          <p:cNvSpPr>
-            <a:spLocks noGrp="1"/>
-          </p:cNvSpPr>
-          <p:nvPr>
-            <p:ph type="sldNum" sz="quarter" idx="12"/>
-          </p:nvPr>
-        </p:nvSpPr>
-        <p:spPr/>
-        <p:txBody>
-          <a:bodyPr/>
-          <a:lstStyle/>
-          <a:p>
-            <a:fld id="{FF272617-377D-CE4E-A6E4-D70B0BC3804C}" type="slidenum">
-              <a:rPr lang="nl-NL" smtClean="0"/>
-              <a:t>4</a:t>
-            </a:fld>
-            <a:endParaRPr lang="nl-NL"/>
-          </a:p>
-        </p:txBody>
-      </p:sp>
-    </p:spTree>
-    <p:extLst>
-      <p:ext uri="{BB962C8B-B14F-4D97-AF65-F5344CB8AC3E}">
-        <p14:creationId xmlns:p14="http://schemas.microsoft.com/office/powerpoint/2010/main" val="1461903479"/>
-      </p:ext>
-    </p:extLst>
-  </p:cSld>
-  <p:clrMapOvr>
-    <a:masterClrMapping/>
-  </p:clrMapOvr>
-</p:sld>
-</file>
-
-<file path=ppt/slides/slide5.xml><?xml version="1.0" encoding="utf-8"?>
-<p:sld xmlns:a="http://schemas.openxmlformats.org/drawingml/2006/main" xmlns:r="http://schemas.openxmlformats.org/officeDocument/2006/relationships" xmlns:p="http://schemas.openxmlformats.org/presentationml/2006/main">
-  <p:cSld>
-    <p:spTree>
-      <p:nvGrpSpPr>
-        <p:cNvPr id="1" name=""/>
-        <p:cNvGrpSpPr/>
-        <p:nvPr/>
-      </p:nvGrpSpPr>
-      <p:grpSpPr>
-        <a:xfrm>
-          <a:off x="0" y="0"/>
-          <a:ext cx="0" cy="0"/>
-          <a:chOff x="0" y="0"/>
-          <a:chExt cx="0" cy="0"/>
-        </a:xfrm>
-      </p:grpSpPr>
-      <p:sp>
-        <p:nvSpPr>
-          <p:cNvPr id="2" name="Titel 1">
-            <a:extLst>
-              <a:ext uri="{FF2B5EF4-FFF2-40B4-BE49-F238E27FC236}">
-                <a16:creationId xmlns:a16="http://schemas.microsoft.com/office/drawing/2014/main" xmlns="" id="{1542751B-E125-EC4D-914C-28CB73786A81}"/>
-              </a:ext>
-            </a:extLst>
-          </p:cNvPr>
-          <p:cNvSpPr>
-            <a:spLocks noGrp="1"/>
-          </p:cNvSpPr>
-          <p:nvPr>
-            <p:ph type="title"/>
-          </p:nvPr>
-        </p:nvSpPr>
-        <p:spPr/>
-        <p:txBody>
-          <a:bodyPr/>
-          <a:lstStyle/>
-          <a:p>
-            <a:r>
-              <a:rPr lang="nl-NL" dirty="0" err="1"/>
-              <a:t>Final</a:t>
-            </a:r>
-            <a:r>
-              <a:rPr lang="nl-NL" dirty="0"/>
-              <a:t> </a:t>
-            </a:r>
-            <a:r>
-              <a:rPr lang="nl-NL" dirty="0" err="1"/>
-              <a:t>framework</a:t>
-            </a:r>
-            <a:r>
-              <a:rPr lang="nl-NL" dirty="0"/>
-              <a:t> </a:t>
-            </a:r>
-            <a:r>
-              <a:rPr lang="nl-NL" dirty="0" err="1"/>
-              <a:t>used</a:t>
-            </a:r>
-            <a:endParaRPr lang="nl-NL" dirty="0"/>
-          </a:p>
-        </p:txBody>
-      </p:sp>
-      <p:pic>
-        <p:nvPicPr>
-          <p:cNvPr id="5" name="Tijdelijke aanduiding voor inhoud 4" descr="Hoofd met radertjes">
-            <a:extLst>
-              <a:ext uri="{FF2B5EF4-FFF2-40B4-BE49-F238E27FC236}">
-                <a16:creationId xmlns:a16="http://schemas.microsoft.com/office/drawing/2014/main" xmlns="" id="{14059995-B822-2E48-9567-307A78FC7AC2}"/>
-              </a:ext>
-            </a:extLst>
-          </p:cNvPr>
-          <p:cNvPicPr>
-            <a:picLocks noGrp="1" noChangeAspect="1"/>
-          </p:cNvPicPr>
-          <p:nvPr>
-            <p:ph idx="1"/>
-          </p:nvPr>
-        </p:nvPicPr>
-        <p:blipFill>
-          <a:blip r:embed="rId3">
-            <a:extLst>
-              <a:ext uri="{96DAC541-7B7A-43D3-8B79-37D633B846F1}">
-                <asvg:svgBlip xmlns:asvg="http://schemas.microsoft.com/office/drawing/2016/SVG/main" xmlns="" r:embed="rId4"/>
-              </a:ext>
-            </a:extLst>
-          </a:blip>
-          <a:stretch>
-            <a:fillRect/>
-          </a:stretch>
-        </p:blipFill>
-        <p:spPr>
-          <a:xfrm>
-            <a:off x="1768929" y="2203686"/>
-            <a:ext cx="914400" cy="914400"/>
-          </a:xfrm>
-        </p:spPr>
-      </p:pic>
-      <p:pic>
-        <p:nvPicPr>
-          <p:cNvPr id="6" name="Tijdelijke aanduiding voor inhoud 4" descr="Hoofd met radertjes">
-            <a:extLst>
-              <a:ext uri="{FF2B5EF4-FFF2-40B4-BE49-F238E27FC236}">
-                <a16:creationId xmlns:a16="http://schemas.microsoft.com/office/drawing/2014/main" xmlns="" id="{4F8EACE5-8557-C24A-BAB5-A6E756377B0D}"/>
-              </a:ext>
-            </a:extLst>
-          </p:cNvPr>
-          <p:cNvPicPr>
-            <a:picLocks noChangeAspect="1"/>
-          </p:cNvPicPr>
-          <p:nvPr/>
-        </p:nvPicPr>
-        <p:blipFill>
-          <a:blip r:embed="rId3">
-            <a:extLst>
-              <a:ext uri="{96DAC541-7B7A-43D3-8B79-37D633B846F1}">
-                <asvg:svgBlip xmlns:asvg="http://schemas.microsoft.com/office/drawing/2016/SVG/main" xmlns="" r:embed="rId4"/>
-              </a:ext>
-            </a:extLst>
-          </a:blip>
-          <a:stretch>
-            <a:fillRect/>
-          </a:stretch>
-        </p:blipFill>
-        <p:spPr>
-          <a:xfrm>
-            <a:off x="1768929" y="3617743"/>
-            <a:ext cx="914400" cy="914400"/>
-          </a:xfrm>
-          <a:prstGeom prst="rect">
-            <a:avLst/>
-          </a:prstGeom>
-        </p:spPr>
-      </p:pic>
-      <p:cxnSp>
-        <p:nvCxnSpPr>
-          <p:cNvPr id="8" name="Rechte verbindingslijn met pijl 7">
-            <a:extLst>
-              <a:ext uri="{FF2B5EF4-FFF2-40B4-BE49-F238E27FC236}">
-                <a16:creationId xmlns:a16="http://schemas.microsoft.com/office/drawing/2014/main" xmlns="" id="{69C39090-AB20-BC44-A751-16C29C655B51}"/>
-              </a:ext>
-            </a:extLst>
-          </p:cNvPr>
-          <p:cNvCxnSpPr>
-            <a:cxnSpLocks/>
-          </p:cNvCxnSpPr>
-          <p:nvPr/>
-        </p:nvCxnSpPr>
-        <p:spPr>
-          <a:xfrm>
-            <a:off x="3037114" y="2660886"/>
-            <a:ext cx="1028700" cy="0"/>
-          </a:xfrm>
-          <a:prstGeom prst="straightConnector1">
-            <a:avLst/>
-          </a:prstGeom>
-          <a:ln w="41275">
-            <a:tailEnd type="triangle"/>
-          </a:ln>
-        </p:spPr>
-        <p:style>
-          <a:lnRef idx="1">
-            <a:schemeClr val="accent1"/>
-          </a:lnRef>
-          <a:fillRef idx="0">
-            <a:schemeClr val="accent1"/>
-          </a:fillRef>
-          <a:effectRef idx="0">
-            <a:schemeClr val="accent1"/>
-          </a:effectRef>
-          <a:fontRef idx="minor">
-            <a:schemeClr val="tx1"/>
-          </a:fontRef>
-        </p:style>
-      </p:cxnSp>
-      <p:sp>
-        <p:nvSpPr>
-          <p:cNvPr id="10" name="Tekstvak 9">
-            <a:extLst>
-              <a:ext uri="{FF2B5EF4-FFF2-40B4-BE49-F238E27FC236}">
-                <a16:creationId xmlns:a16="http://schemas.microsoft.com/office/drawing/2014/main" xmlns="" id="{9291CF3E-41E4-8844-994C-972A1362DBFE}"/>
-              </a:ext>
-            </a:extLst>
-          </p:cNvPr>
-          <p:cNvSpPr txBox="1"/>
-          <p:nvPr/>
-        </p:nvSpPr>
-        <p:spPr>
-          <a:xfrm>
-            <a:off x="4637313" y="2471755"/>
-            <a:ext cx="2106387" cy="369332"/>
-          </a:xfrm>
-          <a:prstGeom prst="rect">
-            <a:avLst/>
-          </a:prstGeom>
-          <a:noFill/>
-        </p:spPr>
-        <p:txBody>
-          <a:bodyPr wrap="square" rtlCol="0">
-            <a:spAutoFit/>
-          </a:bodyPr>
-          <a:lstStyle/>
-          <a:p>
-            <a:r>
-              <a:rPr lang="nl-NL" dirty="0"/>
-              <a:t>Value </a:t>
-            </a:r>
-            <a:r>
-              <a:rPr lang="nl-NL" dirty="0" err="1"/>
-              <a:t>clicking</a:t>
-            </a:r>
-            <a:r>
-              <a:rPr lang="nl-NL" dirty="0"/>
-              <a:t> </a:t>
-            </a:r>
-            <a:r>
-              <a:rPr lang="nl-NL" dirty="0" err="1"/>
-              <a:t>bool</a:t>
-            </a:r>
-            <a:endParaRPr lang="nl-NL" dirty="0"/>
-          </a:p>
-        </p:txBody>
-      </p:sp>
-      <p:sp>
-        <p:nvSpPr>
-          <p:cNvPr id="11" name="Tekstvak 10">
-            <a:extLst>
-              <a:ext uri="{FF2B5EF4-FFF2-40B4-BE49-F238E27FC236}">
-                <a16:creationId xmlns:a16="http://schemas.microsoft.com/office/drawing/2014/main" xmlns="" id="{707E2C16-3DDE-A640-9597-80C025DF0B69}"/>
-              </a:ext>
-            </a:extLst>
-          </p:cNvPr>
-          <p:cNvSpPr txBox="1"/>
-          <p:nvPr/>
-        </p:nvSpPr>
-        <p:spPr>
-          <a:xfrm>
-            <a:off x="4637313" y="3890277"/>
-            <a:ext cx="2106386" cy="369332"/>
-          </a:xfrm>
-          <a:prstGeom prst="rect">
-            <a:avLst/>
-          </a:prstGeom>
-          <a:noFill/>
-        </p:spPr>
-        <p:txBody>
-          <a:bodyPr wrap="square" rtlCol="0">
-            <a:spAutoFit/>
-          </a:bodyPr>
-          <a:lstStyle/>
-          <a:p>
-            <a:r>
-              <a:rPr lang="nl-NL" dirty="0"/>
-              <a:t>Value </a:t>
-            </a:r>
-            <a:r>
-              <a:rPr lang="nl-NL" dirty="0" err="1"/>
-              <a:t>booking</a:t>
-            </a:r>
-            <a:r>
-              <a:rPr lang="nl-NL" dirty="0"/>
-              <a:t> </a:t>
-            </a:r>
-            <a:r>
-              <a:rPr lang="nl-NL" dirty="0" err="1"/>
-              <a:t>bool</a:t>
-            </a:r>
-            <a:endParaRPr lang="nl-NL" dirty="0"/>
-          </a:p>
-        </p:txBody>
-      </p:sp>
-      <p:cxnSp>
-        <p:nvCxnSpPr>
-          <p:cNvPr id="12" name="Rechte verbindingslijn met pijl 11">
-            <a:extLst>
-              <a:ext uri="{FF2B5EF4-FFF2-40B4-BE49-F238E27FC236}">
-                <a16:creationId xmlns:a16="http://schemas.microsoft.com/office/drawing/2014/main" xmlns="" id="{D8D26760-BCC8-054E-B662-BF01FAE46545}"/>
-              </a:ext>
-            </a:extLst>
-          </p:cNvPr>
-          <p:cNvCxnSpPr>
-            <a:cxnSpLocks/>
-          </p:cNvCxnSpPr>
-          <p:nvPr/>
-        </p:nvCxnSpPr>
-        <p:spPr>
-          <a:xfrm>
-            <a:off x="3037114" y="4074943"/>
-            <a:ext cx="1028700" cy="0"/>
-          </a:xfrm>
-          <a:prstGeom prst="straightConnector1">
-            <a:avLst/>
-          </a:prstGeom>
-          <a:ln w="41275">
-            <a:tailEnd type="triangle"/>
-          </a:ln>
-        </p:spPr>
-        <p:style>
-          <a:lnRef idx="1">
-            <a:schemeClr val="accent1"/>
-          </a:lnRef>
-          <a:fillRef idx="0">
-            <a:schemeClr val="accent1"/>
-          </a:fillRef>
-          <a:effectRef idx="0">
-            <a:schemeClr val="accent1"/>
-          </a:effectRef>
-          <a:fontRef idx="minor">
-            <a:schemeClr val="tx1"/>
-          </a:fontRef>
-        </p:style>
-      </p:cxnSp>
-      <p:sp>
-        <p:nvSpPr>
-          <p:cNvPr id="13" name="Tekstvak 12">
-            <a:extLst>
-              <a:ext uri="{FF2B5EF4-FFF2-40B4-BE49-F238E27FC236}">
-                <a16:creationId xmlns:a16="http://schemas.microsoft.com/office/drawing/2014/main" xmlns="" id="{BBF84C38-68E7-C645-B427-8C05AEEE9235}"/>
-              </a:ext>
-            </a:extLst>
-          </p:cNvPr>
-          <p:cNvSpPr txBox="1"/>
-          <p:nvPr/>
-        </p:nvSpPr>
-        <p:spPr>
-          <a:xfrm>
-            <a:off x="4637313" y="4939467"/>
-            <a:ext cx="2106386" cy="369332"/>
-          </a:xfrm>
-          <a:prstGeom prst="rect">
-            <a:avLst/>
-          </a:prstGeom>
-          <a:noFill/>
-        </p:spPr>
-        <p:txBody>
-          <a:bodyPr wrap="square" rtlCol="0">
-            <a:spAutoFit/>
-          </a:bodyPr>
-          <a:lstStyle/>
-          <a:p>
-            <a:r>
-              <a:rPr lang="nl-NL" dirty="0" err="1"/>
-              <a:t>Sum</a:t>
-            </a:r>
-            <a:r>
-              <a:rPr lang="nl-NL" dirty="0"/>
-              <a:t> </a:t>
-            </a:r>
-            <a:r>
-              <a:rPr lang="nl-NL" dirty="0" err="1"/>
-              <a:t>value</a:t>
-            </a:r>
-            <a:endParaRPr lang="nl-NL" dirty="0"/>
-          </a:p>
-        </p:txBody>
-      </p:sp>
-      <p:cxnSp>
-        <p:nvCxnSpPr>
-          <p:cNvPr id="15" name="Rechte verbindingslijn 14">
-            <a:extLst>
-              <a:ext uri="{FF2B5EF4-FFF2-40B4-BE49-F238E27FC236}">
-                <a16:creationId xmlns:a16="http://schemas.microsoft.com/office/drawing/2014/main" xmlns="" id="{D79DD7CB-3662-B740-832D-CDFBB274351A}"/>
-              </a:ext>
-            </a:extLst>
-          </p:cNvPr>
-          <p:cNvCxnSpPr/>
-          <p:nvPr/>
-        </p:nvCxnSpPr>
-        <p:spPr>
-          <a:xfrm>
-            <a:off x="4637313" y="4532143"/>
-            <a:ext cx="2808516" cy="0"/>
-          </a:xfrm>
-          <a:prstGeom prst="line">
-            <a:avLst/>
-          </a:prstGeom>
-        </p:spPr>
-        <p:style>
-          <a:lnRef idx="1">
-            <a:schemeClr val="accent1"/>
-          </a:lnRef>
-          <a:fillRef idx="0">
-            <a:schemeClr val="accent1"/>
-          </a:fillRef>
-          <a:effectRef idx="0">
-            <a:schemeClr val="accent1"/>
-          </a:effectRef>
-          <a:fontRef idx="minor">
-            <a:schemeClr val="tx1"/>
-          </a:fontRef>
-        </p:style>
-      </p:cxnSp>
-      <p:sp>
-        <p:nvSpPr>
-          <p:cNvPr id="16" name="Plus 15">
-            <a:extLst>
-              <a:ext uri="{FF2B5EF4-FFF2-40B4-BE49-F238E27FC236}">
-                <a16:creationId xmlns:a16="http://schemas.microsoft.com/office/drawing/2014/main" xmlns="" id="{B490C7BE-DA89-BD48-858F-CE86658049B7}"/>
-              </a:ext>
-            </a:extLst>
-          </p:cNvPr>
-          <p:cNvSpPr/>
-          <p:nvPr/>
-        </p:nvSpPr>
-        <p:spPr>
-          <a:xfrm>
-            <a:off x="7151912" y="4190025"/>
-            <a:ext cx="261258" cy="301114"/>
-          </a:xfrm>
-          <a:prstGeom prst="mathPlus">
-            <a:avLst/>
-          </a:prstGeom>
-        </p:spPr>
-        <p:style>
-          <a:lnRef idx="2">
-            <a:schemeClr val="accent1">
-              <a:shade val="50000"/>
-            </a:schemeClr>
-          </a:lnRef>
-          <a:fillRef idx="1">
-            <a:schemeClr val="accent1"/>
-          </a:fillRef>
-          <a:effectRef idx="0">
-            <a:schemeClr val="accent1"/>
-          </a:effectRef>
-          <a:fontRef idx="minor">
-            <a:schemeClr val="lt1"/>
-          </a:fontRef>
-        </p:style>
-        <p:txBody>
-          <a:bodyPr rtlCol="0" anchor="ctr"/>
-          <a:lstStyle/>
-          <a:p>
-            <a:pPr algn="ctr"/>
-            <a:endParaRPr lang="nl-NL"/>
-          </a:p>
-        </p:txBody>
-      </p:sp>
-    </p:spTree>
-    <p:extLst>
-      <p:ext uri="{BB962C8B-B14F-4D97-AF65-F5344CB8AC3E}">
-        <p14:creationId xmlns:p14="http://schemas.microsoft.com/office/powerpoint/2010/main" val="3120687835"/>
-      </p:ext>
-    </p:extLst>
-  </p:cSld>
-  <p:clrMapOvr>
-    <a:masterClrMapping/>
-  </p:clrMapOvr>
-</p:sld>
-</file>
-
-<file path=ppt/slides/slide6.xml><?xml version="1.0" encoding="utf-8"?>
+<file path=ppt/slides/slide10.xml><?xml version="1.0" encoding="utf-8"?>
 <p:sld xmlns:a="http://schemas.openxmlformats.org/drawingml/2006/main" xmlns:r="http://schemas.openxmlformats.org/officeDocument/2006/relationships" xmlns:p="http://schemas.openxmlformats.org/presentationml/2006/main">
   <p:cSld>
     <p:bg>
@@ -6908,10 +6343,10 @@
           <p:cNvPr id="9" name="Rectangle 8">
             <a:extLst>
               <a:ext uri="{FF2B5EF4-FFF2-40B4-BE49-F238E27FC236}">
-                <a16:creationId xmlns:a16="http://schemas.microsoft.com/office/drawing/2014/main" xmlns="" id="{B558F58E-93BA-44A3-BCDA-585AFF2E4F3F}"/>
+                <a16:creationId xmlns:a16="http://schemas.microsoft.com/office/drawing/2014/main" id="{B558F58E-93BA-44A3-BCDA-585AFF2E4F3F}"/>
               </a:ext>
               <a:ext uri="{C183D7F6-B498-43B3-948B-1728B52AA6E4}">
-                <adec:decorative xmlns:adec="http://schemas.microsoft.com/office/drawing/2017/decorative" xmlns="" val="1"/>
+                <adec:decorative xmlns:adec="http://schemas.microsoft.com/office/drawing/2017/decorative" val="1"/>
               </a:ext>
             </a:extLst>
           </p:cNvPr>
@@ -6921,7 +6356,7 @@
           <p:nvPr>
             <p:extLst>
               <p:ext uri="{386F3935-93C4-4BCD-93E2-E3B085C9AB24}">
-                <p16:designElem xmlns:p16="http://schemas.microsoft.com/office/powerpoint/2015/main" xmlns="" val="1"/>
+                <p16:designElem xmlns:p16="http://schemas.microsoft.com/office/powerpoint/2015/main" val="1"/>
               </p:ext>
             </p:extLst>
           </p:nvPr>
@@ -6968,7 +6403,7 @@
           <p:cNvPr id="2" name="Titel 1">
             <a:extLst>
               <a:ext uri="{FF2B5EF4-FFF2-40B4-BE49-F238E27FC236}">
-                <a16:creationId xmlns:a16="http://schemas.microsoft.com/office/drawing/2014/main" xmlns="" id="{AF83AF20-3C85-4849-AB1D-DECC5513820D}"/>
+                <a16:creationId xmlns:a16="http://schemas.microsoft.com/office/drawing/2014/main" id="{AF83AF20-3C85-4849-AB1D-DECC5513820D}"/>
               </a:ext>
             </a:extLst>
           </p:cNvPr>
@@ -7003,10 +6438,10 @@
           <p:cNvPr id="11" name="Straight Arrow Connector 10">
             <a:extLst>
               <a:ext uri="{FF2B5EF4-FFF2-40B4-BE49-F238E27FC236}">
-                <a16:creationId xmlns:a16="http://schemas.microsoft.com/office/drawing/2014/main" xmlns="" id="{BCD0BBC1-A7D4-445D-98AC-95A6A45D8EBB}"/>
+                <a16:creationId xmlns:a16="http://schemas.microsoft.com/office/drawing/2014/main" id="{BCD0BBC1-A7D4-445D-98AC-95A6A45D8EBB}"/>
               </a:ext>
               <a:ext uri="{C183D7F6-B498-43B3-948B-1728B52AA6E4}">
-                <adec:decorative xmlns:adec="http://schemas.microsoft.com/office/drawing/2017/decorative" xmlns="" val="1"/>
+                <adec:decorative xmlns:adec="http://schemas.microsoft.com/office/drawing/2017/decorative" val="1"/>
               </a:ext>
             </a:extLst>
           </p:cNvPr>
@@ -7016,7 +6451,7 @@
           <p:nvPr>
             <p:extLst>
               <p:ext uri="{386F3935-93C4-4BCD-93E2-E3B085C9AB24}">
-                <p16:designElem xmlns:p16="http://schemas.microsoft.com/office/powerpoint/2015/main" xmlns="" val="1"/>
+                <p16:designElem xmlns:p16="http://schemas.microsoft.com/office/powerpoint/2015/main" val="1"/>
               </p:ext>
             </p:extLst>
           </p:nvPr>
@@ -7056,7 +6491,7 @@
           <p:cNvPr id="4" name="Afbeelding 3" descr="Question Mark Help · Free image on Pixabay">
             <a:extLst>
               <a:ext uri="{FF2B5EF4-FFF2-40B4-BE49-F238E27FC236}">
-                <a16:creationId xmlns:a16="http://schemas.microsoft.com/office/drawing/2014/main" xmlns="" id="{548F0DFA-8975-EB49-BA8B-A0DA78F4BC54}"/>
+                <a16:creationId xmlns:a16="http://schemas.microsoft.com/office/drawing/2014/main" id="{548F0DFA-8975-EB49-BA8B-A0DA78F4BC54}"/>
               </a:ext>
             </a:extLst>
           </p:cNvPr>
@@ -7069,7 +6504,7 @@
           <a:blip r:embed="rId2">
             <a:extLst>
               <a:ext uri="{837473B0-CC2E-450A-ABE3-18F120FF3D39}">
-                <a1611:picAttrSrcUrl xmlns:a1611="http://schemas.microsoft.com/office/drawing/2016/11/main" xmlns="" r:id="rId3"/>
+                <a1611:picAttrSrcUrl xmlns:a1611="http://schemas.microsoft.com/office/drawing/2016/11/main" r:id="rId3"/>
               </a:ext>
             </a:extLst>
           </a:blip>
@@ -7161,6 +6596,1354 @@
     <p:extLst>
       <p:ext uri="{BB962C8B-B14F-4D97-AF65-F5344CB8AC3E}">
         <p14:creationId xmlns:p14="http://schemas.microsoft.com/office/powerpoint/2010/main" val="733493081"/>
+      </p:ext>
+    </p:extLst>
+  </p:cSld>
+  <p:clrMapOvr>
+    <a:masterClrMapping/>
+  </p:clrMapOvr>
+</p:sld>
+</file>
+
+<file path=ppt/slides/slide2.xml><?xml version="1.0" encoding="utf-8"?>
+<p:sld xmlns:a="http://schemas.openxmlformats.org/drawingml/2006/main" xmlns:r="http://schemas.openxmlformats.org/officeDocument/2006/relationships" xmlns:p="http://schemas.openxmlformats.org/presentationml/2006/main">
+  <p:cSld>
+    <p:spTree>
+      <p:nvGrpSpPr>
+        <p:cNvPr id="1" name=""/>
+        <p:cNvGrpSpPr/>
+        <p:nvPr/>
+      </p:nvGrpSpPr>
+      <p:grpSpPr>
+        <a:xfrm>
+          <a:off x="0" y="0"/>
+          <a:ext cx="0" cy="0"/>
+          <a:chOff x="0" y="0"/>
+          <a:chExt cx="0" cy="0"/>
+        </a:xfrm>
+      </p:grpSpPr>
+      <p:sp>
+        <p:nvSpPr>
+          <p:cNvPr id="2" name="Titel 1">
+            <a:extLst>
+              <a:ext uri="{FF2B5EF4-FFF2-40B4-BE49-F238E27FC236}">
+                <a16:creationId xmlns:a16="http://schemas.microsoft.com/office/drawing/2014/main" id="{8D647D3D-5911-044C-A0F8-18209E1F8A97}"/>
+              </a:ext>
+            </a:extLst>
+          </p:cNvPr>
+          <p:cNvSpPr>
+            <a:spLocks noGrp="1"/>
+          </p:cNvSpPr>
+          <p:nvPr>
+            <p:ph type="title"/>
+          </p:nvPr>
+        </p:nvSpPr>
+        <p:spPr/>
+        <p:txBody>
+          <a:bodyPr/>
+          <a:lstStyle/>
+          <a:p>
+            <a:r>
+              <a:rPr lang="nl-NL" dirty="0" err="1"/>
+              <a:t>Introduction</a:t>
+            </a:r>
+            <a:endParaRPr lang="nl-NL" dirty="0"/>
+          </a:p>
+        </p:txBody>
+      </p:sp>
+      <p:sp>
+        <p:nvSpPr>
+          <p:cNvPr id="3" name="Tijdelijke aanduiding voor inhoud 2">
+            <a:extLst>
+              <a:ext uri="{FF2B5EF4-FFF2-40B4-BE49-F238E27FC236}">
+                <a16:creationId xmlns:a16="http://schemas.microsoft.com/office/drawing/2014/main" id="{37AE02E8-812B-DC46-91A8-9C2AF840CCFC}"/>
+              </a:ext>
+            </a:extLst>
+          </p:cNvPr>
+          <p:cNvSpPr>
+            <a:spLocks noGrp="1"/>
+          </p:cNvSpPr>
+          <p:nvPr>
+            <p:ph idx="1"/>
+          </p:nvPr>
+        </p:nvSpPr>
+        <p:spPr/>
+        <p:txBody>
+          <a:bodyPr>
+            <a:normAutofit/>
+          </a:bodyPr>
+          <a:lstStyle/>
+          <a:p>
+            <a:r>
+              <a:rPr lang="en-GB" dirty="0"/>
+              <a:t>Travel booking website Expedia</a:t>
+            </a:r>
+          </a:p>
+          <a:p>
+            <a:r>
+              <a:rPr lang="en-GB" dirty="0"/>
+              <a:t>Recommender system for hotel reservations</a:t>
+            </a:r>
+          </a:p>
+          <a:p>
+            <a:r>
+              <a:rPr lang="en-GB" dirty="0"/>
+              <a:t>Based on the data of Expedia</a:t>
+            </a:r>
+            <a:endParaRPr lang="en-US" dirty="0"/>
+          </a:p>
+          <a:p>
+            <a:endParaRPr lang="nl-NL" dirty="0"/>
+          </a:p>
+        </p:txBody>
+      </p:sp>
+    </p:spTree>
+    <p:extLst>
+      <p:ext uri="{BB962C8B-B14F-4D97-AF65-F5344CB8AC3E}">
+        <p14:creationId xmlns:p14="http://schemas.microsoft.com/office/powerpoint/2010/main" val="2297846244"/>
+      </p:ext>
+    </p:extLst>
+  </p:cSld>
+  <p:clrMapOvr>
+    <a:masterClrMapping/>
+  </p:clrMapOvr>
+</p:sld>
+</file>
+
+<file path=ppt/slides/slide3.xml><?xml version="1.0" encoding="utf-8"?>
+<p:sld xmlns:a="http://schemas.openxmlformats.org/drawingml/2006/main" xmlns:r="http://schemas.openxmlformats.org/officeDocument/2006/relationships" xmlns:p="http://schemas.openxmlformats.org/presentationml/2006/main">
+  <p:cSld>
+    <p:spTree>
+      <p:nvGrpSpPr>
+        <p:cNvPr id="1" name=""/>
+        <p:cNvGrpSpPr/>
+        <p:nvPr/>
+      </p:nvGrpSpPr>
+      <p:grpSpPr>
+        <a:xfrm>
+          <a:off x="0" y="0"/>
+          <a:ext cx="0" cy="0"/>
+          <a:chOff x="0" y="0"/>
+          <a:chExt cx="0" cy="0"/>
+        </a:xfrm>
+      </p:grpSpPr>
+      <p:sp>
+        <p:nvSpPr>
+          <p:cNvPr id="2" name="Titel 1">
+            <a:extLst>
+              <a:ext uri="{FF2B5EF4-FFF2-40B4-BE49-F238E27FC236}">
+                <a16:creationId xmlns:a16="http://schemas.microsoft.com/office/drawing/2014/main" id="{8D647D3D-5911-044C-A0F8-18209E1F8A97}"/>
+              </a:ext>
+            </a:extLst>
+          </p:cNvPr>
+          <p:cNvSpPr>
+            <a:spLocks noGrp="1"/>
+          </p:cNvSpPr>
+          <p:nvPr>
+            <p:ph type="title"/>
+          </p:nvPr>
+        </p:nvSpPr>
+        <p:spPr/>
+        <p:txBody>
+          <a:bodyPr/>
+          <a:lstStyle/>
+          <a:p>
+            <a:r>
+              <a:rPr lang="nl-NL" dirty="0"/>
+              <a:t>Data analysis</a:t>
+            </a:r>
+          </a:p>
+        </p:txBody>
+      </p:sp>
+      <p:pic>
+        <p:nvPicPr>
+          <p:cNvPr id="5" name="Content Placeholder 4">
+            <a:extLst>
+              <a:ext uri="{FF2B5EF4-FFF2-40B4-BE49-F238E27FC236}">
+                <a16:creationId xmlns:a16="http://schemas.microsoft.com/office/drawing/2014/main" id="{410947A5-4299-490E-B3B5-390611B2CAFB}"/>
+              </a:ext>
+            </a:extLst>
+          </p:cNvPr>
+          <p:cNvPicPr>
+            <a:picLocks noGrp="1" noChangeAspect="1"/>
+          </p:cNvPicPr>
+          <p:nvPr>
+            <p:ph idx="1"/>
+          </p:nvPr>
+        </p:nvPicPr>
+        <p:blipFill>
+          <a:blip r:embed="rId3"/>
+          <a:stretch>
+            <a:fillRect/>
+          </a:stretch>
+        </p:blipFill>
+        <p:spPr>
+          <a:xfrm>
+            <a:off x="6631699" y="1690688"/>
+            <a:ext cx="4867316" cy="3484816"/>
+          </a:xfrm>
+        </p:spPr>
+      </p:pic>
+      <p:pic>
+        <p:nvPicPr>
+          <p:cNvPr id="7" name="Picture 6">
+            <a:extLst>
+              <a:ext uri="{FF2B5EF4-FFF2-40B4-BE49-F238E27FC236}">
+                <a16:creationId xmlns:a16="http://schemas.microsoft.com/office/drawing/2014/main" id="{A4CD1991-0C1E-4D00-810E-66C97C10EE66}"/>
+              </a:ext>
+            </a:extLst>
+          </p:cNvPr>
+          <p:cNvPicPr>
+            <a:picLocks noChangeAspect="1"/>
+          </p:cNvPicPr>
+          <p:nvPr/>
+        </p:nvPicPr>
+        <p:blipFill>
+          <a:blip r:embed="rId4"/>
+          <a:stretch>
+            <a:fillRect/>
+          </a:stretch>
+        </p:blipFill>
+        <p:spPr>
+          <a:xfrm>
+            <a:off x="1230855" y="1692243"/>
+            <a:ext cx="4865145" cy="3483261"/>
+          </a:xfrm>
+          <a:prstGeom prst="rect">
+            <a:avLst/>
+          </a:prstGeom>
+        </p:spPr>
+      </p:pic>
+    </p:spTree>
+    <p:extLst>
+      <p:ext uri="{BB962C8B-B14F-4D97-AF65-F5344CB8AC3E}">
+        <p14:creationId xmlns:p14="http://schemas.microsoft.com/office/powerpoint/2010/main" val="3226846953"/>
+      </p:ext>
+    </p:extLst>
+  </p:cSld>
+  <p:clrMapOvr>
+    <a:masterClrMapping/>
+  </p:clrMapOvr>
+</p:sld>
+</file>
+
+<file path=ppt/slides/slide4.xml><?xml version="1.0" encoding="utf-8"?>
+<p:sld xmlns:a="http://schemas.openxmlformats.org/drawingml/2006/main" xmlns:r="http://schemas.openxmlformats.org/officeDocument/2006/relationships" xmlns:p="http://schemas.openxmlformats.org/presentationml/2006/main">
+  <p:cSld>
+    <p:spTree>
+      <p:nvGrpSpPr>
+        <p:cNvPr id="1" name=""/>
+        <p:cNvGrpSpPr/>
+        <p:nvPr/>
+      </p:nvGrpSpPr>
+      <p:grpSpPr>
+        <a:xfrm>
+          <a:off x="0" y="0"/>
+          <a:ext cx="0" cy="0"/>
+          <a:chOff x="0" y="0"/>
+          <a:chExt cx="0" cy="0"/>
+        </a:xfrm>
+      </p:grpSpPr>
+      <p:sp>
+        <p:nvSpPr>
+          <p:cNvPr id="2" name="Titel 1">
+            <a:extLst>
+              <a:ext uri="{FF2B5EF4-FFF2-40B4-BE49-F238E27FC236}">
+                <a16:creationId xmlns:a16="http://schemas.microsoft.com/office/drawing/2014/main" id="{8D647D3D-5911-044C-A0F8-18209E1F8A97}"/>
+              </a:ext>
+            </a:extLst>
+          </p:cNvPr>
+          <p:cNvSpPr>
+            <a:spLocks noGrp="1"/>
+          </p:cNvSpPr>
+          <p:nvPr>
+            <p:ph type="title"/>
+          </p:nvPr>
+        </p:nvSpPr>
+        <p:spPr/>
+        <p:txBody>
+          <a:bodyPr/>
+          <a:lstStyle/>
+          <a:p>
+            <a:r>
+              <a:rPr lang="nl-NL" dirty="0"/>
+              <a:t>Data analysis</a:t>
+            </a:r>
+          </a:p>
+        </p:txBody>
+      </p:sp>
+      <p:pic>
+        <p:nvPicPr>
+          <p:cNvPr id="12" name="Content Placeholder 11">
+            <a:extLst>
+              <a:ext uri="{FF2B5EF4-FFF2-40B4-BE49-F238E27FC236}">
+                <a16:creationId xmlns:a16="http://schemas.microsoft.com/office/drawing/2014/main" id="{209A033D-2733-495C-B434-BADCDE3A9732}"/>
+              </a:ext>
+            </a:extLst>
+          </p:cNvPr>
+          <p:cNvPicPr>
+            <a:picLocks noGrp="1" noChangeAspect="1"/>
+          </p:cNvPicPr>
+          <p:nvPr>
+            <p:ph idx="1"/>
+          </p:nvPr>
+        </p:nvPicPr>
+        <p:blipFill>
+          <a:blip r:embed="rId3"/>
+          <a:stretch>
+            <a:fillRect/>
+          </a:stretch>
+        </p:blipFill>
+        <p:spPr>
+          <a:xfrm>
+            <a:off x="1302913" y="1485901"/>
+            <a:ext cx="9586173" cy="4866306"/>
+          </a:xfrm>
+        </p:spPr>
+      </p:pic>
+    </p:spTree>
+    <p:extLst>
+      <p:ext uri="{BB962C8B-B14F-4D97-AF65-F5344CB8AC3E}">
+        <p14:creationId xmlns:p14="http://schemas.microsoft.com/office/powerpoint/2010/main" val="1859289025"/>
+      </p:ext>
+    </p:extLst>
+  </p:cSld>
+  <p:clrMapOvr>
+    <a:masterClrMapping/>
+  </p:clrMapOvr>
+</p:sld>
+</file>
+
+<file path=ppt/slides/slide5.xml><?xml version="1.0" encoding="utf-8"?>
+<p:sld xmlns:a="http://schemas.openxmlformats.org/drawingml/2006/main" xmlns:r="http://schemas.openxmlformats.org/officeDocument/2006/relationships" xmlns:p="http://schemas.openxmlformats.org/presentationml/2006/main">
+  <p:cSld>
+    <p:spTree>
+      <p:nvGrpSpPr>
+        <p:cNvPr id="1" name=""/>
+        <p:cNvGrpSpPr/>
+        <p:nvPr/>
+      </p:nvGrpSpPr>
+      <p:grpSpPr>
+        <a:xfrm>
+          <a:off x="0" y="0"/>
+          <a:ext cx="0" cy="0"/>
+          <a:chOff x="0" y="0"/>
+          <a:chExt cx="0" cy="0"/>
+        </a:xfrm>
+      </p:grpSpPr>
+      <p:sp>
+        <p:nvSpPr>
+          <p:cNvPr id="2" name="Titel 1">
+            <a:extLst>
+              <a:ext uri="{FF2B5EF4-FFF2-40B4-BE49-F238E27FC236}">
+                <a16:creationId xmlns:a16="http://schemas.microsoft.com/office/drawing/2014/main" id="{8D647D3D-5911-044C-A0F8-18209E1F8A97}"/>
+              </a:ext>
+            </a:extLst>
+          </p:cNvPr>
+          <p:cNvSpPr>
+            <a:spLocks noGrp="1"/>
+          </p:cNvSpPr>
+          <p:nvPr>
+            <p:ph type="title"/>
+          </p:nvPr>
+        </p:nvSpPr>
+        <p:spPr/>
+        <p:txBody>
+          <a:bodyPr/>
+          <a:lstStyle/>
+          <a:p>
+            <a:r>
+              <a:rPr lang="nl-NL" dirty="0"/>
+              <a:t>New features</a:t>
+            </a:r>
+          </a:p>
+        </p:txBody>
+      </p:sp>
+      <p:sp>
+        <p:nvSpPr>
+          <p:cNvPr id="3" name="Tijdelijke aanduiding voor inhoud 2">
+            <a:extLst>
+              <a:ext uri="{FF2B5EF4-FFF2-40B4-BE49-F238E27FC236}">
+                <a16:creationId xmlns:a16="http://schemas.microsoft.com/office/drawing/2014/main" id="{37AE02E8-812B-DC46-91A8-9C2AF840CCFC}"/>
+              </a:ext>
+            </a:extLst>
+          </p:cNvPr>
+          <p:cNvSpPr>
+            <a:spLocks noGrp="1"/>
+          </p:cNvSpPr>
+          <p:nvPr>
+            <p:ph idx="1"/>
+          </p:nvPr>
+        </p:nvSpPr>
+        <p:spPr/>
+        <p:txBody>
+          <a:bodyPr/>
+          <a:lstStyle/>
+          <a:p>
+            <a:r>
+              <a:rPr lang="en-US" dirty="0"/>
+              <a:t>Mean of numeric property features</a:t>
+            </a:r>
+          </a:p>
+          <a:p>
+            <a:r>
+              <a:rPr lang="en-US" dirty="0"/>
+              <a:t>Clustering the mean numeric features</a:t>
+            </a:r>
+          </a:p>
+          <a:p>
+            <a:r>
+              <a:rPr lang="nl-NL" dirty="0" err="1"/>
+              <a:t>Mean</a:t>
+            </a:r>
+            <a:r>
+              <a:rPr lang="nl-NL" dirty="0"/>
+              <a:t> </a:t>
+            </a:r>
+            <a:r>
+              <a:rPr lang="nl-NL" dirty="0" err="1"/>
+              <a:t>difference</a:t>
+            </a:r>
+            <a:r>
+              <a:rPr lang="nl-NL" dirty="0"/>
+              <a:t> in </a:t>
+            </a:r>
+            <a:r>
+              <a:rPr lang="nl-NL" dirty="0" err="1"/>
+              <a:t>distance</a:t>
+            </a:r>
+            <a:r>
+              <a:rPr lang="nl-NL" dirty="0"/>
+              <a:t> per search </a:t>
+            </a:r>
+            <a:r>
+              <a:rPr lang="nl-NL" dirty="0" err="1"/>
+              <a:t>id</a:t>
+            </a:r>
+            <a:endParaRPr lang="nl-NL" dirty="0"/>
+          </a:p>
+          <a:p>
+            <a:r>
+              <a:rPr lang="nl-NL" dirty="0" err="1"/>
+              <a:t>Mean</a:t>
+            </a:r>
+            <a:r>
+              <a:rPr lang="nl-NL" dirty="0"/>
+              <a:t> </a:t>
+            </a:r>
+            <a:r>
+              <a:rPr lang="nl-NL" dirty="0" err="1"/>
+              <a:t>difference</a:t>
+            </a:r>
+            <a:r>
+              <a:rPr lang="nl-NL" dirty="0"/>
+              <a:t> in </a:t>
+            </a:r>
+            <a:r>
+              <a:rPr lang="nl-NL" dirty="0" err="1"/>
+              <a:t>price</a:t>
+            </a:r>
+            <a:r>
+              <a:rPr lang="nl-NL" dirty="0"/>
+              <a:t> per search </a:t>
+            </a:r>
+            <a:r>
+              <a:rPr lang="nl-NL" dirty="0" err="1"/>
+              <a:t>id</a:t>
+            </a:r>
+            <a:endParaRPr lang="nl-NL" dirty="0"/>
+          </a:p>
+          <a:p>
+            <a:r>
+              <a:rPr lang="en-US" dirty="0"/>
+              <a:t>Mean number of bookings for a property and property destination combination</a:t>
+            </a:r>
+          </a:p>
+          <a:p>
+            <a:endParaRPr lang="en-US" dirty="0"/>
+          </a:p>
+          <a:p>
+            <a:endParaRPr lang="nl-NL" dirty="0"/>
+          </a:p>
+        </p:txBody>
+      </p:sp>
+    </p:spTree>
+    <p:extLst>
+      <p:ext uri="{BB962C8B-B14F-4D97-AF65-F5344CB8AC3E}">
+        <p14:creationId xmlns:p14="http://schemas.microsoft.com/office/powerpoint/2010/main" val="3159084382"/>
+      </p:ext>
+    </p:extLst>
+  </p:cSld>
+  <p:clrMapOvr>
+    <a:masterClrMapping/>
+  </p:clrMapOvr>
+</p:sld>
+</file>
+
+<file path=ppt/slides/slide6.xml><?xml version="1.0" encoding="utf-8"?>
+<p:sld xmlns:a="http://schemas.openxmlformats.org/drawingml/2006/main" xmlns:r="http://schemas.openxmlformats.org/officeDocument/2006/relationships" xmlns:p="http://schemas.openxmlformats.org/presentationml/2006/main">
+  <p:cSld>
+    <p:spTree>
+      <p:nvGrpSpPr>
+        <p:cNvPr id="1" name=""/>
+        <p:cNvGrpSpPr/>
+        <p:nvPr/>
+      </p:nvGrpSpPr>
+      <p:grpSpPr>
+        <a:xfrm>
+          <a:off x="0" y="0"/>
+          <a:ext cx="0" cy="0"/>
+          <a:chOff x="0" y="0"/>
+          <a:chExt cx="0" cy="0"/>
+        </a:xfrm>
+      </p:grpSpPr>
+      <p:sp>
+        <p:nvSpPr>
+          <p:cNvPr id="2" name="Titel 1">
+            <a:extLst>
+              <a:ext uri="{FF2B5EF4-FFF2-40B4-BE49-F238E27FC236}">
+                <a16:creationId xmlns:a16="http://schemas.microsoft.com/office/drawing/2014/main" id="{8D647D3D-5911-044C-A0F8-18209E1F8A97}"/>
+              </a:ext>
+            </a:extLst>
+          </p:cNvPr>
+          <p:cNvSpPr>
+            <a:spLocks noGrp="1"/>
+          </p:cNvSpPr>
+          <p:nvPr>
+            <p:ph type="title"/>
+          </p:nvPr>
+        </p:nvSpPr>
+        <p:spPr/>
+        <p:txBody>
+          <a:bodyPr/>
+          <a:lstStyle/>
+          <a:p>
+            <a:r>
+              <a:rPr lang="nl-NL" dirty="0" err="1"/>
+              <a:t>XgBoost</a:t>
+            </a:r>
+            <a:r>
+              <a:rPr lang="nl-NL" dirty="0"/>
+              <a:t> </a:t>
+            </a:r>
+          </a:p>
+        </p:txBody>
+      </p:sp>
+      <p:sp>
+        <p:nvSpPr>
+          <p:cNvPr id="3" name="Tijdelijke aanduiding voor inhoud 2">
+            <a:extLst>
+              <a:ext uri="{FF2B5EF4-FFF2-40B4-BE49-F238E27FC236}">
+                <a16:creationId xmlns:a16="http://schemas.microsoft.com/office/drawing/2014/main" id="{37AE02E8-812B-DC46-91A8-9C2AF840CCFC}"/>
+              </a:ext>
+            </a:extLst>
+          </p:cNvPr>
+          <p:cNvSpPr>
+            <a:spLocks noGrp="1"/>
+          </p:cNvSpPr>
+          <p:nvPr>
+            <p:ph idx="1"/>
+          </p:nvPr>
+        </p:nvSpPr>
+        <p:spPr/>
+        <p:txBody>
+          <a:bodyPr/>
+          <a:lstStyle/>
+          <a:p>
+            <a:r>
+              <a:rPr lang="nl-NL" dirty="0"/>
+              <a:t>‘</a:t>
+            </a:r>
+            <a:r>
+              <a:rPr lang="nl-NL" dirty="0" err="1"/>
+              <a:t>eXtreme</a:t>
+            </a:r>
+            <a:r>
+              <a:rPr lang="nl-NL" dirty="0"/>
+              <a:t> </a:t>
+            </a:r>
+            <a:r>
+              <a:rPr lang="nl-NL" dirty="0" err="1"/>
+              <a:t>Gradient</a:t>
+            </a:r>
+            <a:r>
+              <a:rPr lang="nl-NL" dirty="0"/>
+              <a:t> </a:t>
+            </a:r>
+            <a:r>
+              <a:rPr lang="nl-NL" dirty="0" err="1"/>
+              <a:t>Boosting</a:t>
+            </a:r>
+            <a:r>
+              <a:rPr lang="nl-NL" dirty="0"/>
+              <a:t>’ </a:t>
+            </a:r>
+          </a:p>
+          <a:p>
+            <a:r>
+              <a:rPr lang="nl-NL" dirty="0"/>
+              <a:t>A parallel </a:t>
+            </a:r>
+            <a:r>
+              <a:rPr lang="nl-NL" dirty="0" err="1"/>
+              <a:t>implementation</a:t>
+            </a:r>
+            <a:r>
+              <a:rPr lang="nl-NL" dirty="0"/>
+              <a:t> of </a:t>
+            </a:r>
+            <a:r>
+              <a:rPr lang="nl-NL" dirty="0" err="1"/>
+              <a:t>Gradient</a:t>
+            </a:r>
+            <a:r>
+              <a:rPr lang="nl-NL" dirty="0"/>
+              <a:t> </a:t>
+            </a:r>
+            <a:r>
+              <a:rPr lang="nl-NL" dirty="0" err="1"/>
+              <a:t>Boosted</a:t>
+            </a:r>
+            <a:r>
+              <a:rPr lang="nl-NL" dirty="0"/>
+              <a:t> </a:t>
+            </a:r>
+            <a:r>
+              <a:rPr lang="nl-NL" dirty="0" err="1"/>
+              <a:t>Decision</a:t>
+            </a:r>
+            <a:r>
+              <a:rPr lang="nl-NL" dirty="0"/>
+              <a:t> Trees (GBDT)</a:t>
+            </a:r>
+          </a:p>
+          <a:p>
+            <a:pPr lvl="1"/>
+            <a:r>
+              <a:rPr lang="nl-NL" dirty="0"/>
+              <a:t>Speed &amp; performance</a:t>
+            </a:r>
+          </a:p>
+        </p:txBody>
+      </p:sp>
+    </p:spTree>
+    <p:extLst>
+      <p:ext uri="{BB962C8B-B14F-4D97-AF65-F5344CB8AC3E}">
+        <p14:creationId xmlns:p14="http://schemas.microsoft.com/office/powerpoint/2010/main" val="4047639685"/>
+      </p:ext>
+    </p:extLst>
+  </p:cSld>
+  <p:clrMapOvr>
+    <a:masterClrMapping/>
+  </p:clrMapOvr>
+</p:sld>
+</file>
+
+<file path=ppt/slides/slide7.xml><?xml version="1.0" encoding="utf-8"?>
+<p:sld xmlns:a="http://schemas.openxmlformats.org/drawingml/2006/main" xmlns:r="http://schemas.openxmlformats.org/officeDocument/2006/relationships" xmlns:p="http://schemas.openxmlformats.org/presentationml/2006/main">
+  <p:cSld>
+    <p:spTree>
+      <p:nvGrpSpPr>
+        <p:cNvPr id="1" name=""/>
+        <p:cNvGrpSpPr/>
+        <p:nvPr/>
+      </p:nvGrpSpPr>
+      <p:grpSpPr>
+        <a:xfrm>
+          <a:off x="0" y="0"/>
+          <a:ext cx="0" cy="0"/>
+          <a:chOff x="0" y="0"/>
+          <a:chExt cx="0" cy="0"/>
+        </a:xfrm>
+      </p:grpSpPr>
+      <p:sp>
+        <p:nvSpPr>
+          <p:cNvPr id="2" name="Titel 1">
+            <a:extLst>
+              <a:ext uri="{FF2B5EF4-FFF2-40B4-BE49-F238E27FC236}">
+                <a16:creationId xmlns:a16="http://schemas.microsoft.com/office/drawing/2014/main" id="{AED32179-1340-E346-BF96-06005B8CEA85}"/>
+              </a:ext>
+            </a:extLst>
+          </p:cNvPr>
+          <p:cNvSpPr>
+            <a:spLocks noGrp="1"/>
+          </p:cNvSpPr>
+          <p:nvPr>
+            <p:ph type="title"/>
+          </p:nvPr>
+        </p:nvSpPr>
+        <p:spPr/>
+        <p:txBody>
+          <a:bodyPr/>
+          <a:lstStyle/>
+          <a:p>
+            <a:r>
+              <a:rPr lang="nl-NL" dirty="0" err="1"/>
+              <a:t>Gradient</a:t>
+            </a:r>
+            <a:r>
+              <a:rPr lang="nl-NL" dirty="0"/>
+              <a:t> </a:t>
+            </a:r>
+            <a:r>
+              <a:rPr lang="nl-NL" dirty="0" err="1"/>
+              <a:t>Boosted</a:t>
+            </a:r>
+            <a:r>
+              <a:rPr lang="nl-NL" dirty="0"/>
+              <a:t> </a:t>
+            </a:r>
+            <a:r>
+              <a:rPr lang="nl-NL" dirty="0" err="1"/>
+              <a:t>Decision</a:t>
+            </a:r>
+            <a:r>
+              <a:rPr lang="nl-NL" dirty="0"/>
+              <a:t> Trees (GBDT)</a:t>
+            </a:r>
+          </a:p>
+        </p:txBody>
+      </p:sp>
+      <p:sp>
+        <p:nvSpPr>
+          <p:cNvPr id="3" name="Tijdelijke aanduiding voor inhoud 2">
+            <a:extLst>
+              <a:ext uri="{FF2B5EF4-FFF2-40B4-BE49-F238E27FC236}">
+                <a16:creationId xmlns:a16="http://schemas.microsoft.com/office/drawing/2014/main" id="{AFC386D7-B89F-AA46-9EB9-D072741A17D9}"/>
+              </a:ext>
+            </a:extLst>
+          </p:cNvPr>
+          <p:cNvSpPr>
+            <a:spLocks noGrp="1"/>
+          </p:cNvSpPr>
+          <p:nvPr>
+            <p:ph idx="1"/>
+          </p:nvPr>
+        </p:nvSpPr>
+        <p:spPr/>
+        <p:txBody>
+          <a:bodyPr/>
+          <a:lstStyle/>
+          <a:p>
+            <a:r>
+              <a:rPr lang="en-US" dirty="0"/>
+              <a:t>A technique which applies a framework called gradient boosting that uses regression trees as base learners. </a:t>
+            </a:r>
+            <a:endParaRPr lang="nl-NL" dirty="0"/>
+          </a:p>
+          <a:p>
+            <a:r>
+              <a:rPr lang="en-US" dirty="0"/>
+              <a:t>Starts with a naïve prediction and then iteratively fits regression trees on the residuals to obtain a linear combination of predictors. </a:t>
+            </a:r>
+            <a:endParaRPr lang="nl-NL" dirty="0"/>
+          </a:p>
+          <a:p>
+            <a:endParaRPr lang="nl-NL" dirty="0"/>
+          </a:p>
+        </p:txBody>
+      </p:sp>
+      <p:sp>
+        <p:nvSpPr>
+          <p:cNvPr id="6" name="Tijdelijke aanduiding voor dianummer 5">
+            <a:extLst>
+              <a:ext uri="{FF2B5EF4-FFF2-40B4-BE49-F238E27FC236}">
+                <a16:creationId xmlns:a16="http://schemas.microsoft.com/office/drawing/2014/main" id="{946AF0B5-917C-2442-831C-CF565A4EDE6E}"/>
+              </a:ext>
+            </a:extLst>
+          </p:cNvPr>
+          <p:cNvSpPr>
+            <a:spLocks noGrp="1"/>
+          </p:cNvSpPr>
+          <p:nvPr>
+            <p:ph type="sldNum" sz="quarter" idx="12"/>
+          </p:nvPr>
+        </p:nvSpPr>
+        <p:spPr/>
+        <p:txBody>
+          <a:bodyPr/>
+          <a:lstStyle/>
+          <a:p>
+            <a:fld id="{FF272617-377D-CE4E-A6E4-D70B0BC3804C}" type="slidenum">
+              <a:rPr lang="nl-NL" smtClean="0"/>
+              <a:t>7</a:t>
+            </a:fld>
+            <a:endParaRPr lang="nl-NL"/>
+          </a:p>
+        </p:txBody>
+      </p:sp>
+    </p:spTree>
+    <p:extLst>
+      <p:ext uri="{BB962C8B-B14F-4D97-AF65-F5344CB8AC3E}">
+        <p14:creationId xmlns:p14="http://schemas.microsoft.com/office/powerpoint/2010/main" val="1461903479"/>
+      </p:ext>
+    </p:extLst>
+  </p:cSld>
+  <p:clrMapOvr>
+    <a:masterClrMapping/>
+  </p:clrMapOvr>
+</p:sld>
+</file>
+
+<file path=ppt/slides/slide8.xml><?xml version="1.0" encoding="utf-8"?>
+<p:sld xmlns:a="http://schemas.openxmlformats.org/drawingml/2006/main" xmlns:r="http://schemas.openxmlformats.org/officeDocument/2006/relationships" xmlns:p="http://schemas.openxmlformats.org/presentationml/2006/main">
+  <p:cSld>
+    <p:spTree>
+      <p:nvGrpSpPr>
+        <p:cNvPr id="1" name=""/>
+        <p:cNvGrpSpPr/>
+        <p:nvPr/>
+      </p:nvGrpSpPr>
+      <p:grpSpPr>
+        <a:xfrm>
+          <a:off x="0" y="0"/>
+          <a:ext cx="0" cy="0"/>
+          <a:chOff x="0" y="0"/>
+          <a:chExt cx="0" cy="0"/>
+        </a:xfrm>
+      </p:grpSpPr>
+      <p:sp>
+        <p:nvSpPr>
+          <p:cNvPr id="2" name="Titel 1">
+            <a:extLst>
+              <a:ext uri="{FF2B5EF4-FFF2-40B4-BE49-F238E27FC236}">
+                <a16:creationId xmlns:a16="http://schemas.microsoft.com/office/drawing/2014/main" id="{1542751B-E125-EC4D-914C-28CB73786A81}"/>
+              </a:ext>
+            </a:extLst>
+          </p:cNvPr>
+          <p:cNvSpPr>
+            <a:spLocks noGrp="1"/>
+          </p:cNvSpPr>
+          <p:nvPr>
+            <p:ph type="title"/>
+          </p:nvPr>
+        </p:nvSpPr>
+        <p:spPr/>
+        <p:txBody>
+          <a:bodyPr/>
+          <a:lstStyle/>
+          <a:p>
+            <a:r>
+              <a:rPr lang="nl-NL" dirty="0" err="1"/>
+              <a:t>Final</a:t>
+            </a:r>
+            <a:r>
+              <a:rPr lang="nl-NL" dirty="0"/>
+              <a:t> </a:t>
+            </a:r>
+            <a:r>
+              <a:rPr lang="nl-NL" dirty="0" err="1"/>
+              <a:t>framework</a:t>
+            </a:r>
+            <a:r>
+              <a:rPr lang="nl-NL" dirty="0"/>
+              <a:t> </a:t>
+            </a:r>
+            <a:r>
+              <a:rPr lang="nl-NL" dirty="0" err="1"/>
+              <a:t>used</a:t>
+            </a:r>
+            <a:endParaRPr lang="nl-NL" dirty="0"/>
+          </a:p>
+        </p:txBody>
+      </p:sp>
+      <p:pic>
+        <p:nvPicPr>
+          <p:cNvPr id="5" name="Tijdelijke aanduiding voor inhoud 4" descr="Hoofd met radertjes">
+            <a:extLst>
+              <a:ext uri="{FF2B5EF4-FFF2-40B4-BE49-F238E27FC236}">
+                <a16:creationId xmlns:a16="http://schemas.microsoft.com/office/drawing/2014/main" id="{14059995-B822-2E48-9567-307A78FC7AC2}"/>
+              </a:ext>
+            </a:extLst>
+          </p:cNvPr>
+          <p:cNvPicPr>
+            <a:picLocks noGrp="1" noChangeAspect="1"/>
+          </p:cNvPicPr>
+          <p:nvPr>
+            <p:ph idx="1"/>
+          </p:nvPr>
+        </p:nvPicPr>
+        <p:blipFill>
+          <a:blip r:embed="rId3">
+            <a:extLst>
+              <a:ext uri="{96DAC541-7B7A-43D3-8B79-37D633B846F1}">
+                <asvg:svgBlip xmlns:asvg="http://schemas.microsoft.com/office/drawing/2016/SVG/main" r:embed="rId4"/>
+              </a:ext>
+            </a:extLst>
+          </a:blip>
+          <a:stretch>
+            <a:fillRect/>
+          </a:stretch>
+        </p:blipFill>
+        <p:spPr>
+          <a:xfrm>
+            <a:off x="1768929" y="2203686"/>
+            <a:ext cx="914400" cy="914400"/>
+          </a:xfrm>
+        </p:spPr>
+      </p:pic>
+      <p:pic>
+        <p:nvPicPr>
+          <p:cNvPr id="6" name="Tijdelijke aanduiding voor inhoud 4" descr="Hoofd met radertjes">
+            <a:extLst>
+              <a:ext uri="{FF2B5EF4-FFF2-40B4-BE49-F238E27FC236}">
+                <a16:creationId xmlns:a16="http://schemas.microsoft.com/office/drawing/2014/main" id="{4F8EACE5-8557-C24A-BAB5-A6E756377B0D}"/>
+              </a:ext>
+            </a:extLst>
+          </p:cNvPr>
+          <p:cNvPicPr>
+            <a:picLocks noChangeAspect="1"/>
+          </p:cNvPicPr>
+          <p:nvPr/>
+        </p:nvPicPr>
+        <p:blipFill>
+          <a:blip r:embed="rId3">
+            <a:extLst>
+              <a:ext uri="{96DAC541-7B7A-43D3-8B79-37D633B846F1}">
+                <asvg:svgBlip xmlns:asvg="http://schemas.microsoft.com/office/drawing/2016/SVG/main" r:embed="rId4"/>
+              </a:ext>
+            </a:extLst>
+          </a:blip>
+          <a:stretch>
+            <a:fillRect/>
+          </a:stretch>
+        </p:blipFill>
+        <p:spPr>
+          <a:xfrm>
+            <a:off x="1768929" y="3617743"/>
+            <a:ext cx="914400" cy="914400"/>
+          </a:xfrm>
+          <a:prstGeom prst="rect">
+            <a:avLst/>
+          </a:prstGeom>
+        </p:spPr>
+      </p:pic>
+      <p:cxnSp>
+        <p:nvCxnSpPr>
+          <p:cNvPr id="8" name="Rechte verbindingslijn met pijl 7">
+            <a:extLst>
+              <a:ext uri="{FF2B5EF4-FFF2-40B4-BE49-F238E27FC236}">
+                <a16:creationId xmlns:a16="http://schemas.microsoft.com/office/drawing/2014/main" id="{69C39090-AB20-BC44-A751-16C29C655B51}"/>
+              </a:ext>
+            </a:extLst>
+          </p:cNvPr>
+          <p:cNvCxnSpPr>
+            <a:cxnSpLocks/>
+          </p:cNvCxnSpPr>
+          <p:nvPr/>
+        </p:nvCxnSpPr>
+        <p:spPr>
+          <a:xfrm>
+            <a:off x="3037114" y="2660886"/>
+            <a:ext cx="1028700" cy="0"/>
+          </a:xfrm>
+          <a:prstGeom prst="straightConnector1">
+            <a:avLst/>
+          </a:prstGeom>
+          <a:ln w="41275">
+            <a:tailEnd type="triangle"/>
+          </a:ln>
+        </p:spPr>
+        <p:style>
+          <a:lnRef idx="1">
+            <a:schemeClr val="accent1"/>
+          </a:lnRef>
+          <a:fillRef idx="0">
+            <a:schemeClr val="accent1"/>
+          </a:fillRef>
+          <a:effectRef idx="0">
+            <a:schemeClr val="accent1"/>
+          </a:effectRef>
+          <a:fontRef idx="minor">
+            <a:schemeClr val="tx1"/>
+          </a:fontRef>
+        </p:style>
+      </p:cxnSp>
+      <p:sp>
+        <p:nvSpPr>
+          <p:cNvPr id="10" name="Tekstvak 9">
+            <a:extLst>
+              <a:ext uri="{FF2B5EF4-FFF2-40B4-BE49-F238E27FC236}">
+                <a16:creationId xmlns:a16="http://schemas.microsoft.com/office/drawing/2014/main" id="{9291CF3E-41E4-8844-994C-972A1362DBFE}"/>
+              </a:ext>
+            </a:extLst>
+          </p:cNvPr>
+          <p:cNvSpPr txBox="1"/>
+          <p:nvPr/>
+        </p:nvSpPr>
+        <p:spPr>
+          <a:xfrm>
+            <a:off x="4637313" y="2471755"/>
+            <a:ext cx="2106387" cy="369332"/>
+          </a:xfrm>
+          <a:prstGeom prst="rect">
+            <a:avLst/>
+          </a:prstGeom>
+          <a:noFill/>
+        </p:spPr>
+        <p:txBody>
+          <a:bodyPr wrap="square" rtlCol="0">
+            <a:spAutoFit/>
+          </a:bodyPr>
+          <a:lstStyle/>
+          <a:p>
+            <a:r>
+              <a:rPr lang="nl-NL" dirty="0"/>
+              <a:t>Value </a:t>
+            </a:r>
+            <a:r>
+              <a:rPr lang="nl-NL" dirty="0" err="1"/>
+              <a:t>clicking</a:t>
+            </a:r>
+            <a:r>
+              <a:rPr lang="nl-NL" dirty="0"/>
+              <a:t> </a:t>
+            </a:r>
+            <a:r>
+              <a:rPr lang="nl-NL" dirty="0" err="1"/>
+              <a:t>bool</a:t>
+            </a:r>
+            <a:endParaRPr lang="nl-NL" dirty="0"/>
+          </a:p>
+        </p:txBody>
+      </p:sp>
+      <p:sp>
+        <p:nvSpPr>
+          <p:cNvPr id="11" name="Tekstvak 10">
+            <a:extLst>
+              <a:ext uri="{FF2B5EF4-FFF2-40B4-BE49-F238E27FC236}">
+                <a16:creationId xmlns:a16="http://schemas.microsoft.com/office/drawing/2014/main" id="{707E2C16-3DDE-A640-9597-80C025DF0B69}"/>
+              </a:ext>
+            </a:extLst>
+          </p:cNvPr>
+          <p:cNvSpPr txBox="1"/>
+          <p:nvPr/>
+        </p:nvSpPr>
+        <p:spPr>
+          <a:xfrm>
+            <a:off x="4637313" y="3890277"/>
+            <a:ext cx="2106386" cy="369332"/>
+          </a:xfrm>
+          <a:prstGeom prst="rect">
+            <a:avLst/>
+          </a:prstGeom>
+          <a:noFill/>
+        </p:spPr>
+        <p:txBody>
+          <a:bodyPr wrap="square" rtlCol="0">
+            <a:spAutoFit/>
+          </a:bodyPr>
+          <a:lstStyle/>
+          <a:p>
+            <a:r>
+              <a:rPr lang="nl-NL" dirty="0"/>
+              <a:t>Value </a:t>
+            </a:r>
+            <a:r>
+              <a:rPr lang="nl-NL" dirty="0" err="1"/>
+              <a:t>booking</a:t>
+            </a:r>
+            <a:r>
+              <a:rPr lang="nl-NL" dirty="0"/>
+              <a:t> </a:t>
+            </a:r>
+            <a:r>
+              <a:rPr lang="nl-NL" dirty="0" err="1"/>
+              <a:t>bool</a:t>
+            </a:r>
+            <a:endParaRPr lang="nl-NL" dirty="0"/>
+          </a:p>
+        </p:txBody>
+      </p:sp>
+      <p:cxnSp>
+        <p:nvCxnSpPr>
+          <p:cNvPr id="12" name="Rechte verbindingslijn met pijl 11">
+            <a:extLst>
+              <a:ext uri="{FF2B5EF4-FFF2-40B4-BE49-F238E27FC236}">
+                <a16:creationId xmlns:a16="http://schemas.microsoft.com/office/drawing/2014/main" id="{D8D26760-BCC8-054E-B662-BF01FAE46545}"/>
+              </a:ext>
+            </a:extLst>
+          </p:cNvPr>
+          <p:cNvCxnSpPr>
+            <a:cxnSpLocks/>
+          </p:cNvCxnSpPr>
+          <p:nvPr/>
+        </p:nvCxnSpPr>
+        <p:spPr>
+          <a:xfrm>
+            <a:off x="3037114" y="4074943"/>
+            <a:ext cx="1028700" cy="0"/>
+          </a:xfrm>
+          <a:prstGeom prst="straightConnector1">
+            <a:avLst/>
+          </a:prstGeom>
+          <a:ln w="41275">
+            <a:tailEnd type="triangle"/>
+          </a:ln>
+        </p:spPr>
+        <p:style>
+          <a:lnRef idx="1">
+            <a:schemeClr val="accent1"/>
+          </a:lnRef>
+          <a:fillRef idx="0">
+            <a:schemeClr val="accent1"/>
+          </a:fillRef>
+          <a:effectRef idx="0">
+            <a:schemeClr val="accent1"/>
+          </a:effectRef>
+          <a:fontRef idx="minor">
+            <a:schemeClr val="tx1"/>
+          </a:fontRef>
+        </p:style>
+      </p:cxnSp>
+      <p:sp>
+        <p:nvSpPr>
+          <p:cNvPr id="13" name="Tekstvak 12">
+            <a:extLst>
+              <a:ext uri="{FF2B5EF4-FFF2-40B4-BE49-F238E27FC236}">
+                <a16:creationId xmlns:a16="http://schemas.microsoft.com/office/drawing/2014/main" id="{BBF84C38-68E7-C645-B427-8C05AEEE9235}"/>
+              </a:ext>
+            </a:extLst>
+          </p:cNvPr>
+          <p:cNvSpPr txBox="1"/>
+          <p:nvPr/>
+        </p:nvSpPr>
+        <p:spPr>
+          <a:xfrm>
+            <a:off x="4637313" y="4939467"/>
+            <a:ext cx="2106386" cy="369332"/>
+          </a:xfrm>
+          <a:prstGeom prst="rect">
+            <a:avLst/>
+          </a:prstGeom>
+          <a:noFill/>
+        </p:spPr>
+        <p:txBody>
+          <a:bodyPr wrap="square" rtlCol="0">
+            <a:spAutoFit/>
+          </a:bodyPr>
+          <a:lstStyle/>
+          <a:p>
+            <a:r>
+              <a:rPr lang="nl-NL" dirty="0" err="1"/>
+              <a:t>Sum</a:t>
+            </a:r>
+            <a:r>
+              <a:rPr lang="nl-NL" dirty="0"/>
+              <a:t> </a:t>
+            </a:r>
+            <a:r>
+              <a:rPr lang="nl-NL" dirty="0" err="1"/>
+              <a:t>value</a:t>
+            </a:r>
+            <a:endParaRPr lang="nl-NL" dirty="0"/>
+          </a:p>
+        </p:txBody>
+      </p:sp>
+      <p:cxnSp>
+        <p:nvCxnSpPr>
+          <p:cNvPr id="15" name="Rechte verbindingslijn 14">
+            <a:extLst>
+              <a:ext uri="{FF2B5EF4-FFF2-40B4-BE49-F238E27FC236}">
+                <a16:creationId xmlns:a16="http://schemas.microsoft.com/office/drawing/2014/main" id="{D79DD7CB-3662-B740-832D-CDFBB274351A}"/>
+              </a:ext>
+            </a:extLst>
+          </p:cNvPr>
+          <p:cNvCxnSpPr/>
+          <p:nvPr/>
+        </p:nvCxnSpPr>
+        <p:spPr>
+          <a:xfrm>
+            <a:off x="4637313" y="4532143"/>
+            <a:ext cx="2808516" cy="0"/>
+          </a:xfrm>
+          <a:prstGeom prst="line">
+            <a:avLst/>
+          </a:prstGeom>
+        </p:spPr>
+        <p:style>
+          <a:lnRef idx="1">
+            <a:schemeClr val="accent1"/>
+          </a:lnRef>
+          <a:fillRef idx="0">
+            <a:schemeClr val="accent1"/>
+          </a:fillRef>
+          <a:effectRef idx="0">
+            <a:schemeClr val="accent1"/>
+          </a:effectRef>
+          <a:fontRef idx="minor">
+            <a:schemeClr val="tx1"/>
+          </a:fontRef>
+        </p:style>
+      </p:cxnSp>
+      <p:sp>
+        <p:nvSpPr>
+          <p:cNvPr id="16" name="Plus 15">
+            <a:extLst>
+              <a:ext uri="{FF2B5EF4-FFF2-40B4-BE49-F238E27FC236}">
+                <a16:creationId xmlns:a16="http://schemas.microsoft.com/office/drawing/2014/main" id="{B490C7BE-DA89-BD48-858F-CE86658049B7}"/>
+              </a:ext>
+            </a:extLst>
+          </p:cNvPr>
+          <p:cNvSpPr/>
+          <p:nvPr/>
+        </p:nvSpPr>
+        <p:spPr>
+          <a:xfrm>
+            <a:off x="7151912" y="4190025"/>
+            <a:ext cx="261258" cy="301114"/>
+          </a:xfrm>
+          <a:prstGeom prst="mathPlus">
+            <a:avLst/>
+          </a:prstGeom>
+        </p:spPr>
+        <p:style>
+          <a:lnRef idx="2">
+            <a:schemeClr val="accent1">
+              <a:shade val="50000"/>
+            </a:schemeClr>
+          </a:lnRef>
+          <a:fillRef idx="1">
+            <a:schemeClr val="accent1"/>
+          </a:fillRef>
+          <a:effectRef idx="0">
+            <a:schemeClr val="accent1"/>
+          </a:effectRef>
+          <a:fontRef idx="minor">
+            <a:schemeClr val="lt1"/>
+          </a:fontRef>
+        </p:style>
+        <p:txBody>
+          <a:bodyPr rtlCol="0" anchor="ctr"/>
+          <a:lstStyle/>
+          <a:p>
+            <a:pPr algn="ctr"/>
+            <a:endParaRPr lang="nl-NL"/>
+          </a:p>
+        </p:txBody>
+      </p:sp>
+    </p:spTree>
+    <p:extLst>
+      <p:ext uri="{BB962C8B-B14F-4D97-AF65-F5344CB8AC3E}">
+        <p14:creationId xmlns:p14="http://schemas.microsoft.com/office/powerpoint/2010/main" val="3120687835"/>
+      </p:ext>
+    </p:extLst>
+  </p:cSld>
+  <p:clrMapOvr>
+    <a:masterClrMapping/>
+  </p:clrMapOvr>
+</p:sld>
+</file>
+
+<file path=ppt/slides/slide9.xml><?xml version="1.0" encoding="utf-8"?>
+<p:sld xmlns:a="http://schemas.openxmlformats.org/drawingml/2006/main" xmlns:r="http://schemas.openxmlformats.org/officeDocument/2006/relationships" xmlns:p="http://schemas.openxmlformats.org/presentationml/2006/main">
+  <p:cSld>
+    <p:spTree>
+      <p:nvGrpSpPr>
+        <p:cNvPr id="1" name=""/>
+        <p:cNvGrpSpPr/>
+        <p:nvPr/>
+      </p:nvGrpSpPr>
+      <p:grpSpPr>
+        <a:xfrm>
+          <a:off x="0" y="0"/>
+          <a:ext cx="0" cy="0"/>
+          <a:chOff x="0" y="0"/>
+          <a:chExt cx="0" cy="0"/>
+        </a:xfrm>
+      </p:grpSpPr>
+      <p:sp>
+        <p:nvSpPr>
+          <p:cNvPr id="2" name="Titel 1">
+            <a:extLst>
+              <a:ext uri="{FF2B5EF4-FFF2-40B4-BE49-F238E27FC236}">
+                <a16:creationId xmlns:a16="http://schemas.microsoft.com/office/drawing/2014/main" id="{AED32179-1340-E346-BF96-06005B8CEA85}"/>
+              </a:ext>
+            </a:extLst>
+          </p:cNvPr>
+          <p:cNvSpPr>
+            <a:spLocks noGrp="1"/>
+          </p:cNvSpPr>
+          <p:nvPr>
+            <p:ph type="title"/>
+          </p:nvPr>
+        </p:nvSpPr>
+        <p:spPr/>
+        <p:txBody>
+          <a:bodyPr/>
+          <a:lstStyle/>
+          <a:p>
+            <a:r>
+              <a:rPr lang="nl-NL" dirty="0" err="1"/>
+              <a:t>Results</a:t>
+            </a:r>
+            <a:endParaRPr lang="nl-NL" dirty="0"/>
+          </a:p>
+        </p:txBody>
+      </p:sp>
+      <p:sp>
+        <p:nvSpPr>
+          <p:cNvPr id="6" name="Tijdelijke aanduiding voor dianummer 5">
+            <a:extLst>
+              <a:ext uri="{FF2B5EF4-FFF2-40B4-BE49-F238E27FC236}">
+                <a16:creationId xmlns:a16="http://schemas.microsoft.com/office/drawing/2014/main" id="{946AF0B5-917C-2442-831C-CF565A4EDE6E}"/>
+              </a:ext>
+            </a:extLst>
+          </p:cNvPr>
+          <p:cNvSpPr>
+            <a:spLocks noGrp="1"/>
+          </p:cNvSpPr>
+          <p:nvPr>
+            <p:ph type="sldNum" sz="quarter" idx="12"/>
+          </p:nvPr>
+        </p:nvSpPr>
+        <p:spPr/>
+        <p:txBody>
+          <a:bodyPr/>
+          <a:lstStyle/>
+          <a:p>
+            <a:fld id="{FF272617-377D-CE4E-A6E4-D70B0BC3804C}" type="slidenum">
+              <a:rPr lang="nl-NL" smtClean="0"/>
+              <a:t>9</a:t>
+            </a:fld>
+            <a:endParaRPr lang="nl-NL"/>
+          </a:p>
+        </p:txBody>
+      </p:sp>
+      <p:pic>
+        <p:nvPicPr>
+          <p:cNvPr id="5" name="Picture 4">
+            <a:extLst>
+              <a:ext uri="{FF2B5EF4-FFF2-40B4-BE49-F238E27FC236}">
+                <a16:creationId xmlns:a16="http://schemas.microsoft.com/office/drawing/2014/main" id="{30C5D8E4-28B3-4C6A-A925-140B36E90188}"/>
+              </a:ext>
+            </a:extLst>
+          </p:cNvPr>
+          <p:cNvPicPr>
+            <a:picLocks noChangeAspect="1"/>
+          </p:cNvPicPr>
+          <p:nvPr/>
+        </p:nvPicPr>
+        <p:blipFill>
+          <a:blip r:embed="rId3"/>
+          <a:stretch>
+            <a:fillRect/>
+          </a:stretch>
+        </p:blipFill>
+        <p:spPr>
+          <a:xfrm>
+            <a:off x="1771650" y="1314637"/>
+            <a:ext cx="9582150" cy="4966284"/>
+          </a:xfrm>
+          <a:prstGeom prst="rect">
+            <a:avLst/>
+          </a:prstGeom>
+        </p:spPr>
+      </p:pic>
+    </p:spTree>
+    <p:extLst>
+      <p:ext uri="{BB962C8B-B14F-4D97-AF65-F5344CB8AC3E}">
+        <p14:creationId xmlns:p14="http://schemas.microsoft.com/office/powerpoint/2010/main" val="3200227365"/>
       </p:ext>
     </p:extLst>
   </p:cSld>
